--- a/workshop/FaceRecognitionInTheWild-Presentation.pptx
+++ b/workshop/FaceRecognitionInTheWild-Presentation.pptx
@@ -5,7 +5,7 @@
     <p:sldMasterId id="2147483724" r:id="rId1"/>
   </p:sldMasterIdLst>
   <p:notesMasterIdLst>
-    <p:notesMasterId r:id="rId21"/>
+    <p:notesMasterId r:id="rId33"/>
   </p:notesMasterIdLst>
   <p:sldIdLst>
     <p:sldId id="256" r:id="rId2"/>
@@ -26,7 +26,19 @@
     <p:sldId id="260" r:id="rId17"/>
     <p:sldId id="261" r:id="rId18"/>
     <p:sldId id="263" r:id="rId19"/>
-    <p:sldId id="262" r:id="rId20"/>
+    <p:sldId id="279" r:id="rId20"/>
+    <p:sldId id="278" r:id="rId21"/>
+    <p:sldId id="281" r:id="rId22"/>
+    <p:sldId id="282" r:id="rId23"/>
+    <p:sldId id="280" r:id="rId24"/>
+    <p:sldId id="283" r:id="rId25"/>
+    <p:sldId id="284" r:id="rId26"/>
+    <p:sldId id="285" r:id="rId27"/>
+    <p:sldId id="286" r:id="rId28"/>
+    <p:sldId id="277" r:id="rId29"/>
+    <p:sldId id="288" r:id="rId30"/>
+    <p:sldId id="287" r:id="rId31"/>
+    <p:sldId id="262" r:id="rId32"/>
   </p:sldIdLst>
   <p:sldSz cx="12192000" cy="6858000"/>
   <p:notesSz cx="6858000" cy="9144000"/>
@@ -133,6 +145,116 @@
 </p:presentation>
 </file>
 
+<file path=ppt/commentAuthors.xml><?xml version="1.0" encoding="utf-8"?>
+<p:cmAuthorLst xmlns:a="http://schemas.openxmlformats.org/drawingml/2006/main" xmlns:r="http://schemas.openxmlformats.org/officeDocument/2006/relationships" xmlns:p="http://schemas.openxmlformats.org/presentationml/2006/main">
+  <p:cmAuthor id="1" name="Daniel Sikar" initials="DS" lastIdx="1" clrIdx="0">
+    <p:extLst>
+      <p:ext uri="{19B8F6BF-5375-455C-9EA6-DF929625EA0E}">
+        <p15:presenceInfo xmlns:p15="http://schemas.microsoft.com/office/powerpoint/2012/main" userId="S-1-5-21-1765983803-316477791-2961354661-349598" providerId="AD"/>
+      </p:ext>
+    </p:extLst>
+  </p:cmAuthor>
+</p:cmAuthorLst>
+</file>
+
+<file path=ppt/comments/comment1.xml><?xml version="1.0" encoding="utf-8"?>
+<p:cmLst xmlns:a="http://schemas.openxmlformats.org/drawingml/2006/main" xmlns:r="http://schemas.openxmlformats.org/officeDocument/2006/relationships" xmlns:p="http://schemas.openxmlformats.org/presentationml/2006/main">
+  <p:cm authorId="1" dt="2020-03-11T16:42:58.062" idx="1">
+    <p:pos x="10" y="10"/>
+    <p:text/>
+    <p:extLst>
+      <p:ext uri="{C676402C-5697-4E1C-873F-D02D1690AC5C}">
+        <p15:threadingInfo xmlns:p15="http://schemas.microsoft.com/office/powerpoint/2012/main" timeZoneBias="0"/>
+      </p:ext>
+    </p:extLst>
+  </p:cm>
+</p:cmLst>
+</file>
+
+<file path=ppt/comments/comment2.xml><?xml version="1.0" encoding="utf-8"?>
+<p:cmLst xmlns:a="http://schemas.openxmlformats.org/drawingml/2006/main" xmlns:r="http://schemas.openxmlformats.org/officeDocument/2006/relationships" xmlns:p="http://schemas.openxmlformats.org/presentationml/2006/main">
+  <p:cm authorId="1" dt="2020-03-11T16:42:58.062" idx="1">
+    <p:pos x="10" y="10"/>
+    <p:text/>
+    <p:extLst>
+      <p:ext uri="{C676402C-5697-4E1C-873F-D02D1690AC5C}">
+        <p15:threadingInfo xmlns:p15="http://schemas.microsoft.com/office/powerpoint/2012/main" timeZoneBias="0"/>
+      </p:ext>
+    </p:extLst>
+  </p:cm>
+</p:cmLst>
+</file>
+
+<file path=ppt/comments/comment3.xml><?xml version="1.0" encoding="utf-8"?>
+<p:cmLst xmlns:a="http://schemas.openxmlformats.org/drawingml/2006/main" xmlns:r="http://schemas.openxmlformats.org/officeDocument/2006/relationships" xmlns:p="http://schemas.openxmlformats.org/presentationml/2006/main">
+  <p:cm authorId="1" dt="2020-03-11T16:42:58.062" idx="1">
+    <p:pos x="10" y="10"/>
+    <p:text/>
+    <p:extLst>
+      <p:ext uri="{C676402C-5697-4E1C-873F-D02D1690AC5C}">
+        <p15:threadingInfo xmlns:p15="http://schemas.microsoft.com/office/powerpoint/2012/main" timeZoneBias="0"/>
+      </p:ext>
+    </p:extLst>
+  </p:cm>
+</p:cmLst>
+</file>
+
+<file path=ppt/comments/comment4.xml><?xml version="1.0" encoding="utf-8"?>
+<p:cmLst xmlns:a="http://schemas.openxmlformats.org/drawingml/2006/main" xmlns:r="http://schemas.openxmlformats.org/officeDocument/2006/relationships" xmlns:p="http://schemas.openxmlformats.org/presentationml/2006/main">
+  <p:cm authorId="1" dt="2020-03-11T16:42:58.062" idx="1">
+    <p:pos x="10" y="10"/>
+    <p:text/>
+    <p:extLst>
+      <p:ext uri="{C676402C-5697-4E1C-873F-D02D1690AC5C}">
+        <p15:threadingInfo xmlns:p15="http://schemas.microsoft.com/office/powerpoint/2012/main" timeZoneBias="0"/>
+      </p:ext>
+    </p:extLst>
+  </p:cm>
+</p:cmLst>
+</file>
+
+<file path=ppt/comments/comment5.xml><?xml version="1.0" encoding="utf-8"?>
+<p:cmLst xmlns:a="http://schemas.openxmlformats.org/drawingml/2006/main" xmlns:r="http://schemas.openxmlformats.org/officeDocument/2006/relationships" xmlns:p="http://schemas.openxmlformats.org/presentationml/2006/main">
+  <p:cm authorId="1" dt="2020-03-11T16:42:58.062" idx="1">
+    <p:pos x="10" y="10"/>
+    <p:text/>
+    <p:extLst>
+      <p:ext uri="{C676402C-5697-4E1C-873F-D02D1690AC5C}">
+        <p15:threadingInfo xmlns:p15="http://schemas.microsoft.com/office/powerpoint/2012/main" timeZoneBias="0"/>
+      </p:ext>
+    </p:extLst>
+  </p:cm>
+</p:cmLst>
+</file>
+
+<file path=ppt/comments/comment6.xml><?xml version="1.0" encoding="utf-8"?>
+<p:cmLst xmlns:a="http://schemas.openxmlformats.org/drawingml/2006/main" xmlns:r="http://schemas.openxmlformats.org/officeDocument/2006/relationships" xmlns:p="http://schemas.openxmlformats.org/presentationml/2006/main">
+  <p:cm authorId="1" dt="2020-03-11T16:42:58.062" idx="1">
+    <p:pos x="10" y="10"/>
+    <p:text/>
+    <p:extLst>
+      <p:ext uri="{C676402C-5697-4E1C-873F-D02D1690AC5C}">
+        <p15:threadingInfo xmlns:p15="http://schemas.microsoft.com/office/powerpoint/2012/main" timeZoneBias="0"/>
+      </p:ext>
+    </p:extLst>
+  </p:cm>
+</p:cmLst>
+</file>
+
+<file path=ppt/comments/comment7.xml><?xml version="1.0" encoding="utf-8"?>
+<p:cmLst xmlns:a="http://schemas.openxmlformats.org/drawingml/2006/main" xmlns:r="http://schemas.openxmlformats.org/officeDocument/2006/relationships" xmlns:p="http://schemas.openxmlformats.org/presentationml/2006/main">
+  <p:cm authorId="1" dt="2020-03-11T16:42:58.062" idx="1">
+    <p:pos x="10" y="10"/>
+    <p:text/>
+    <p:extLst>
+      <p:ext uri="{C676402C-5697-4E1C-873F-D02D1690AC5C}">
+        <p15:threadingInfo xmlns:p15="http://schemas.microsoft.com/office/powerpoint/2012/main" timeZoneBias="0"/>
+      </p:ext>
+    </p:extLst>
+  </p:cm>
+</p:cmLst>
+</file>
+
 <file path=ppt/notesMasters/notesMaster1.xml><?xml version="1.0" encoding="utf-8"?>
 <p:notesMaster xmlns:a="http://schemas.openxmlformats.org/drawingml/2006/main" xmlns:r="http://schemas.openxmlformats.org/officeDocument/2006/relationships" xmlns:p="http://schemas.openxmlformats.org/presentationml/2006/main">
   <p:cSld>
@@ -215,7 +337,7 @@
           <a:p>
             <a:fld id="{2D39410A-5752-4A31-9B55-01936E41380F}" type="datetimeFigureOut">
               <a:rPr lang="en-GB" smtClean="0"/>
-              <a:t>05/03/2020</a:t>
+              <a:t>11/03/2020</a:t>
             </a:fld>
             <a:endParaRPr lang="en-GB"/>
           </a:p>
@@ -587,6 +709,1305 @@
 </p:notes>
 </file>
 
+<file path=ppt/notesSlides/notesSlide10.xml><?xml version="1.0" encoding="utf-8"?>
+<p:notes xmlns:a="http://schemas.openxmlformats.org/drawingml/2006/main" xmlns:r="http://schemas.openxmlformats.org/officeDocument/2006/relationships" xmlns:p="http://schemas.openxmlformats.org/presentationml/2006/main">
+  <p:cSld>
+    <p:spTree>
+      <p:nvGrpSpPr>
+        <p:cNvPr id="1" name=""/>
+        <p:cNvGrpSpPr/>
+        <p:nvPr/>
+      </p:nvGrpSpPr>
+      <p:grpSpPr>
+        <a:xfrm>
+          <a:off x="0" y="0"/>
+          <a:ext cx="0" cy="0"/>
+          <a:chOff x="0" y="0"/>
+          <a:chExt cx="0" cy="0"/>
+        </a:xfrm>
+      </p:grpSpPr>
+      <p:sp>
+        <p:nvSpPr>
+          <p:cNvPr id="2" name="Slide Image Placeholder 1"/>
+          <p:cNvSpPr>
+            <a:spLocks noGrp="1" noRot="1" noChangeAspect="1"/>
+          </p:cNvSpPr>
+          <p:nvPr>
+            <p:ph type="sldImg"/>
+          </p:nvPr>
+        </p:nvSpPr>
+        <p:spPr/>
+      </p:sp>
+      <p:sp>
+        <p:nvSpPr>
+          <p:cNvPr id="3" name="Notes Placeholder 2"/>
+          <p:cNvSpPr>
+            <a:spLocks noGrp="1"/>
+          </p:cNvSpPr>
+          <p:nvPr>
+            <p:ph type="body" idx="1"/>
+          </p:nvPr>
+        </p:nvSpPr>
+        <p:spPr/>
+        <p:txBody>
+          <a:bodyPr/>
+          <a:lstStyle/>
+          <a:p>
+            <a:r>
+              <a:rPr lang="en-GB" baseline="0" dirty="0" smtClean="0"/>
+              <a:t>We, as Department of Computer Science post-graduate students, must operate within the University’s Research Ethics Framework. Final year projects need to comply.  Failure to obtain approval for research that requires it means that you will not be covered by the University’s </a:t>
+            </a:r>
+            <a:r>
+              <a:rPr lang="en-GB" baseline="0" dirty="0" err="1" smtClean="0"/>
+              <a:t>indeminity</a:t>
+            </a:r>
+            <a:r>
+              <a:rPr lang="en-GB" baseline="0" dirty="0" smtClean="0"/>
+              <a:t>. Likely to result in you failing your project and may result in disciplinary action.</a:t>
+            </a:r>
+          </a:p>
+          <a:p>
+            <a:endParaRPr lang="en-GB" baseline="0" dirty="0" smtClean="0"/>
+          </a:p>
+          <a:p>
+            <a:r>
+              <a:rPr lang="en-GB" baseline="0" dirty="0" smtClean="0"/>
+              <a:t>Then we need to submit, together with our project proposal which will become our dissertation, a Research Ethics Review Form, to establish the kind of approval required for the project.</a:t>
+            </a:r>
+          </a:p>
+          <a:p>
+            <a:endParaRPr lang="en-GB" dirty="0"/>
+          </a:p>
+        </p:txBody>
+      </p:sp>
+      <p:sp>
+        <p:nvSpPr>
+          <p:cNvPr id="4" name="Slide Number Placeholder 3"/>
+          <p:cNvSpPr>
+            <a:spLocks noGrp="1"/>
+          </p:cNvSpPr>
+          <p:nvPr>
+            <p:ph type="sldNum" sz="quarter" idx="10"/>
+          </p:nvPr>
+        </p:nvSpPr>
+        <p:spPr/>
+        <p:txBody>
+          <a:bodyPr/>
+          <a:lstStyle/>
+          <a:p>
+            <a:fld id="{C219B520-6AE5-4D22-8ED6-D119B61B942D}" type="slidenum">
+              <a:rPr lang="en-GB" smtClean="0"/>
+              <a:t>20</a:t>
+            </a:fld>
+            <a:endParaRPr lang="en-GB"/>
+          </a:p>
+        </p:txBody>
+      </p:sp>
+    </p:spTree>
+    <p:extLst>
+      <p:ext uri="{BB962C8B-B14F-4D97-AF65-F5344CB8AC3E}">
+        <p14:creationId xmlns:p14="http://schemas.microsoft.com/office/powerpoint/2010/main" val="1675497866"/>
+      </p:ext>
+    </p:extLst>
+  </p:cSld>
+  <p:clrMapOvr>
+    <a:masterClrMapping/>
+  </p:clrMapOvr>
+</p:notes>
+</file>
+
+<file path=ppt/notesSlides/notesSlide11.xml><?xml version="1.0" encoding="utf-8"?>
+<p:notes xmlns:a="http://schemas.openxmlformats.org/drawingml/2006/main" xmlns:r="http://schemas.openxmlformats.org/officeDocument/2006/relationships" xmlns:p="http://schemas.openxmlformats.org/presentationml/2006/main">
+  <p:cSld>
+    <p:spTree>
+      <p:nvGrpSpPr>
+        <p:cNvPr id="1" name=""/>
+        <p:cNvGrpSpPr/>
+        <p:nvPr/>
+      </p:nvGrpSpPr>
+      <p:grpSpPr>
+        <a:xfrm>
+          <a:off x="0" y="0"/>
+          <a:ext cx="0" cy="0"/>
+          <a:chOff x="0" y="0"/>
+          <a:chExt cx="0" cy="0"/>
+        </a:xfrm>
+      </p:grpSpPr>
+      <p:sp>
+        <p:nvSpPr>
+          <p:cNvPr id="2" name="Slide Image Placeholder 1"/>
+          <p:cNvSpPr>
+            <a:spLocks noGrp="1" noRot="1" noChangeAspect="1"/>
+          </p:cNvSpPr>
+          <p:nvPr>
+            <p:ph type="sldImg"/>
+          </p:nvPr>
+        </p:nvSpPr>
+        <p:spPr/>
+      </p:sp>
+      <p:sp>
+        <p:nvSpPr>
+          <p:cNvPr id="3" name="Notes Placeholder 2"/>
+          <p:cNvSpPr>
+            <a:spLocks noGrp="1"/>
+          </p:cNvSpPr>
+          <p:nvPr>
+            <p:ph type="body" idx="1"/>
+          </p:nvPr>
+        </p:nvSpPr>
+        <p:spPr/>
+        <p:txBody>
+          <a:bodyPr/>
+          <a:lstStyle/>
+          <a:p>
+            <a:r>
+              <a:rPr lang="en-GB" sz="1200" i="0" kern="1200" dirty="0" smtClean="0">
+                <a:solidFill>
+                  <a:schemeClr val="tx1"/>
+                </a:solidFill>
+                <a:effectLst/>
+                <a:latin typeface="+mn-lt"/>
+                <a:ea typeface="+mn-ea"/>
+                <a:cs typeface="+mn-cs"/>
+              </a:rPr>
+              <a:t>Let’s see what this form looks like,</a:t>
+            </a:r>
+            <a:r>
+              <a:rPr lang="en-GB" sz="1200" i="0" kern="1200" baseline="0" dirty="0" smtClean="0">
+                <a:solidFill>
+                  <a:schemeClr val="tx1"/>
+                </a:solidFill>
+                <a:effectLst/>
+                <a:latin typeface="+mn-lt"/>
+                <a:ea typeface="+mn-ea"/>
+                <a:cs typeface="+mn-cs"/>
+              </a:rPr>
+              <a:t> what kind of (YES/NO) questions you need to answer.</a:t>
+            </a:r>
+          </a:p>
+          <a:p>
+            <a:endParaRPr lang="en-GB" sz="1200" i="0" kern="1200" dirty="0" smtClean="0">
+              <a:solidFill>
+                <a:schemeClr val="tx1"/>
+              </a:solidFill>
+              <a:effectLst/>
+              <a:latin typeface="+mn-lt"/>
+              <a:ea typeface="+mn-ea"/>
+              <a:cs typeface="+mn-cs"/>
+            </a:endParaRPr>
+          </a:p>
+          <a:p>
+            <a:r>
+              <a:rPr lang="en-GB" sz="1200" i="0" kern="1200" dirty="0" smtClean="0">
+                <a:solidFill>
+                  <a:schemeClr val="tx1"/>
+                </a:solidFill>
+                <a:effectLst/>
+                <a:latin typeface="+mn-lt"/>
+                <a:ea typeface="+mn-ea"/>
+                <a:cs typeface="+mn-cs"/>
+              </a:rPr>
+              <a:t>So these are some of the questions one</a:t>
+            </a:r>
+            <a:r>
+              <a:rPr lang="en-GB" sz="1200" i="0" kern="1200" baseline="0" dirty="0" smtClean="0">
+                <a:solidFill>
+                  <a:schemeClr val="tx1"/>
+                </a:solidFill>
+                <a:effectLst/>
+                <a:latin typeface="+mn-lt"/>
+                <a:ea typeface="+mn-ea"/>
+                <a:cs typeface="+mn-cs"/>
+              </a:rPr>
+              <a:t> would find in the Research Ethics Review Form, Part A:</a:t>
+            </a:r>
+          </a:p>
+          <a:p>
+            <a:endParaRPr lang="en-GB" sz="1200" i="0" kern="1200" dirty="0" smtClean="0">
+              <a:solidFill>
+                <a:schemeClr val="tx1"/>
+              </a:solidFill>
+              <a:effectLst/>
+              <a:latin typeface="+mn-lt"/>
+              <a:ea typeface="+mn-ea"/>
+              <a:cs typeface="+mn-cs"/>
+            </a:endParaRPr>
+          </a:p>
+          <a:p>
+            <a:r>
+              <a:rPr lang="en-GB" sz="1200" i="0" kern="1200" dirty="0" smtClean="0">
+                <a:solidFill>
+                  <a:schemeClr val="tx1"/>
+                </a:solidFill>
+                <a:effectLst/>
+                <a:latin typeface="+mn-lt"/>
+                <a:ea typeface="+mn-ea"/>
+                <a:cs typeface="+mn-cs"/>
+              </a:rPr>
+              <a:t>Mental Capacity Act: Such research needs to be approved by an external ethics committee such as NRES or the Social Care Research Ethics Committee - http://www.scie.org.uk/research/ethics-committee/</a:t>
+            </a:r>
+          </a:p>
+          <a:p>
+            <a:endParaRPr lang="en-GB" sz="1200" i="1" kern="1200" dirty="0" smtClean="0">
+              <a:solidFill>
+                <a:schemeClr val="tx1"/>
+              </a:solidFill>
+              <a:effectLst/>
+              <a:latin typeface="+mn-lt"/>
+              <a:ea typeface="+mn-ea"/>
+              <a:cs typeface="+mn-cs"/>
+            </a:endParaRPr>
+          </a:p>
+          <a:p>
+            <a:r>
+              <a:rPr lang="en-GB" sz="1200" i="0" kern="1200" dirty="0" smtClean="0">
+                <a:solidFill>
+                  <a:schemeClr val="tx1"/>
+                </a:solidFill>
+                <a:effectLst/>
+                <a:latin typeface="+mn-lt"/>
+                <a:ea typeface="+mn-ea"/>
+                <a:cs typeface="+mn-cs"/>
+              </a:rPr>
+              <a:t>Criminal Justice System: Such research needs to be authorised by the ethics approval system of the National Offender Management Service.</a:t>
+            </a:r>
+          </a:p>
+          <a:p>
+            <a:endParaRPr lang="en-GB" baseline="0" dirty="0" smtClean="0"/>
+          </a:p>
+          <a:p>
+            <a:r>
+              <a:rPr lang="en-GB" sz="1200" i="0" kern="1200" dirty="0" smtClean="0">
+                <a:solidFill>
+                  <a:schemeClr val="tx1"/>
+                </a:solidFill>
+                <a:effectLst/>
+                <a:latin typeface="+mn-lt"/>
+                <a:ea typeface="+mn-ea"/>
+                <a:cs typeface="+mn-cs"/>
+              </a:rPr>
+              <a:t>Disclosing information:</a:t>
+            </a:r>
+            <a:r>
+              <a:rPr lang="en-GB" sz="1200" i="0" kern="1200" baseline="0" dirty="0" smtClean="0">
+                <a:solidFill>
+                  <a:schemeClr val="tx1"/>
+                </a:solidFill>
+                <a:effectLst/>
+                <a:latin typeface="+mn-lt"/>
+                <a:ea typeface="+mn-ea"/>
+                <a:cs typeface="+mn-cs"/>
+              </a:rPr>
+              <a:t> </a:t>
+            </a:r>
+            <a:r>
+              <a:rPr lang="en-GB" sz="1200" i="0" kern="1200" dirty="0" smtClean="0">
+                <a:solidFill>
+                  <a:schemeClr val="tx1"/>
+                </a:solidFill>
+                <a:effectLst/>
+                <a:latin typeface="+mn-lt"/>
+                <a:ea typeface="+mn-ea"/>
+                <a:cs typeface="+mn-cs"/>
+              </a:rPr>
+              <a:t>For example, but not limited to: racial or ethnic origin; political opinions; religious beliefs; trade union membership; physical or mental health; sexual life; criminal offences and proceedings</a:t>
+            </a:r>
+            <a:endParaRPr lang="en-GB" i="0" baseline="0" dirty="0" smtClean="0"/>
+          </a:p>
+          <a:p>
+            <a:endParaRPr lang="en-GB" dirty="0" smtClean="0"/>
+          </a:p>
+          <a:p>
+            <a:r>
+              <a:rPr lang="en-GB" sz="1200" i="0" kern="1200" dirty="0" smtClean="0">
+                <a:solidFill>
+                  <a:schemeClr val="tx1"/>
+                </a:solidFill>
+                <a:effectLst/>
+                <a:latin typeface="+mn-lt"/>
+                <a:ea typeface="+mn-ea"/>
+                <a:cs typeface="+mn-cs"/>
+              </a:rPr>
+              <a:t>This includes adults with cognitive and / or learning disabilities, adults with physical disabilities and older people.</a:t>
+            </a:r>
+            <a:endParaRPr lang="en-GB" i="0" dirty="0"/>
+          </a:p>
+        </p:txBody>
+      </p:sp>
+      <p:sp>
+        <p:nvSpPr>
+          <p:cNvPr id="4" name="Slide Number Placeholder 3"/>
+          <p:cNvSpPr>
+            <a:spLocks noGrp="1"/>
+          </p:cNvSpPr>
+          <p:nvPr>
+            <p:ph type="sldNum" sz="quarter" idx="10"/>
+          </p:nvPr>
+        </p:nvSpPr>
+        <p:spPr/>
+        <p:txBody>
+          <a:bodyPr/>
+          <a:lstStyle/>
+          <a:p>
+            <a:fld id="{C219B520-6AE5-4D22-8ED6-D119B61B942D}" type="slidenum">
+              <a:rPr lang="en-GB" smtClean="0"/>
+              <a:t>21</a:t>
+            </a:fld>
+            <a:endParaRPr lang="en-GB"/>
+          </a:p>
+        </p:txBody>
+      </p:sp>
+    </p:spTree>
+    <p:extLst>
+      <p:ext uri="{BB962C8B-B14F-4D97-AF65-F5344CB8AC3E}">
+        <p14:creationId xmlns:p14="http://schemas.microsoft.com/office/powerpoint/2010/main" val="1183440182"/>
+      </p:ext>
+    </p:extLst>
+  </p:cSld>
+  <p:clrMapOvr>
+    <a:masterClrMapping/>
+  </p:clrMapOvr>
+</p:notes>
+</file>
+
+<file path=ppt/notesSlides/notesSlide12.xml><?xml version="1.0" encoding="utf-8"?>
+<p:notes xmlns:a="http://schemas.openxmlformats.org/drawingml/2006/main" xmlns:r="http://schemas.openxmlformats.org/officeDocument/2006/relationships" xmlns:p="http://schemas.openxmlformats.org/presentationml/2006/main">
+  <p:cSld>
+    <p:spTree>
+      <p:nvGrpSpPr>
+        <p:cNvPr id="1" name=""/>
+        <p:cNvGrpSpPr/>
+        <p:nvPr/>
+      </p:nvGrpSpPr>
+      <p:grpSpPr>
+        <a:xfrm>
+          <a:off x="0" y="0"/>
+          <a:ext cx="0" cy="0"/>
+          <a:chOff x="0" y="0"/>
+          <a:chExt cx="0" cy="0"/>
+        </a:xfrm>
+      </p:grpSpPr>
+      <p:sp>
+        <p:nvSpPr>
+          <p:cNvPr id="2" name="Slide Image Placeholder 1"/>
+          <p:cNvSpPr>
+            <a:spLocks noGrp="1" noRot="1" noChangeAspect="1"/>
+          </p:cNvSpPr>
+          <p:nvPr>
+            <p:ph type="sldImg"/>
+          </p:nvPr>
+        </p:nvSpPr>
+        <p:spPr/>
+      </p:sp>
+      <p:sp>
+        <p:nvSpPr>
+          <p:cNvPr id="3" name="Notes Placeholder 2"/>
+          <p:cNvSpPr>
+            <a:spLocks noGrp="1"/>
+          </p:cNvSpPr>
+          <p:nvPr>
+            <p:ph type="body" idx="1"/>
+          </p:nvPr>
+        </p:nvSpPr>
+        <p:spPr/>
+        <p:txBody>
+          <a:bodyPr/>
+          <a:lstStyle/>
+          <a:p>
+            <a:r>
+              <a:rPr lang="en-GB" sz="1200" i="0" kern="1200" baseline="0" dirty="0" smtClean="0">
+                <a:solidFill>
+                  <a:schemeClr val="tx1"/>
+                </a:solidFill>
+                <a:effectLst/>
+                <a:latin typeface="+mn-lt"/>
+                <a:ea typeface="+mn-ea"/>
+                <a:cs typeface="+mn-cs"/>
+              </a:rPr>
+              <a:t>And some of the question from part B, the Ethics Proportionate Review Form, based on answers to Part A, so you might not need to complete this part, depending on nature of research:</a:t>
+            </a:r>
+          </a:p>
+          <a:p>
+            <a:endParaRPr lang="en-GB" sz="1200" i="0" kern="1200" baseline="0" dirty="0" smtClean="0">
+              <a:solidFill>
+                <a:schemeClr val="tx1"/>
+              </a:solidFill>
+              <a:effectLst/>
+              <a:latin typeface="+mn-lt"/>
+              <a:ea typeface="+mn-ea"/>
+              <a:cs typeface="+mn-cs"/>
+            </a:endParaRPr>
+          </a:p>
+          <a:p>
+            <a:r>
+              <a:rPr lang="en-GB" sz="1200" i="0" kern="1200" baseline="0" dirty="0" smtClean="0">
+                <a:solidFill>
+                  <a:schemeClr val="tx1"/>
+                </a:solidFill>
+                <a:effectLst/>
+                <a:latin typeface="+mn-lt"/>
+                <a:ea typeface="+mn-ea"/>
+                <a:cs typeface="+mn-cs"/>
+              </a:rPr>
+              <a:t>Consent: must attach drafts of the participant information sheet(s) and consent form(s) </a:t>
+            </a:r>
+          </a:p>
+          <a:p>
+            <a:endParaRPr lang="en-GB" sz="1200" i="0" kern="1200" baseline="0" dirty="0" smtClean="0">
+              <a:solidFill>
+                <a:schemeClr val="tx1"/>
+              </a:solidFill>
+              <a:effectLst/>
+              <a:latin typeface="+mn-lt"/>
+              <a:ea typeface="+mn-ea"/>
+              <a:cs typeface="+mn-cs"/>
+            </a:endParaRPr>
+          </a:p>
+          <a:p>
+            <a:endParaRPr lang="en-GB" sz="1200" i="0" kern="1200" baseline="0" dirty="0" smtClean="0">
+              <a:solidFill>
+                <a:schemeClr val="tx1"/>
+              </a:solidFill>
+              <a:effectLst/>
+              <a:latin typeface="+mn-lt"/>
+              <a:ea typeface="+mn-ea"/>
+              <a:cs typeface="+mn-cs"/>
+            </a:endParaRPr>
+          </a:p>
+          <a:p>
+            <a:endParaRPr lang="en-GB" sz="1200" i="0" kern="1200" baseline="0" dirty="0" smtClean="0">
+              <a:solidFill>
+                <a:schemeClr val="tx1"/>
+              </a:solidFill>
+              <a:effectLst/>
+              <a:latin typeface="+mn-lt"/>
+              <a:ea typeface="+mn-ea"/>
+              <a:cs typeface="+mn-cs"/>
+            </a:endParaRPr>
+          </a:p>
+          <a:p>
+            <a:endParaRPr lang="en-GB" sz="1200" i="0" kern="1200" baseline="0" dirty="0" smtClean="0">
+              <a:solidFill>
+                <a:schemeClr val="tx1"/>
+              </a:solidFill>
+              <a:effectLst/>
+              <a:latin typeface="+mn-lt"/>
+              <a:ea typeface="+mn-ea"/>
+              <a:cs typeface="+mn-cs"/>
+            </a:endParaRPr>
+          </a:p>
+          <a:p>
+            <a:endParaRPr lang="en-GB" sz="1200" i="0" kern="1200" baseline="0" dirty="0" smtClean="0">
+              <a:solidFill>
+                <a:schemeClr val="tx1"/>
+              </a:solidFill>
+              <a:effectLst/>
+              <a:latin typeface="+mn-lt"/>
+              <a:ea typeface="+mn-ea"/>
+              <a:cs typeface="+mn-cs"/>
+            </a:endParaRPr>
+          </a:p>
+          <a:p>
+            <a:endParaRPr lang="en-GB" i="0" dirty="0"/>
+          </a:p>
+        </p:txBody>
+      </p:sp>
+      <p:sp>
+        <p:nvSpPr>
+          <p:cNvPr id="4" name="Slide Number Placeholder 3"/>
+          <p:cNvSpPr>
+            <a:spLocks noGrp="1"/>
+          </p:cNvSpPr>
+          <p:nvPr>
+            <p:ph type="sldNum" sz="quarter" idx="10"/>
+          </p:nvPr>
+        </p:nvSpPr>
+        <p:spPr/>
+        <p:txBody>
+          <a:bodyPr/>
+          <a:lstStyle/>
+          <a:p>
+            <a:fld id="{C219B520-6AE5-4D22-8ED6-D119B61B942D}" type="slidenum">
+              <a:rPr lang="en-GB" smtClean="0"/>
+              <a:t>22</a:t>
+            </a:fld>
+            <a:endParaRPr lang="en-GB"/>
+          </a:p>
+        </p:txBody>
+      </p:sp>
+    </p:spTree>
+    <p:extLst>
+      <p:ext uri="{BB962C8B-B14F-4D97-AF65-F5344CB8AC3E}">
+        <p14:creationId xmlns:p14="http://schemas.microsoft.com/office/powerpoint/2010/main" val="3337050269"/>
+      </p:ext>
+    </p:extLst>
+  </p:cSld>
+  <p:clrMapOvr>
+    <a:masterClrMapping/>
+  </p:clrMapOvr>
+</p:notes>
+</file>
+
+<file path=ppt/notesSlides/notesSlide13.xml><?xml version="1.0" encoding="utf-8"?>
+<p:notes xmlns:a="http://schemas.openxmlformats.org/drawingml/2006/main" xmlns:r="http://schemas.openxmlformats.org/officeDocument/2006/relationships" xmlns:p="http://schemas.openxmlformats.org/presentationml/2006/main">
+  <p:cSld>
+    <p:spTree>
+      <p:nvGrpSpPr>
+        <p:cNvPr id="1" name=""/>
+        <p:cNvGrpSpPr/>
+        <p:nvPr/>
+      </p:nvGrpSpPr>
+      <p:grpSpPr>
+        <a:xfrm>
+          <a:off x="0" y="0"/>
+          <a:ext cx="0" cy="0"/>
+          <a:chOff x="0" y="0"/>
+          <a:chExt cx="0" cy="0"/>
+        </a:xfrm>
+      </p:grpSpPr>
+      <p:sp>
+        <p:nvSpPr>
+          <p:cNvPr id="2" name="Slide Image Placeholder 1"/>
+          <p:cNvSpPr>
+            <a:spLocks noGrp="1" noRot="1" noChangeAspect="1"/>
+          </p:cNvSpPr>
+          <p:nvPr>
+            <p:ph type="sldImg"/>
+          </p:nvPr>
+        </p:nvSpPr>
+        <p:spPr/>
+      </p:sp>
+      <p:sp>
+        <p:nvSpPr>
+          <p:cNvPr id="3" name="Notes Placeholder 2"/>
+          <p:cNvSpPr>
+            <a:spLocks noGrp="1"/>
+          </p:cNvSpPr>
+          <p:nvPr>
+            <p:ph type="body" idx="1"/>
+          </p:nvPr>
+        </p:nvSpPr>
+        <p:spPr/>
+        <p:txBody>
+          <a:bodyPr/>
+          <a:lstStyle/>
+          <a:p>
+            <a:r>
+              <a:rPr lang="en-GB" dirty="0" smtClean="0"/>
+              <a:t>So Anna is one of the full-time</a:t>
+            </a:r>
+            <a:r>
+              <a:rPr lang="en-GB" baseline="0" dirty="0" smtClean="0"/>
+              <a:t> students that started in the same year as me. She did her final year dissertation based around medical imaging. Now computer vision is an area where a lot of research is happening and we see this by the number of papers submitted to conferences, and their content. So there are competitions such as ImageNet - Large Scale Visual Recognition Challenge. So let’s look at these highly accurate image classifiers…</a:t>
+            </a:r>
+          </a:p>
+          <a:p>
+            <a:endParaRPr lang="en-GB" dirty="0"/>
+          </a:p>
+        </p:txBody>
+      </p:sp>
+      <p:sp>
+        <p:nvSpPr>
+          <p:cNvPr id="4" name="Slide Number Placeholder 3"/>
+          <p:cNvSpPr>
+            <a:spLocks noGrp="1"/>
+          </p:cNvSpPr>
+          <p:nvPr>
+            <p:ph type="sldNum" sz="quarter" idx="10"/>
+          </p:nvPr>
+        </p:nvSpPr>
+        <p:spPr/>
+        <p:txBody>
+          <a:bodyPr/>
+          <a:lstStyle/>
+          <a:p>
+            <a:fld id="{C219B520-6AE5-4D22-8ED6-D119B61B942D}" type="slidenum">
+              <a:rPr lang="en-GB" smtClean="0"/>
+              <a:t>23</a:t>
+            </a:fld>
+            <a:endParaRPr lang="en-GB"/>
+          </a:p>
+        </p:txBody>
+      </p:sp>
+    </p:spTree>
+    <p:extLst>
+      <p:ext uri="{BB962C8B-B14F-4D97-AF65-F5344CB8AC3E}">
+        <p14:creationId xmlns:p14="http://schemas.microsoft.com/office/powerpoint/2010/main" val="1785255452"/>
+      </p:ext>
+    </p:extLst>
+  </p:cSld>
+  <p:clrMapOvr>
+    <a:masterClrMapping/>
+  </p:clrMapOvr>
+</p:notes>
+</file>
+
+<file path=ppt/notesSlides/notesSlide14.xml><?xml version="1.0" encoding="utf-8"?>
+<p:notes xmlns:a="http://schemas.openxmlformats.org/drawingml/2006/main" xmlns:r="http://schemas.openxmlformats.org/officeDocument/2006/relationships" xmlns:p="http://schemas.openxmlformats.org/presentationml/2006/main">
+  <p:cSld>
+    <p:spTree>
+      <p:nvGrpSpPr>
+        <p:cNvPr id="1" name=""/>
+        <p:cNvGrpSpPr/>
+        <p:nvPr/>
+      </p:nvGrpSpPr>
+      <p:grpSpPr>
+        <a:xfrm>
+          <a:off x="0" y="0"/>
+          <a:ext cx="0" cy="0"/>
+          <a:chOff x="0" y="0"/>
+          <a:chExt cx="0" cy="0"/>
+        </a:xfrm>
+      </p:grpSpPr>
+      <p:sp>
+        <p:nvSpPr>
+          <p:cNvPr id="2" name="Slide Image Placeholder 1"/>
+          <p:cNvSpPr>
+            <a:spLocks noGrp="1" noRot="1" noChangeAspect="1"/>
+          </p:cNvSpPr>
+          <p:nvPr>
+            <p:ph type="sldImg"/>
+          </p:nvPr>
+        </p:nvSpPr>
+        <p:spPr/>
+      </p:sp>
+      <p:sp>
+        <p:nvSpPr>
+          <p:cNvPr id="3" name="Notes Placeholder 2"/>
+          <p:cNvSpPr>
+            <a:spLocks noGrp="1"/>
+          </p:cNvSpPr>
+          <p:nvPr>
+            <p:ph type="body" idx="1"/>
+          </p:nvPr>
+        </p:nvSpPr>
+        <p:spPr/>
+        <p:txBody>
+          <a:bodyPr/>
+          <a:lstStyle/>
+          <a:p>
+            <a:r>
+              <a:rPr lang="en-GB" dirty="0" smtClean="0"/>
+              <a:t>So we can see that</a:t>
+            </a:r>
+            <a:r>
+              <a:rPr lang="en-GB" baseline="0" dirty="0" smtClean="0"/>
+              <a:t> based on the error rates from the ImageNet Challenge, from 2015, this specific type of algorithm, called a Neural Network, from 2015 can classify images better than humans.</a:t>
+            </a:r>
+            <a:endParaRPr lang="en-GB" dirty="0"/>
+          </a:p>
+        </p:txBody>
+      </p:sp>
+      <p:sp>
+        <p:nvSpPr>
+          <p:cNvPr id="4" name="Slide Number Placeholder 3"/>
+          <p:cNvSpPr>
+            <a:spLocks noGrp="1"/>
+          </p:cNvSpPr>
+          <p:nvPr>
+            <p:ph type="sldNum" sz="quarter" idx="10"/>
+          </p:nvPr>
+        </p:nvSpPr>
+        <p:spPr/>
+        <p:txBody>
+          <a:bodyPr/>
+          <a:lstStyle/>
+          <a:p>
+            <a:fld id="{C219B520-6AE5-4D22-8ED6-D119B61B942D}" type="slidenum">
+              <a:rPr lang="en-GB" smtClean="0"/>
+              <a:t>24</a:t>
+            </a:fld>
+            <a:endParaRPr lang="en-GB"/>
+          </a:p>
+        </p:txBody>
+      </p:sp>
+    </p:spTree>
+    <p:extLst>
+      <p:ext uri="{BB962C8B-B14F-4D97-AF65-F5344CB8AC3E}">
+        <p14:creationId xmlns:p14="http://schemas.microsoft.com/office/powerpoint/2010/main" val="1558678878"/>
+      </p:ext>
+    </p:extLst>
+  </p:cSld>
+  <p:clrMapOvr>
+    <a:masterClrMapping/>
+  </p:clrMapOvr>
+</p:notes>
+</file>
+
+<file path=ppt/notesSlides/notesSlide15.xml><?xml version="1.0" encoding="utf-8"?>
+<p:notes xmlns:a="http://schemas.openxmlformats.org/drawingml/2006/main" xmlns:r="http://schemas.openxmlformats.org/officeDocument/2006/relationships" xmlns:p="http://schemas.openxmlformats.org/presentationml/2006/main">
+  <p:cSld>
+    <p:spTree>
+      <p:nvGrpSpPr>
+        <p:cNvPr id="1" name=""/>
+        <p:cNvGrpSpPr/>
+        <p:nvPr/>
+      </p:nvGrpSpPr>
+      <p:grpSpPr>
+        <a:xfrm>
+          <a:off x="0" y="0"/>
+          <a:ext cx="0" cy="0"/>
+          <a:chOff x="0" y="0"/>
+          <a:chExt cx="0" cy="0"/>
+        </a:xfrm>
+      </p:grpSpPr>
+      <p:sp>
+        <p:nvSpPr>
+          <p:cNvPr id="2" name="Slide Image Placeholder 1"/>
+          <p:cNvSpPr>
+            <a:spLocks noGrp="1" noRot="1" noChangeAspect="1"/>
+          </p:cNvSpPr>
+          <p:nvPr>
+            <p:ph type="sldImg"/>
+          </p:nvPr>
+        </p:nvSpPr>
+        <p:spPr/>
+      </p:sp>
+      <p:sp>
+        <p:nvSpPr>
+          <p:cNvPr id="3" name="Notes Placeholder 2"/>
+          <p:cNvSpPr>
+            <a:spLocks noGrp="1"/>
+          </p:cNvSpPr>
+          <p:nvPr>
+            <p:ph type="body" idx="1"/>
+          </p:nvPr>
+        </p:nvSpPr>
+        <p:spPr/>
+        <p:txBody>
+          <a:bodyPr/>
+          <a:lstStyle/>
+          <a:p>
+            <a:r>
+              <a:rPr lang="en-GB" dirty="0" smtClean="0"/>
+              <a:t>If we look at</a:t>
+            </a:r>
+            <a:r>
+              <a:rPr lang="en-GB" baseline="0" dirty="0" smtClean="0"/>
+              <a:t> t</a:t>
+            </a:r>
+            <a:r>
+              <a:rPr lang="en-GB" dirty="0" smtClean="0"/>
+              <a:t>he evolution of</a:t>
+            </a:r>
+            <a:r>
+              <a:rPr lang="en-GB" baseline="0" dirty="0" smtClean="0"/>
+              <a:t> the winning entries from 2010 to 2015, so called Convolutional Neural Networks have outperformed hand-crafted descriptors and shallow networks by a large margin.</a:t>
+            </a:r>
+            <a:endParaRPr lang="en-GB" dirty="0"/>
+          </a:p>
+        </p:txBody>
+      </p:sp>
+      <p:sp>
+        <p:nvSpPr>
+          <p:cNvPr id="4" name="Slide Number Placeholder 3"/>
+          <p:cNvSpPr>
+            <a:spLocks noGrp="1"/>
+          </p:cNvSpPr>
+          <p:nvPr>
+            <p:ph type="sldNum" sz="quarter" idx="10"/>
+          </p:nvPr>
+        </p:nvSpPr>
+        <p:spPr/>
+        <p:txBody>
+          <a:bodyPr/>
+          <a:lstStyle/>
+          <a:p>
+            <a:fld id="{C219B520-6AE5-4D22-8ED6-D119B61B942D}" type="slidenum">
+              <a:rPr lang="en-GB" smtClean="0"/>
+              <a:t>25</a:t>
+            </a:fld>
+            <a:endParaRPr lang="en-GB"/>
+          </a:p>
+        </p:txBody>
+      </p:sp>
+    </p:spTree>
+    <p:extLst>
+      <p:ext uri="{BB962C8B-B14F-4D97-AF65-F5344CB8AC3E}">
+        <p14:creationId xmlns:p14="http://schemas.microsoft.com/office/powerpoint/2010/main" val="1528893577"/>
+      </p:ext>
+    </p:extLst>
+  </p:cSld>
+  <p:clrMapOvr>
+    <a:masterClrMapping/>
+  </p:clrMapOvr>
+</p:notes>
+</file>
+
+<file path=ppt/notesSlides/notesSlide16.xml><?xml version="1.0" encoding="utf-8"?>
+<p:notes xmlns:a="http://schemas.openxmlformats.org/drawingml/2006/main" xmlns:r="http://schemas.openxmlformats.org/officeDocument/2006/relationships" xmlns:p="http://schemas.openxmlformats.org/presentationml/2006/main">
+  <p:cSld>
+    <p:spTree>
+      <p:nvGrpSpPr>
+        <p:cNvPr id="1" name=""/>
+        <p:cNvGrpSpPr/>
+        <p:nvPr/>
+      </p:nvGrpSpPr>
+      <p:grpSpPr>
+        <a:xfrm>
+          <a:off x="0" y="0"/>
+          <a:ext cx="0" cy="0"/>
+          <a:chOff x="0" y="0"/>
+          <a:chExt cx="0" cy="0"/>
+        </a:xfrm>
+      </p:grpSpPr>
+      <p:sp>
+        <p:nvSpPr>
+          <p:cNvPr id="2" name="Slide Image Placeholder 1"/>
+          <p:cNvSpPr>
+            <a:spLocks noGrp="1" noRot="1" noChangeAspect="1"/>
+          </p:cNvSpPr>
+          <p:nvPr>
+            <p:ph type="sldImg"/>
+          </p:nvPr>
+        </p:nvSpPr>
+        <p:spPr/>
+      </p:sp>
+      <p:sp>
+        <p:nvSpPr>
+          <p:cNvPr id="3" name="Notes Placeholder 2"/>
+          <p:cNvSpPr>
+            <a:spLocks noGrp="1"/>
+          </p:cNvSpPr>
+          <p:nvPr>
+            <p:ph type="body" idx="1"/>
+          </p:nvPr>
+        </p:nvSpPr>
+        <p:spPr/>
+        <p:txBody>
+          <a:bodyPr/>
+          <a:lstStyle/>
+          <a:p>
+            <a:r>
+              <a:rPr lang="en-GB" dirty="0" smtClean="0"/>
+              <a:t>So this is the architecture of the 2012 ImageNet Challenge winner, the </a:t>
+            </a:r>
+            <a:r>
+              <a:rPr lang="en-GB" dirty="0" err="1" smtClean="0"/>
+              <a:t>AlexNet</a:t>
+            </a:r>
+            <a:r>
+              <a:rPr lang="en-GB" dirty="0" smtClean="0"/>
+              <a:t> convolutional neural</a:t>
+            </a:r>
+            <a:r>
+              <a:rPr lang="en-GB" baseline="0" dirty="0" smtClean="0"/>
+              <a:t> network, which is a so called deep network, with many so-called hidden layers. For further details please refer to the original paper. Suffice to say the network has 60 million parameters, nine layers and the images are being filters up till the sixth layer with so called convolutions, so an operation with two vectors where you convolve a filter with the signal, which in this case is the image. So somehow, the decision to label a cat, a cat, and a dog, a dog, somehow that decision is encoded in the middle of a model that was trained using this network.</a:t>
+            </a:r>
+            <a:endParaRPr lang="en-GB" dirty="0"/>
+          </a:p>
+        </p:txBody>
+      </p:sp>
+      <p:sp>
+        <p:nvSpPr>
+          <p:cNvPr id="4" name="Slide Number Placeholder 3"/>
+          <p:cNvSpPr>
+            <a:spLocks noGrp="1"/>
+          </p:cNvSpPr>
+          <p:nvPr>
+            <p:ph type="sldNum" sz="quarter" idx="10"/>
+          </p:nvPr>
+        </p:nvSpPr>
+        <p:spPr/>
+        <p:txBody>
+          <a:bodyPr/>
+          <a:lstStyle/>
+          <a:p>
+            <a:fld id="{C219B520-6AE5-4D22-8ED6-D119B61B942D}" type="slidenum">
+              <a:rPr lang="en-GB" smtClean="0"/>
+              <a:t>26</a:t>
+            </a:fld>
+            <a:endParaRPr lang="en-GB"/>
+          </a:p>
+        </p:txBody>
+      </p:sp>
+    </p:spTree>
+    <p:extLst>
+      <p:ext uri="{BB962C8B-B14F-4D97-AF65-F5344CB8AC3E}">
+        <p14:creationId xmlns:p14="http://schemas.microsoft.com/office/powerpoint/2010/main" val="2110838860"/>
+      </p:ext>
+    </p:extLst>
+  </p:cSld>
+  <p:clrMapOvr>
+    <a:masterClrMapping/>
+  </p:clrMapOvr>
+</p:notes>
+</file>
+
+<file path=ppt/notesSlides/notesSlide17.xml><?xml version="1.0" encoding="utf-8"?>
+<p:notes xmlns:a="http://schemas.openxmlformats.org/drawingml/2006/main" xmlns:r="http://schemas.openxmlformats.org/officeDocument/2006/relationships" xmlns:p="http://schemas.openxmlformats.org/presentationml/2006/main">
+  <p:cSld>
+    <p:spTree>
+      <p:nvGrpSpPr>
+        <p:cNvPr id="1" name=""/>
+        <p:cNvGrpSpPr/>
+        <p:nvPr/>
+      </p:nvGrpSpPr>
+      <p:grpSpPr>
+        <a:xfrm>
+          <a:off x="0" y="0"/>
+          <a:ext cx="0" cy="0"/>
+          <a:chOff x="0" y="0"/>
+          <a:chExt cx="0" cy="0"/>
+        </a:xfrm>
+      </p:grpSpPr>
+      <p:sp>
+        <p:nvSpPr>
+          <p:cNvPr id="2" name="Slide Image Placeholder 1"/>
+          <p:cNvSpPr>
+            <a:spLocks noGrp="1" noRot="1" noChangeAspect="1"/>
+          </p:cNvSpPr>
+          <p:nvPr>
+            <p:ph type="sldImg"/>
+          </p:nvPr>
+        </p:nvSpPr>
+        <p:spPr/>
+      </p:sp>
+      <p:sp>
+        <p:nvSpPr>
+          <p:cNvPr id="3" name="Notes Placeholder 2"/>
+          <p:cNvSpPr>
+            <a:spLocks noGrp="1"/>
+          </p:cNvSpPr>
+          <p:nvPr>
+            <p:ph type="body" idx="1"/>
+          </p:nvPr>
+        </p:nvSpPr>
+        <p:spPr/>
+        <p:txBody>
+          <a:bodyPr/>
+          <a:lstStyle/>
+          <a:p>
+            <a:r>
+              <a:rPr lang="en-GB" dirty="0" smtClean="0"/>
+              <a:t>Now</a:t>
+            </a:r>
+            <a:r>
+              <a:rPr lang="en-GB" baseline="0" dirty="0" smtClean="0"/>
+              <a:t> let’s look at another classifier known as a Support Vector Machine or SVM. In this case it is a binary classifier and can only distinguish between two classes. So let’s say our green dots are our cats and our blue squares are our dogs. Let’s just look at the dividing line and try to work out what kind of equation would represent that line, and let’s say that equation is y = -x + 5, so the slope is equal to -1 and the intercept on the y axis is 5, and that x (x1) represents weight and y (x2) represents height.</a:t>
+            </a:r>
+          </a:p>
+          <a:p>
+            <a:r>
+              <a:rPr lang="en-GB" baseline="0" dirty="0" smtClean="0"/>
+              <a:t>If we put this equation in the form x + y – 5 = 0, and plug in, say values 1 for x and 1 for y, we can -3 which is less than zero, so that tells us if the creature weights 1 unit of weight and if one using of height tall, than our classifier says that creature is a cat. Now if we plug in say, x = 3 and y = 5, the result is positive 1, which is greater than zero, so our classifier says that creature is a dog, and that would be a crude comparison (because with the previous neural network we are dealing with images) but a start in the discussion about </a:t>
+            </a:r>
+            <a:r>
+              <a:rPr lang="en-GB" baseline="0" dirty="0" err="1" smtClean="0"/>
+              <a:t>explainability</a:t>
+            </a:r>
+            <a:r>
+              <a:rPr lang="en-GB" baseline="0" dirty="0" smtClean="0"/>
+              <a:t>, and that the SVM classifier is explainable, because we can explain how the decision was made, whereas with the CNN, is it harder to make that kind of statement.</a:t>
+            </a:r>
+          </a:p>
+          <a:p>
+            <a:endParaRPr lang="en-GB" baseline="0" dirty="0" smtClean="0"/>
+          </a:p>
+          <a:p>
+            <a:r>
+              <a:rPr lang="en-GB" baseline="0" dirty="0" smtClean="0"/>
+              <a:t>So in the case of medical imaging, where you want to be able to say why your classifier is making a decision, maybe that is the choice you, like Anna, will have to make.</a:t>
+            </a:r>
+          </a:p>
+          <a:p>
+            <a:endParaRPr lang="en-GB" baseline="0" dirty="0" smtClean="0"/>
+          </a:p>
+          <a:p>
+            <a:r>
+              <a:rPr lang="en-GB" baseline="0" dirty="0" smtClean="0"/>
+              <a:t>Ok, so that’s a brief discussion on </a:t>
+            </a:r>
+            <a:r>
+              <a:rPr lang="en-GB" baseline="0" dirty="0" err="1" smtClean="0"/>
+              <a:t>explainability</a:t>
+            </a:r>
+            <a:r>
+              <a:rPr lang="en-GB" baseline="0" dirty="0" smtClean="0"/>
+              <a:t>, next, more ethical aspects…</a:t>
+            </a:r>
+            <a:endParaRPr lang="en-GB" dirty="0"/>
+          </a:p>
+        </p:txBody>
+      </p:sp>
+      <p:sp>
+        <p:nvSpPr>
+          <p:cNvPr id="4" name="Slide Number Placeholder 3"/>
+          <p:cNvSpPr>
+            <a:spLocks noGrp="1"/>
+          </p:cNvSpPr>
+          <p:nvPr>
+            <p:ph type="sldNum" sz="quarter" idx="10"/>
+          </p:nvPr>
+        </p:nvSpPr>
+        <p:spPr/>
+        <p:txBody>
+          <a:bodyPr/>
+          <a:lstStyle/>
+          <a:p>
+            <a:fld id="{C219B520-6AE5-4D22-8ED6-D119B61B942D}" type="slidenum">
+              <a:rPr lang="en-GB" smtClean="0"/>
+              <a:t>27</a:t>
+            </a:fld>
+            <a:endParaRPr lang="en-GB"/>
+          </a:p>
+        </p:txBody>
+      </p:sp>
+    </p:spTree>
+    <p:extLst>
+      <p:ext uri="{BB962C8B-B14F-4D97-AF65-F5344CB8AC3E}">
+        <p14:creationId xmlns:p14="http://schemas.microsoft.com/office/powerpoint/2010/main" val="21370122"/>
+      </p:ext>
+    </p:extLst>
+  </p:cSld>
+  <p:clrMapOvr>
+    <a:masterClrMapping/>
+  </p:clrMapOvr>
+</p:notes>
+</file>
+
+<file path=ppt/notesSlides/notesSlide18.xml><?xml version="1.0" encoding="utf-8"?>
+<p:notes xmlns:a="http://schemas.openxmlformats.org/drawingml/2006/main" xmlns:r="http://schemas.openxmlformats.org/officeDocument/2006/relationships" xmlns:p="http://schemas.openxmlformats.org/presentationml/2006/main">
+  <p:cSld>
+    <p:spTree>
+      <p:nvGrpSpPr>
+        <p:cNvPr id="1" name=""/>
+        <p:cNvGrpSpPr/>
+        <p:nvPr/>
+      </p:nvGrpSpPr>
+      <p:grpSpPr>
+        <a:xfrm>
+          <a:off x="0" y="0"/>
+          <a:ext cx="0" cy="0"/>
+          <a:chOff x="0" y="0"/>
+          <a:chExt cx="0" cy="0"/>
+        </a:xfrm>
+      </p:grpSpPr>
+      <p:sp>
+        <p:nvSpPr>
+          <p:cNvPr id="2" name="Slide Image Placeholder 1"/>
+          <p:cNvSpPr>
+            <a:spLocks noGrp="1" noRot="1" noChangeAspect="1"/>
+          </p:cNvSpPr>
+          <p:nvPr>
+            <p:ph type="sldImg"/>
+          </p:nvPr>
+        </p:nvSpPr>
+        <p:spPr/>
+      </p:sp>
+      <p:sp>
+        <p:nvSpPr>
+          <p:cNvPr id="3" name="Notes Placeholder 2"/>
+          <p:cNvSpPr>
+            <a:spLocks noGrp="1"/>
+          </p:cNvSpPr>
+          <p:nvPr>
+            <p:ph type="body" idx="1"/>
+          </p:nvPr>
+        </p:nvSpPr>
+        <p:spPr/>
+        <p:txBody>
+          <a:bodyPr/>
+          <a:lstStyle/>
+          <a:p>
+            <a:r>
+              <a:rPr lang="en-GB" dirty="0" smtClean="0"/>
+              <a:t>So these bullet points are based on the </a:t>
+            </a:r>
+            <a:r>
+              <a:rPr lang="en-GB" dirty="0" err="1" smtClean="0"/>
+              <a:t>arquive</a:t>
+            </a:r>
+            <a:r>
+              <a:rPr lang="en-GB" dirty="0" smtClean="0"/>
+              <a:t> X article quoted here, “Food for thought: Ethical considerations of user trust in computer vision”</a:t>
+            </a:r>
+          </a:p>
+          <a:p>
+            <a:endParaRPr lang="en-GB" dirty="0" smtClean="0"/>
+          </a:p>
+          <a:p>
+            <a:r>
+              <a:rPr lang="en-GB" dirty="0" smtClean="0"/>
+              <a:t>In Canada,</a:t>
+            </a:r>
+            <a:r>
+              <a:rPr lang="en-GB" baseline="0" dirty="0" smtClean="0"/>
+              <a:t> </a:t>
+            </a:r>
+            <a:r>
+              <a:rPr lang="en-GB" dirty="0" smtClean="0"/>
+              <a:t>food and fluid intake tracking are mandated in LTC for those at risk for malnutrition. Existing</a:t>
+            </a:r>
+            <a:r>
+              <a:rPr lang="en-GB" baseline="0" dirty="0" smtClean="0"/>
+              <a:t> methods rely on </a:t>
+            </a:r>
+            <a:r>
+              <a:rPr lang="en-GB" baseline="0" dirty="0" err="1" smtClean="0"/>
+              <a:t>restrospective</a:t>
+            </a:r>
+            <a:r>
+              <a:rPr lang="en-GB" baseline="0" dirty="0" smtClean="0"/>
+              <a:t> methods, so you look at someone and figure out if that person has been eating enough and is well hydrated. So the idea is to harness computer vision, using techniques such as image segmentation, and try to work out what the intake was like.</a:t>
+            </a:r>
+          </a:p>
+          <a:p>
+            <a:endParaRPr lang="en-GB" baseline="0" dirty="0" smtClean="0"/>
+          </a:p>
+          <a:p>
+            <a:r>
+              <a:rPr lang="en-GB" baseline="0" dirty="0" smtClean="0"/>
+              <a:t>So the authors of this study emphasize that “</a:t>
+            </a:r>
+            <a:r>
+              <a:rPr lang="en-GB" dirty="0" smtClean="0"/>
+              <a:t>it must be clear that decision making rests with humans and reinforce that the AFINI-T system is a decision-making aid.</a:t>
+            </a:r>
+            <a:r>
+              <a:rPr lang="en-GB" baseline="0" dirty="0" smtClean="0"/>
+              <a:t>”</a:t>
+            </a:r>
+            <a:endParaRPr lang="en-GB" dirty="0"/>
+          </a:p>
+        </p:txBody>
+      </p:sp>
+      <p:sp>
+        <p:nvSpPr>
+          <p:cNvPr id="4" name="Slide Number Placeholder 3"/>
+          <p:cNvSpPr>
+            <a:spLocks noGrp="1"/>
+          </p:cNvSpPr>
+          <p:nvPr>
+            <p:ph type="sldNum" sz="quarter" idx="10"/>
+          </p:nvPr>
+        </p:nvSpPr>
+        <p:spPr/>
+        <p:txBody>
+          <a:bodyPr/>
+          <a:lstStyle/>
+          <a:p>
+            <a:fld id="{C219B520-6AE5-4D22-8ED6-D119B61B942D}" type="slidenum">
+              <a:rPr lang="en-GB" smtClean="0"/>
+              <a:t>28</a:t>
+            </a:fld>
+            <a:endParaRPr lang="en-GB"/>
+          </a:p>
+        </p:txBody>
+      </p:sp>
+    </p:spTree>
+    <p:extLst>
+      <p:ext uri="{BB962C8B-B14F-4D97-AF65-F5344CB8AC3E}">
+        <p14:creationId xmlns:p14="http://schemas.microsoft.com/office/powerpoint/2010/main" val="3686334555"/>
+      </p:ext>
+    </p:extLst>
+  </p:cSld>
+  <p:clrMapOvr>
+    <a:masterClrMapping/>
+  </p:clrMapOvr>
+</p:notes>
+</file>
+
+<file path=ppt/notesSlides/notesSlide19.xml><?xml version="1.0" encoding="utf-8"?>
+<p:notes xmlns:a="http://schemas.openxmlformats.org/drawingml/2006/main" xmlns:r="http://schemas.openxmlformats.org/officeDocument/2006/relationships" xmlns:p="http://schemas.openxmlformats.org/presentationml/2006/main">
+  <p:cSld>
+    <p:spTree>
+      <p:nvGrpSpPr>
+        <p:cNvPr id="1" name=""/>
+        <p:cNvGrpSpPr/>
+        <p:nvPr/>
+      </p:nvGrpSpPr>
+      <p:grpSpPr>
+        <a:xfrm>
+          <a:off x="0" y="0"/>
+          <a:ext cx="0" cy="0"/>
+          <a:chOff x="0" y="0"/>
+          <a:chExt cx="0" cy="0"/>
+        </a:xfrm>
+      </p:grpSpPr>
+      <p:sp>
+        <p:nvSpPr>
+          <p:cNvPr id="2" name="Slide Image Placeholder 1"/>
+          <p:cNvSpPr>
+            <a:spLocks noGrp="1" noRot="1" noChangeAspect="1"/>
+          </p:cNvSpPr>
+          <p:nvPr>
+            <p:ph type="sldImg"/>
+          </p:nvPr>
+        </p:nvSpPr>
+        <p:spPr/>
+      </p:sp>
+      <p:sp>
+        <p:nvSpPr>
+          <p:cNvPr id="3" name="Notes Placeholder 2"/>
+          <p:cNvSpPr>
+            <a:spLocks noGrp="1"/>
+          </p:cNvSpPr>
+          <p:nvPr>
+            <p:ph type="body" idx="1"/>
+          </p:nvPr>
+        </p:nvSpPr>
+        <p:spPr/>
+        <p:txBody>
+          <a:bodyPr/>
+          <a:lstStyle/>
+          <a:p>
+            <a:r>
+              <a:rPr lang="en-GB" dirty="0" smtClean="0"/>
+              <a:t>So the</a:t>
+            </a:r>
+            <a:r>
+              <a:rPr lang="en-GB" baseline="0" dirty="0" smtClean="0"/>
+              <a:t> final topic from our bullet points, do algorithms discriminate – quick show of hands, how many people here believe the algorithms, these decision making processes being made by computers, using some form of machine learning, which is turn falls under Artificial Intelligence, do these algorithms discriminate? </a:t>
+            </a:r>
+          </a:p>
+          <a:p>
+            <a:r>
+              <a:rPr lang="en-GB" baseline="0" dirty="0" smtClean="0"/>
+              <a:t>Now what could these fabled algorithms be doing, in those cold data centres, processing all our personal data and making decisions about mortgages, loans, health insurance, credit rating, risk, etc. It’s a bit crazy what is going on, specially when we talk about big data, and the amount of our data that the internet giants hold, and are able to cross-reference, to make inferences about us, who we are and how we behave.</a:t>
+            </a:r>
+          </a:p>
+          <a:p>
+            <a:endParaRPr lang="en-GB" dirty="0"/>
+          </a:p>
+        </p:txBody>
+      </p:sp>
+      <p:sp>
+        <p:nvSpPr>
+          <p:cNvPr id="4" name="Slide Number Placeholder 3"/>
+          <p:cNvSpPr>
+            <a:spLocks noGrp="1"/>
+          </p:cNvSpPr>
+          <p:nvPr>
+            <p:ph type="sldNum" sz="quarter" idx="10"/>
+          </p:nvPr>
+        </p:nvSpPr>
+        <p:spPr/>
+        <p:txBody>
+          <a:bodyPr/>
+          <a:lstStyle/>
+          <a:p>
+            <a:fld id="{C219B520-6AE5-4D22-8ED6-D119B61B942D}" type="slidenum">
+              <a:rPr lang="en-GB" smtClean="0"/>
+              <a:t>29</a:t>
+            </a:fld>
+            <a:endParaRPr lang="en-GB"/>
+          </a:p>
+        </p:txBody>
+      </p:sp>
+    </p:spTree>
+    <p:extLst>
+      <p:ext uri="{BB962C8B-B14F-4D97-AF65-F5344CB8AC3E}">
+        <p14:creationId xmlns:p14="http://schemas.microsoft.com/office/powerpoint/2010/main" val="3755869274"/>
+      </p:ext>
+    </p:extLst>
+  </p:cSld>
+  <p:clrMapOvr>
+    <a:masterClrMapping/>
+  </p:clrMapOvr>
+</p:notes>
+</file>
+
 <file path=ppt/notesSlides/notesSlide2.xml><?xml version="1.0" encoding="utf-8"?>
 <p:notes xmlns:a="http://schemas.openxmlformats.org/drawingml/2006/main" xmlns:r="http://schemas.openxmlformats.org/officeDocument/2006/relationships" xmlns:p="http://schemas.openxmlformats.org/presentationml/2006/main">
   <p:cSld>
@@ -1365,6 +2786,190 @@
     <p:extLst>
       <p:ext uri="{BB962C8B-B14F-4D97-AF65-F5344CB8AC3E}">
         <p14:creationId xmlns:p14="http://schemas.microsoft.com/office/powerpoint/2010/main" val="3405446985"/>
+      </p:ext>
+    </p:extLst>
+  </p:cSld>
+  <p:clrMapOvr>
+    <a:masterClrMapping/>
+  </p:clrMapOvr>
+</p:notes>
+</file>
+
+<file path=ppt/notesSlides/notesSlide8.xml><?xml version="1.0" encoding="utf-8"?>
+<p:notes xmlns:a="http://schemas.openxmlformats.org/drawingml/2006/main" xmlns:r="http://schemas.openxmlformats.org/officeDocument/2006/relationships" xmlns:p="http://schemas.openxmlformats.org/presentationml/2006/main">
+  <p:cSld>
+    <p:spTree>
+      <p:nvGrpSpPr>
+        <p:cNvPr id="1" name=""/>
+        <p:cNvGrpSpPr/>
+        <p:nvPr/>
+      </p:nvGrpSpPr>
+      <p:grpSpPr>
+        <a:xfrm>
+          <a:off x="0" y="0"/>
+          <a:ext cx="0" cy="0"/>
+          <a:chOff x="0" y="0"/>
+          <a:chExt cx="0" cy="0"/>
+        </a:xfrm>
+      </p:grpSpPr>
+      <p:sp>
+        <p:nvSpPr>
+          <p:cNvPr id="2" name="Slide Image Placeholder 1"/>
+          <p:cNvSpPr>
+            <a:spLocks noGrp="1" noRot="1" noChangeAspect="1"/>
+          </p:cNvSpPr>
+          <p:nvPr>
+            <p:ph type="sldImg"/>
+          </p:nvPr>
+        </p:nvSpPr>
+        <p:spPr/>
+      </p:sp>
+      <p:sp>
+        <p:nvSpPr>
+          <p:cNvPr id="3" name="Notes Placeholder 2"/>
+          <p:cNvSpPr>
+            <a:spLocks noGrp="1"/>
+          </p:cNvSpPr>
+          <p:nvPr>
+            <p:ph type="body" idx="1"/>
+          </p:nvPr>
+        </p:nvSpPr>
+        <p:spPr/>
+        <p:txBody>
+          <a:bodyPr/>
+          <a:lstStyle/>
+          <a:p>
+            <a:endParaRPr lang="en-GB" dirty="0"/>
+          </a:p>
+        </p:txBody>
+      </p:sp>
+      <p:sp>
+        <p:nvSpPr>
+          <p:cNvPr id="4" name="Slide Number Placeholder 3"/>
+          <p:cNvSpPr>
+            <a:spLocks noGrp="1"/>
+          </p:cNvSpPr>
+          <p:nvPr>
+            <p:ph type="sldNum" sz="quarter" idx="10"/>
+          </p:nvPr>
+        </p:nvSpPr>
+        <p:spPr/>
+        <p:txBody>
+          <a:bodyPr/>
+          <a:lstStyle/>
+          <a:p>
+            <a:fld id="{C219B520-6AE5-4D22-8ED6-D119B61B942D}" type="slidenum">
+              <a:rPr lang="en-GB" smtClean="0"/>
+              <a:t>18</a:t>
+            </a:fld>
+            <a:endParaRPr lang="en-GB"/>
+          </a:p>
+        </p:txBody>
+      </p:sp>
+    </p:spTree>
+    <p:extLst>
+      <p:ext uri="{BB962C8B-B14F-4D97-AF65-F5344CB8AC3E}">
+        <p14:creationId xmlns:p14="http://schemas.microsoft.com/office/powerpoint/2010/main" val="3037332961"/>
+      </p:ext>
+    </p:extLst>
+  </p:cSld>
+  <p:clrMapOvr>
+    <a:masterClrMapping/>
+  </p:clrMapOvr>
+</p:notes>
+</file>
+
+<file path=ppt/notesSlides/notesSlide9.xml><?xml version="1.0" encoding="utf-8"?>
+<p:notes xmlns:a="http://schemas.openxmlformats.org/drawingml/2006/main" xmlns:r="http://schemas.openxmlformats.org/officeDocument/2006/relationships" xmlns:p="http://schemas.openxmlformats.org/presentationml/2006/main">
+  <p:cSld>
+    <p:spTree>
+      <p:nvGrpSpPr>
+        <p:cNvPr id="1" name=""/>
+        <p:cNvGrpSpPr/>
+        <p:nvPr/>
+      </p:nvGrpSpPr>
+      <p:grpSpPr>
+        <a:xfrm>
+          <a:off x="0" y="0"/>
+          <a:ext cx="0" cy="0"/>
+          <a:chOff x="0" y="0"/>
+          <a:chExt cx="0" cy="0"/>
+        </a:xfrm>
+      </p:grpSpPr>
+      <p:sp>
+        <p:nvSpPr>
+          <p:cNvPr id="2" name="Slide Image Placeholder 1"/>
+          <p:cNvSpPr>
+            <a:spLocks noGrp="1" noRot="1" noChangeAspect="1"/>
+          </p:cNvSpPr>
+          <p:nvPr>
+            <p:ph type="sldImg"/>
+          </p:nvPr>
+        </p:nvSpPr>
+        <p:spPr/>
+      </p:sp>
+      <p:sp>
+        <p:nvSpPr>
+          <p:cNvPr id="3" name="Notes Placeholder 2"/>
+          <p:cNvSpPr>
+            <a:spLocks noGrp="1"/>
+          </p:cNvSpPr>
+          <p:nvPr>
+            <p:ph type="body" idx="1"/>
+          </p:nvPr>
+        </p:nvSpPr>
+        <p:spPr/>
+        <p:txBody>
+          <a:bodyPr/>
+          <a:lstStyle/>
+          <a:p>
+            <a:r>
+              <a:rPr lang="en-GB" dirty="0" smtClean="0"/>
+              <a:t>About</a:t>
+            </a:r>
+            <a:r>
+              <a:rPr lang="en-GB" baseline="0" dirty="0" smtClean="0"/>
+              <a:t> </a:t>
+            </a:r>
+            <a:r>
+              <a:rPr lang="en-GB" baseline="0" dirty="0" err="1" smtClean="0"/>
+              <a:t>explainability</a:t>
+            </a:r>
+            <a:r>
+              <a:rPr lang="en-GB" baseline="0" dirty="0" smtClean="0"/>
+              <a:t>, that’s a hot topic in Machine Learning today, judging by my modules so far. Ethics is much talked about. </a:t>
+            </a:r>
+            <a:endParaRPr lang="en-GB" dirty="0"/>
+          </a:p>
+        </p:txBody>
+      </p:sp>
+      <p:sp>
+        <p:nvSpPr>
+          <p:cNvPr id="4" name="Slide Number Placeholder 3"/>
+          <p:cNvSpPr>
+            <a:spLocks noGrp="1"/>
+          </p:cNvSpPr>
+          <p:nvPr>
+            <p:ph type="sldNum" sz="quarter" idx="10"/>
+          </p:nvPr>
+        </p:nvSpPr>
+        <p:spPr/>
+        <p:txBody>
+          <a:bodyPr/>
+          <a:lstStyle/>
+          <a:p>
+            <a:fld id="{C219B520-6AE5-4D22-8ED6-D119B61B942D}" type="slidenum">
+              <a:rPr lang="en-GB" smtClean="0"/>
+              <a:t>19</a:t>
+            </a:fld>
+            <a:endParaRPr lang="en-GB"/>
+          </a:p>
+        </p:txBody>
+      </p:sp>
+    </p:spTree>
+    <p:extLst>
+      <p:ext uri="{BB962C8B-B14F-4D97-AF65-F5344CB8AC3E}">
+        <p14:creationId xmlns:p14="http://schemas.microsoft.com/office/powerpoint/2010/main" val="1488731243"/>
       </p:ext>
     </p:extLst>
   </p:cSld>
@@ -1505,7 +3110,7 @@
           <a:p>
             <a:fld id="{11D851C6-F390-42F7-809E-5081E54ED33F}" type="datetimeFigureOut">
               <a:rPr lang="en-GB" smtClean="0"/>
-              <a:t>05/03/2020</a:t>
+              <a:t>11/03/2020</a:t>
             </a:fld>
             <a:endParaRPr lang="en-GB"/>
           </a:p>
@@ -1675,7 +3280,7 @@
           <a:p>
             <a:fld id="{11D851C6-F390-42F7-809E-5081E54ED33F}" type="datetimeFigureOut">
               <a:rPr lang="en-GB" smtClean="0"/>
-              <a:t>05/03/2020</a:t>
+              <a:t>11/03/2020</a:t>
             </a:fld>
             <a:endParaRPr lang="en-GB"/>
           </a:p>
@@ -1855,7 +3460,7 @@
           <a:p>
             <a:fld id="{11D851C6-F390-42F7-809E-5081E54ED33F}" type="datetimeFigureOut">
               <a:rPr lang="en-GB" smtClean="0"/>
-              <a:t>05/03/2020</a:t>
+              <a:t>11/03/2020</a:t>
             </a:fld>
             <a:endParaRPr lang="en-GB"/>
           </a:p>
@@ -2025,7 +3630,7 @@
           <a:p>
             <a:fld id="{11D851C6-F390-42F7-809E-5081E54ED33F}" type="datetimeFigureOut">
               <a:rPr lang="en-GB" smtClean="0"/>
-              <a:t>05/03/2020</a:t>
+              <a:t>11/03/2020</a:t>
             </a:fld>
             <a:endParaRPr lang="en-GB"/>
           </a:p>
@@ -2271,7 +3876,7 @@
           <a:p>
             <a:fld id="{11D851C6-F390-42F7-809E-5081E54ED33F}" type="datetimeFigureOut">
               <a:rPr lang="en-GB" smtClean="0"/>
-              <a:t>05/03/2020</a:t>
+              <a:t>11/03/2020</a:t>
             </a:fld>
             <a:endParaRPr lang="en-GB"/>
           </a:p>
@@ -2503,7 +4108,7 @@
           <a:p>
             <a:fld id="{11D851C6-F390-42F7-809E-5081E54ED33F}" type="datetimeFigureOut">
               <a:rPr lang="en-GB" smtClean="0"/>
-              <a:t>05/03/2020</a:t>
+              <a:t>11/03/2020</a:t>
             </a:fld>
             <a:endParaRPr lang="en-GB"/>
           </a:p>
@@ -2870,7 +4475,7 @@
           <a:p>
             <a:fld id="{11D851C6-F390-42F7-809E-5081E54ED33F}" type="datetimeFigureOut">
               <a:rPr lang="en-GB" smtClean="0"/>
-              <a:t>05/03/2020</a:t>
+              <a:t>11/03/2020</a:t>
             </a:fld>
             <a:endParaRPr lang="en-GB"/>
           </a:p>
@@ -2988,7 +4593,7 @@
           <a:p>
             <a:fld id="{11D851C6-F390-42F7-809E-5081E54ED33F}" type="datetimeFigureOut">
               <a:rPr lang="en-GB" smtClean="0"/>
-              <a:t>05/03/2020</a:t>
+              <a:t>11/03/2020</a:t>
             </a:fld>
             <a:endParaRPr lang="en-GB"/>
           </a:p>
@@ -3083,7 +4688,7 @@
           <a:p>
             <a:fld id="{11D851C6-F390-42F7-809E-5081E54ED33F}" type="datetimeFigureOut">
               <a:rPr lang="en-GB" smtClean="0"/>
-              <a:t>05/03/2020</a:t>
+              <a:t>11/03/2020</a:t>
             </a:fld>
             <a:endParaRPr lang="en-GB"/>
           </a:p>
@@ -3360,7 +4965,7 @@
           <a:p>
             <a:fld id="{11D851C6-F390-42F7-809E-5081E54ED33F}" type="datetimeFigureOut">
               <a:rPr lang="en-GB" smtClean="0"/>
-              <a:t>05/03/2020</a:t>
+              <a:t>11/03/2020</a:t>
             </a:fld>
             <a:endParaRPr lang="en-GB"/>
           </a:p>
@@ -3613,7 +5218,7 @@
           <a:p>
             <a:fld id="{11D851C6-F390-42F7-809E-5081E54ED33F}" type="datetimeFigureOut">
               <a:rPr lang="en-GB" smtClean="0"/>
-              <a:t>05/03/2020</a:t>
+              <a:t>11/03/2020</a:t>
             </a:fld>
             <a:endParaRPr lang="en-GB"/>
           </a:p>
@@ -3826,7 +5431,7 @@
           <a:p>
             <a:fld id="{11D851C6-F390-42F7-809E-5081E54ED33F}" type="datetimeFigureOut">
               <a:rPr lang="en-GB" smtClean="0"/>
-              <a:t>05/03/2020</a:t>
+              <a:t>11/03/2020</a:t>
             </a:fld>
             <a:endParaRPr lang="en-GB"/>
           </a:p>
@@ -4556,6 +6161,39 @@
           </a:p>
         </p:txBody>
       </p:sp>
+      <p:sp>
+        <p:nvSpPr>
+          <p:cNvPr id="5" name="Rectangle 4"/>
+          <p:cNvSpPr/>
+          <p:nvPr/>
+        </p:nvSpPr>
+        <p:spPr>
+          <a:xfrm>
+            <a:off x="1009135" y="6180608"/>
+            <a:ext cx="8419070" cy="369332"/>
+          </a:xfrm>
+          <a:prstGeom prst="rect">
+            <a:avLst/>
+          </a:prstGeom>
+        </p:spPr>
+        <p:txBody>
+          <a:bodyPr wrap="square">
+            <a:spAutoFit/>
+          </a:bodyPr>
+          <a:lstStyle/>
+          <a:p>
+            <a:r>
+              <a:rPr lang="en-GB" dirty="0"/>
+              <a:t> </a:t>
+            </a:r>
+            <a:r>
+              <a:rPr lang="en-GB" dirty="0" smtClean="0"/>
+              <a:t>© Data Science Society, City, University of London</a:t>
+            </a:r>
+            <a:endParaRPr lang="en-GB" dirty="0"/>
+          </a:p>
+        </p:txBody>
+      </p:sp>
     </p:spTree>
     <p:extLst>
       <p:ext uri="{BB962C8B-B14F-4D97-AF65-F5344CB8AC3E}">
@@ -5297,6 +6935,13 @@
   <p:clrMapOvr>
     <a:masterClrMapping/>
   </p:clrMapOvr>
+  <p:timing>
+    <p:tnLst>
+      <p:par>
+        <p:cTn id="1" dur="indefinite" restart="never" nodeType="tmRoot"/>
+      </p:par>
+    </p:tnLst>
+  </p:timing>
 </p:sld>
 </file>
 
@@ -5448,7 +7093,6 @@
               <a:rPr lang="en-GB" dirty="0" smtClean="0"/>
               <a:t>Software</a:t>
             </a:r>
-            <a:endParaRPr lang="en-GB" dirty="0" smtClean="0"/>
           </a:p>
         </p:txBody>
       </p:sp>
@@ -5506,7 +7150,11 @@
           <a:p>
             <a:r>
               <a:rPr lang="en-GB" dirty="0" smtClean="0"/>
-              <a:t>Ethical Aspects</a:t>
+              <a:t>Computer Vision - Ethical </a:t>
+            </a:r>
+            <a:r>
+              <a:rPr lang="en-GB" dirty="0" smtClean="0"/>
+              <a:t>Aspects</a:t>
             </a:r>
             <a:endParaRPr lang="en-GB" dirty="0"/>
           </a:p>
@@ -5539,7 +7187,11 @@
           <a:p>
             <a:r>
               <a:rPr lang="en-GB" dirty="0" smtClean="0"/>
-              <a:t>How is making the decision?</a:t>
+              <a:t>Who </a:t>
+            </a:r>
+            <a:r>
+              <a:rPr lang="en-GB" dirty="0" smtClean="0"/>
+              <a:t>is making the decision?</a:t>
             </a:r>
           </a:p>
           <a:p>
@@ -5551,7 +7203,19 @@
           <a:p>
             <a:r>
               <a:rPr lang="en-GB" dirty="0" smtClean="0"/>
-              <a:t>Privacy?</a:t>
+              <a:t>Privacy</a:t>
+            </a:r>
+            <a:r>
+              <a:rPr lang="en-GB" dirty="0" smtClean="0"/>
+              <a:t>?</a:t>
+            </a:r>
+          </a:p>
+          <a:p>
+            <a:r>
+              <a:rPr lang="en-GB" dirty="0" smtClean="0">
+                <a:hlinkClick r:id="rId3"/>
+              </a:rPr>
+              <a:t>arXiv:1905.12487</a:t>
             </a:r>
             <a:endParaRPr lang="en-GB" dirty="0"/>
           </a:p>
@@ -5611,7 +7275,7 @@
           <a:p>
             <a:r>
               <a:rPr lang="en-GB" dirty="0" smtClean="0"/>
-              <a:t>Closing remarks	</a:t>
+              <a:t>Computer Vision - Ethical Aspects </a:t>
             </a:r>
             <a:endParaRPr lang="en-GB" dirty="0"/>
           </a:p>
@@ -5634,37 +7298,67 @@
           <a:p>
             <a:r>
               <a:rPr lang="en-GB" dirty="0" smtClean="0"/>
-              <a:t>Bringing a product to market (regulated vs. unregulated)</a:t>
-            </a:r>
-          </a:p>
-          <a:p>
-            <a:r>
-              <a:rPr lang="en-GB" dirty="0" smtClean="0"/>
-              <a:t>Questions ???</a:t>
-            </a:r>
-          </a:p>
-          <a:p>
-            <a:endParaRPr lang="en-GB" dirty="0"/>
-          </a:p>
-          <a:p>
-            <a:r>
-              <a:rPr lang="en-GB" dirty="0" smtClean="0"/>
-              <a:t>Contact details</a:t>
-            </a:r>
-          </a:p>
-          <a:p>
-            <a:r>
-              <a:rPr lang="en-GB" dirty="0" smtClean="0"/>
-              <a:t>Thank you!</a:t>
-            </a:r>
-            <a:endParaRPr lang="en-GB" dirty="0"/>
+              <a:t>Part of the broader discussion of the Ethics of Artificial Intelligence</a:t>
+            </a:r>
+          </a:p>
+          <a:p>
+            <a:r>
+              <a:rPr lang="en-GB" dirty="0" smtClean="0"/>
+              <a:t>Ethical research</a:t>
+            </a:r>
+          </a:p>
+          <a:p>
+            <a:r>
+              <a:rPr lang="en-GB" dirty="0" smtClean="0"/>
+              <a:t>How “transparent” is the algorithm - </a:t>
+            </a:r>
+            <a:r>
+              <a:rPr lang="en-GB" b="1" dirty="0" err="1" smtClean="0"/>
+              <a:t>explainability</a:t>
+            </a:r>
+            <a:endParaRPr lang="en-GB" b="1" dirty="0" smtClean="0"/>
+          </a:p>
+          <a:p>
+            <a:r>
+              <a:rPr lang="en-GB" dirty="0" smtClean="0"/>
+              <a:t>Can decision-making be delegated to intelligent machines?</a:t>
+            </a:r>
+          </a:p>
+          <a:p>
+            <a:r>
+              <a:rPr lang="en-GB" dirty="0"/>
+              <a:t>Do algorithms </a:t>
+            </a:r>
+            <a:r>
+              <a:rPr lang="en-GB" i="1" dirty="0"/>
+              <a:t>discriminate</a:t>
+            </a:r>
+            <a:r>
+              <a:rPr lang="en-GB" dirty="0"/>
+              <a:t>?</a:t>
+            </a:r>
+          </a:p>
+          <a:p>
+            <a:pPr marL="0" indent="0">
+              <a:buNone/>
+            </a:pPr>
+            <a:endParaRPr lang="en-GB" dirty="0" smtClean="0"/>
+          </a:p>
+          <a:p>
+            <a:endParaRPr lang="en-GB" dirty="0" smtClean="0"/>
+          </a:p>
+          <a:p>
+            <a:endParaRPr lang="en-GB" i="1" dirty="0" smtClean="0"/>
+          </a:p>
+          <a:p>
+            <a:endParaRPr lang="en-GB" dirty="0" smtClean="0"/>
           </a:p>
         </p:txBody>
       </p:sp>
     </p:spTree>
     <p:extLst>
       <p:ext uri="{BB962C8B-B14F-4D97-AF65-F5344CB8AC3E}">
-        <p14:creationId xmlns:p14="http://schemas.microsoft.com/office/powerpoint/2010/main" val="3621001007"/>
+        <p14:creationId xmlns:p14="http://schemas.microsoft.com/office/powerpoint/2010/main" val="2782551770"/>
       </p:ext>
     </p:extLst>
   </p:cSld>
@@ -5806,6 +7500,1378 @@
 </p:sld>
 </file>
 
+<file path=ppt/slides/slide20.xml><?xml version="1.0" encoding="utf-8"?>
+<p:sld xmlns:a="http://schemas.openxmlformats.org/drawingml/2006/main" xmlns:r="http://schemas.openxmlformats.org/officeDocument/2006/relationships" xmlns:p="http://schemas.openxmlformats.org/presentationml/2006/main">
+  <p:cSld>
+    <p:spTree>
+      <p:nvGrpSpPr>
+        <p:cNvPr id="1" name=""/>
+        <p:cNvGrpSpPr/>
+        <p:nvPr/>
+      </p:nvGrpSpPr>
+      <p:grpSpPr>
+        <a:xfrm>
+          <a:off x="0" y="0"/>
+          <a:ext cx="0" cy="0"/>
+          <a:chOff x="0" y="0"/>
+          <a:chExt cx="0" cy="0"/>
+        </a:xfrm>
+      </p:grpSpPr>
+      <p:sp>
+        <p:nvSpPr>
+          <p:cNvPr id="2" name="Title 1"/>
+          <p:cNvSpPr>
+            <a:spLocks noGrp="1"/>
+          </p:cNvSpPr>
+          <p:nvPr>
+            <p:ph type="title"/>
+          </p:nvPr>
+        </p:nvSpPr>
+        <p:spPr/>
+        <p:txBody>
+          <a:bodyPr/>
+          <a:lstStyle/>
+          <a:p>
+            <a:r>
+              <a:rPr lang="en-GB" dirty="0" smtClean="0"/>
+              <a:t>Computer Vision - Ethical Aspects - @ City</a:t>
+            </a:r>
+            <a:endParaRPr lang="en-GB" dirty="0"/>
+          </a:p>
+        </p:txBody>
+      </p:sp>
+      <p:sp>
+        <p:nvSpPr>
+          <p:cNvPr id="3" name="Content Placeholder 2"/>
+          <p:cNvSpPr>
+            <a:spLocks noGrp="1"/>
+          </p:cNvSpPr>
+          <p:nvPr>
+            <p:ph idx="1"/>
+          </p:nvPr>
+        </p:nvSpPr>
+        <p:spPr/>
+        <p:txBody>
+          <a:bodyPr/>
+          <a:lstStyle/>
+          <a:p>
+            <a:r>
+              <a:rPr lang="en-GB" dirty="0" smtClean="0"/>
+              <a:t>Department of Computer Science – Research Ethics Review Form: </a:t>
+            </a:r>
+            <a:r>
+              <a:rPr lang="en-GB" dirty="0" err="1" smtClean="0"/>
+              <a:t>Bsc</a:t>
+            </a:r>
+            <a:r>
+              <a:rPr lang="en-GB" dirty="0" smtClean="0"/>
+              <a:t>, MSc and MA projects</a:t>
+            </a:r>
+          </a:p>
+          <a:p>
+            <a:r>
+              <a:rPr lang="en-GB" dirty="0" smtClean="0"/>
+              <a:t>Part A: Establishes </a:t>
+            </a:r>
+            <a:r>
+              <a:rPr lang="en-GB" dirty="0"/>
+              <a:t>the kind of approval that is </a:t>
+            </a:r>
+            <a:r>
+              <a:rPr lang="en-GB" dirty="0" smtClean="0"/>
+              <a:t>required</a:t>
+            </a:r>
+          </a:p>
+          <a:p>
+            <a:r>
+              <a:rPr lang="en-GB" dirty="0" smtClean="0"/>
+              <a:t>Part B: Allows </a:t>
+            </a:r>
+            <a:r>
+              <a:rPr lang="en-GB" dirty="0"/>
+              <a:t>fully documented projects that are identified as being of </a:t>
+            </a:r>
+            <a:r>
+              <a:rPr lang="en-GB" dirty="0" err="1"/>
+              <a:t>of</a:t>
+            </a:r>
+            <a:r>
+              <a:rPr lang="en-GB" dirty="0"/>
+              <a:t> </a:t>
+            </a:r>
+            <a:r>
+              <a:rPr lang="en-GB" i="1" dirty="0"/>
+              <a:t>MINIMAL risk</a:t>
+            </a:r>
+            <a:r>
+              <a:rPr lang="en-GB" dirty="0"/>
+              <a:t> through Part A to be approved, either provisionally or </a:t>
+            </a:r>
+            <a:r>
+              <a:rPr lang="en-GB" dirty="0" smtClean="0"/>
+              <a:t>fully</a:t>
+            </a:r>
+          </a:p>
+          <a:p>
+            <a:r>
+              <a:rPr lang="en-GB" i="1" dirty="0"/>
+              <a:t>Failure to obtain approval for research that requires it would mean that you were not covered by the University's indemnity. It would result likely in you failing your project and may result in disciplinary action.</a:t>
+            </a:r>
+            <a:endParaRPr lang="en-GB" dirty="0" smtClean="0"/>
+          </a:p>
+          <a:p>
+            <a:endParaRPr lang="en-GB" i="1" dirty="0" smtClean="0"/>
+          </a:p>
+          <a:p>
+            <a:endParaRPr lang="en-GB" dirty="0" smtClean="0"/>
+          </a:p>
+        </p:txBody>
+      </p:sp>
+    </p:spTree>
+    <p:extLst>
+      <p:ext uri="{BB962C8B-B14F-4D97-AF65-F5344CB8AC3E}">
+        <p14:creationId xmlns:p14="http://schemas.microsoft.com/office/powerpoint/2010/main" val="3407280407"/>
+      </p:ext>
+    </p:extLst>
+  </p:cSld>
+  <p:clrMapOvr>
+    <a:masterClrMapping/>
+  </p:clrMapOvr>
+  <p:timing>
+    <p:tnLst>
+      <p:par>
+        <p:cTn id="1" dur="indefinite" restart="never" nodeType="tmRoot"/>
+      </p:par>
+    </p:tnLst>
+  </p:timing>
+</p:sld>
+</file>
+
+<file path=ppt/slides/slide21.xml><?xml version="1.0" encoding="utf-8"?>
+<p:sld xmlns:a="http://schemas.openxmlformats.org/drawingml/2006/main" xmlns:r="http://schemas.openxmlformats.org/officeDocument/2006/relationships" xmlns:p="http://schemas.openxmlformats.org/presentationml/2006/main">
+  <p:cSld>
+    <p:spTree>
+      <p:nvGrpSpPr>
+        <p:cNvPr id="1" name=""/>
+        <p:cNvGrpSpPr/>
+        <p:nvPr/>
+      </p:nvGrpSpPr>
+      <p:grpSpPr>
+        <a:xfrm>
+          <a:off x="0" y="0"/>
+          <a:ext cx="0" cy="0"/>
+          <a:chOff x="0" y="0"/>
+          <a:chExt cx="0" cy="0"/>
+        </a:xfrm>
+      </p:grpSpPr>
+      <p:sp>
+        <p:nvSpPr>
+          <p:cNvPr id="2" name="Title 1"/>
+          <p:cNvSpPr>
+            <a:spLocks noGrp="1"/>
+          </p:cNvSpPr>
+          <p:nvPr>
+            <p:ph type="title"/>
+          </p:nvPr>
+        </p:nvSpPr>
+        <p:spPr/>
+        <p:txBody>
+          <a:bodyPr/>
+          <a:lstStyle/>
+          <a:p>
+            <a:r>
+              <a:rPr lang="en-GB" dirty="0" smtClean="0"/>
+              <a:t>Research </a:t>
+            </a:r>
+            <a:r>
+              <a:rPr lang="en-GB" dirty="0"/>
+              <a:t>Ethics Review </a:t>
+            </a:r>
+            <a:r>
+              <a:rPr lang="en-GB" dirty="0" smtClean="0"/>
+              <a:t>Form: Questions (A)</a:t>
+            </a:r>
+            <a:endParaRPr lang="en-GB" dirty="0"/>
+          </a:p>
+        </p:txBody>
+      </p:sp>
+      <p:sp>
+        <p:nvSpPr>
+          <p:cNvPr id="3" name="Content Placeholder 2"/>
+          <p:cNvSpPr>
+            <a:spLocks noGrp="1"/>
+          </p:cNvSpPr>
+          <p:nvPr>
+            <p:ph idx="1"/>
+          </p:nvPr>
+        </p:nvSpPr>
+        <p:spPr/>
+        <p:txBody>
+          <a:bodyPr/>
+          <a:lstStyle/>
+          <a:p>
+            <a:r>
+              <a:rPr lang="en-GB" dirty="0"/>
+              <a:t>Will you recruit participants who fall under the auspices of the Mental Capacity Act?</a:t>
+            </a:r>
+          </a:p>
+          <a:p>
+            <a:r>
+              <a:rPr lang="en-GB" dirty="0"/>
+              <a:t>Will you recruit any participants who are currently under the auspices of the Criminal Justice </a:t>
+            </a:r>
+            <a:r>
+              <a:rPr lang="en-GB" dirty="0" smtClean="0"/>
+              <a:t>System</a:t>
+            </a:r>
+          </a:p>
+          <a:p>
+            <a:r>
+              <a:rPr lang="en-GB" dirty="0"/>
+              <a:t>Does your project involve participants disclosing information about special category or sensitive subjects? </a:t>
+            </a:r>
+            <a:endParaRPr lang="en-GB" dirty="0" smtClean="0"/>
+          </a:p>
+          <a:p>
+            <a:r>
+              <a:rPr lang="en-GB" dirty="0"/>
+              <a:t>Does your research involve </a:t>
+            </a:r>
+            <a:r>
+              <a:rPr lang="en-US" dirty="0"/>
+              <a:t>adults who are vulnerable because of their social, psychological or medical circumstances (vulnerable adults)?</a:t>
+            </a:r>
+            <a:endParaRPr lang="en-GB" dirty="0"/>
+          </a:p>
+          <a:p>
+            <a:endParaRPr lang="en-GB" dirty="0"/>
+          </a:p>
+          <a:p>
+            <a:endParaRPr lang="en-GB" i="1" dirty="0" smtClean="0"/>
+          </a:p>
+          <a:p>
+            <a:endParaRPr lang="en-GB" dirty="0" smtClean="0"/>
+          </a:p>
+        </p:txBody>
+      </p:sp>
+    </p:spTree>
+    <p:extLst>
+      <p:ext uri="{BB962C8B-B14F-4D97-AF65-F5344CB8AC3E}">
+        <p14:creationId xmlns:p14="http://schemas.microsoft.com/office/powerpoint/2010/main" val="1459478153"/>
+      </p:ext>
+    </p:extLst>
+  </p:cSld>
+  <p:clrMapOvr>
+    <a:masterClrMapping/>
+  </p:clrMapOvr>
+  <p:timing>
+    <p:tnLst>
+      <p:par>
+        <p:cTn id="1" dur="indefinite" restart="never" nodeType="tmRoot"/>
+      </p:par>
+    </p:tnLst>
+  </p:timing>
+</p:sld>
+</file>
+
+<file path=ppt/slides/slide22.xml><?xml version="1.0" encoding="utf-8"?>
+<p:sld xmlns:a="http://schemas.openxmlformats.org/drawingml/2006/main" xmlns:r="http://schemas.openxmlformats.org/officeDocument/2006/relationships" xmlns:p="http://schemas.openxmlformats.org/presentationml/2006/main">
+  <p:cSld>
+    <p:spTree>
+      <p:nvGrpSpPr>
+        <p:cNvPr id="1" name=""/>
+        <p:cNvGrpSpPr/>
+        <p:nvPr/>
+      </p:nvGrpSpPr>
+      <p:grpSpPr>
+        <a:xfrm>
+          <a:off x="0" y="0"/>
+          <a:ext cx="0" cy="0"/>
+          <a:chOff x="0" y="0"/>
+          <a:chExt cx="0" cy="0"/>
+        </a:xfrm>
+      </p:grpSpPr>
+      <p:sp>
+        <p:nvSpPr>
+          <p:cNvPr id="2" name="Title 1"/>
+          <p:cNvSpPr>
+            <a:spLocks noGrp="1"/>
+          </p:cNvSpPr>
+          <p:nvPr>
+            <p:ph type="title"/>
+          </p:nvPr>
+        </p:nvSpPr>
+        <p:spPr/>
+        <p:txBody>
+          <a:bodyPr/>
+          <a:lstStyle/>
+          <a:p>
+            <a:r>
+              <a:rPr lang="en-GB" dirty="0" smtClean="0"/>
+              <a:t>Research </a:t>
+            </a:r>
+            <a:r>
+              <a:rPr lang="en-GB" dirty="0"/>
+              <a:t>Ethics Review </a:t>
+            </a:r>
+            <a:r>
+              <a:rPr lang="en-GB" dirty="0" smtClean="0"/>
+              <a:t>Form: Questions (B)</a:t>
+            </a:r>
+            <a:endParaRPr lang="en-GB" dirty="0"/>
+          </a:p>
+        </p:txBody>
+      </p:sp>
+      <p:sp>
+        <p:nvSpPr>
+          <p:cNvPr id="3" name="Content Placeholder 2"/>
+          <p:cNvSpPr>
+            <a:spLocks noGrp="1"/>
+          </p:cNvSpPr>
+          <p:nvPr>
+            <p:ph idx="1"/>
+          </p:nvPr>
+        </p:nvSpPr>
+        <p:spPr/>
+        <p:txBody>
+          <a:bodyPr/>
+          <a:lstStyle/>
+          <a:p>
+            <a:r>
+              <a:rPr lang="en-GB" dirty="0"/>
+              <a:t>Will you ensure that participants taking part in your project are fully informed about the purpose of the research</a:t>
+            </a:r>
+            <a:r>
+              <a:rPr lang="en-GB" dirty="0" smtClean="0"/>
+              <a:t>?</a:t>
+            </a:r>
+          </a:p>
+          <a:p>
+            <a:r>
+              <a:rPr lang="en-GB" dirty="0"/>
+              <a:t>Will consent be obtained from the participants in your project? </a:t>
+            </a:r>
+            <a:endParaRPr lang="en-GB" dirty="0" smtClean="0"/>
+          </a:p>
+          <a:p>
+            <a:r>
+              <a:rPr lang="en-GB" dirty="0"/>
+              <a:t>Have you made arrangements to ensure that material and/or private information obtained from or about the participating individuals will remain confidential?</a:t>
+            </a:r>
+            <a:endParaRPr lang="en-GB" dirty="0" smtClean="0"/>
+          </a:p>
+          <a:p>
+            <a:endParaRPr lang="en-GB" dirty="0"/>
+          </a:p>
+          <a:p>
+            <a:endParaRPr lang="en-GB" dirty="0"/>
+          </a:p>
+        </p:txBody>
+      </p:sp>
+    </p:spTree>
+    <p:extLst>
+      <p:ext uri="{BB962C8B-B14F-4D97-AF65-F5344CB8AC3E}">
+        <p14:creationId xmlns:p14="http://schemas.microsoft.com/office/powerpoint/2010/main" val="3654022521"/>
+      </p:ext>
+    </p:extLst>
+  </p:cSld>
+  <p:clrMapOvr>
+    <a:masterClrMapping/>
+  </p:clrMapOvr>
+  <p:timing>
+    <p:tnLst>
+      <p:par>
+        <p:cTn id="1" dur="indefinite" restart="never" nodeType="tmRoot"/>
+      </p:par>
+    </p:tnLst>
+  </p:timing>
+</p:sld>
+</file>
+
+<file path=ppt/slides/slide23.xml><?xml version="1.0" encoding="utf-8"?>
+<p:sld xmlns:a="http://schemas.openxmlformats.org/drawingml/2006/main" xmlns:r="http://schemas.openxmlformats.org/officeDocument/2006/relationships" xmlns:p="http://schemas.openxmlformats.org/presentationml/2006/main">
+  <p:cSld>
+    <p:spTree>
+      <p:nvGrpSpPr>
+        <p:cNvPr id="1" name=""/>
+        <p:cNvGrpSpPr/>
+        <p:nvPr/>
+      </p:nvGrpSpPr>
+      <p:grpSpPr>
+        <a:xfrm>
+          <a:off x="0" y="0"/>
+          <a:ext cx="0" cy="0"/>
+          <a:chOff x="0" y="0"/>
+          <a:chExt cx="0" cy="0"/>
+        </a:xfrm>
+      </p:grpSpPr>
+      <p:sp>
+        <p:nvSpPr>
+          <p:cNvPr id="2" name="Title 1"/>
+          <p:cNvSpPr>
+            <a:spLocks noGrp="1"/>
+          </p:cNvSpPr>
+          <p:nvPr>
+            <p:ph type="title"/>
+          </p:nvPr>
+        </p:nvSpPr>
+        <p:spPr/>
+        <p:txBody>
+          <a:bodyPr/>
+          <a:lstStyle/>
+          <a:p>
+            <a:r>
+              <a:rPr lang="en-GB" dirty="0"/>
+              <a:t>Computer Vision - Ethical Aspects - @ City</a:t>
+            </a:r>
+          </a:p>
+        </p:txBody>
+      </p:sp>
+      <p:sp>
+        <p:nvSpPr>
+          <p:cNvPr id="3" name="Content Placeholder 2"/>
+          <p:cNvSpPr>
+            <a:spLocks noGrp="1"/>
+          </p:cNvSpPr>
+          <p:nvPr>
+            <p:ph idx="1"/>
+          </p:nvPr>
+        </p:nvSpPr>
+        <p:spPr/>
+        <p:txBody>
+          <a:bodyPr/>
+          <a:lstStyle/>
+          <a:p>
+            <a:r>
+              <a:rPr lang="en-GB" dirty="0"/>
+              <a:t>How “transparent” is the algorithm </a:t>
+            </a:r>
+            <a:r>
+              <a:rPr lang="en-GB" dirty="0" smtClean="0"/>
+              <a:t>– </a:t>
+            </a:r>
+            <a:r>
+              <a:rPr lang="en-GB" b="1" dirty="0" err="1" smtClean="0"/>
+              <a:t>explainability</a:t>
+            </a:r>
+            <a:endParaRPr lang="en-GB" b="1" dirty="0" smtClean="0"/>
+          </a:p>
+          <a:p>
+            <a:r>
+              <a:rPr lang="en-GB" dirty="0" smtClean="0"/>
+              <a:t>Anna </a:t>
+            </a:r>
+            <a:r>
+              <a:rPr lang="en-GB" dirty="0" err="1" smtClean="0"/>
+              <a:t>Annissimova</a:t>
+            </a:r>
+            <a:r>
+              <a:rPr lang="en-GB" dirty="0" smtClean="0"/>
+              <a:t> – MSc Data Science 2018/2019</a:t>
+            </a:r>
+          </a:p>
+          <a:p>
+            <a:r>
+              <a:rPr lang="en-GB" dirty="0" smtClean="0"/>
+              <a:t>Dissertation – medical imaging</a:t>
+            </a:r>
+          </a:p>
+          <a:p>
+            <a:r>
+              <a:rPr lang="en-GB" dirty="0" smtClean="0"/>
+              <a:t>Less accurate and more explainable classifiers chosen over more accurate and less explainable classifiers</a:t>
+            </a:r>
+            <a:endParaRPr lang="en-GB" dirty="0"/>
+          </a:p>
+        </p:txBody>
+      </p:sp>
+    </p:spTree>
+    <p:extLst>
+      <p:ext uri="{BB962C8B-B14F-4D97-AF65-F5344CB8AC3E}">
+        <p14:creationId xmlns:p14="http://schemas.microsoft.com/office/powerpoint/2010/main" val="3757991987"/>
+      </p:ext>
+    </p:extLst>
+  </p:cSld>
+  <p:clrMapOvr>
+    <a:masterClrMapping/>
+  </p:clrMapOvr>
+  <p:timing>
+    <p:tnLst>
+      <p:par>
+        <p:cTn id="1" dur="indefinite" restart="never" nodeType="tmRoot"/>
+      </p:par>
+    </p:tnLst>
+  </p:timing>
+</p:sld>
+</file>
+
+<file path=ppt/slides/slide24.xml><?xml version="1.0" encoding="utf-8"?>
+<p:sld xmlns:a="http://schemas.openxmlformats.org/drawingml/2006/main" xmlns:r="http://schemas.openxmlformats.org/officeDocument/2006/relationships" xmlns:p="http://schemas.openxmlformats.org/presentationml/2006/main">
+  <p:cSld>
+    <p:spTree>
+      <p:nvGrpSpPr>
+        <p:cNvPr id="1" name=""/>
+        <p:cNvGrpSpPr/>
+        <p:nvPr/>
+      </p:nvGrpSpPr>
+      <p:grpSpPr>
+        <a:xfrm>
+          <a:off x="0" y="0"/>
+          <a:ext cx="0" cy="0"/>
+          <a:chOff x="0" y="0"/>
+          <a:chExt cx="0" cy="0"/>
+        </a:xfrm>
+      </p:grpSpPr>
+      <p:sp>
+        <p:nvSpPr>
+          <p:cNvPr id="2" name="Title 1"/>
+          <p:cNvSpPr>
+            <a:spLocks noGrp="1"/>
+          </p:cNvSpPr>
+          <p:nvPr>
+            <p:ph type="title"/>
+          </p:nvPr>
+        </p:nvSpPr>
+        <p:spPr/>
+        <p:txBody>
+          <a:bodyPr>
+            <a:normAutofit/>
+          </a:bodyPr>
+          <a:lstStyle/>
+          <a:p>
+            <a:r>
+              <a:rPr lang="en-GB" sz="4000" dirty="0" smtClean="0"/>
+              <a:t>ImageNet Large </a:t>
+            </a:r>
+            <a:r>
+              <a:rPr lang="en-GB" sz="4000" dirty="0"/>
+              <a:t>Scale Visual </a:t>
+            </a:r>
+            <a:r>
+              <a:rPr lang="en-GB" sz="4000" dirty="0" smtClean="0"/>
+              <a:t>Recognition Challenge</a:t>
+            </a:r>
+            <a:r>
+              <a:rPr lang="en-GB" dirty="0"/>
+              <a:t/>
+            </a:r>
+            <a:br>
+              <a:rPr lang="en-GB" dirty="0"/>
+            </a:br>
+            <a:endParaRPr lang="en-GB" dirty="0"/>
+          </a:p>
+        </p:txBody>
+      </p:sp>
+      <p:pic>
+        <p:nvPicPr>
+          <p:cNvPr id="4" name="Content Placeholder 3"/>
+          <p:cNvPicPr>
+            <a:picLocks noGrp="1" noChangeAspect="1"/>
+          </p:cNvPicPr>
+          <p:nvPr>
+            <p:ph idx="1"/>
+          </p:nvPr>
+        </p:nvPicPr>
+        <p:blipFill>
+          <a:blip r:embed="rId3"/>
+          <a:stretch>
+            <a:fillRect/>
+          </a:stretch>
+        </p:blipFill>
+        <p:spPr>
+          <a:xfrm>
+            <a:off x="2978558" y="1825625"/>
+            <a:ext cx="6234883" cy="4351338"/>
+          </a:xfrm>
+          <a:prstGeom prst="rect">
+            <a:avLst/>
+          </a:prstGeom>
+        </p:spPr>
+      </p:pic>
+      <p:sp>
+        <p:nvSpPr>
+          <p:cNvPr id="5" name="TextBox 4"/>
+          <p:cNvSpPr txBox="1"/>
+          <p:nvPr/>
+        </p:nvSpPr>
+        <p:spPr>
+          <a:xfrm>
+            <a:off x="838200" y="6176963"/>
+            <a:ext cx="10515600" cy="307777"/>
+          </a:xfrm>
+          <a:prstGeom prst="rect">
+            <a:avLst/>
+          </a:prstGeom>
+          <a:noFill/>
+        </p:spPr>
+        <p:txBody>
+          <a:bodyPr wrap="square" rtlCol="0">
+            <a:spAutoFit/>
+          </a:bodyPr>
+          <a:lstStyle/>
+          <a:p>
+            <a:r>
+              <a:rPr lang="en-GB" sz="1400" dirty="0"/>
+              <a:t>https://www.researchgate.net/figure/Error-rates-on-the-ImageNet-Large-Scale-Visual-Recognition-Challenge-Accuracy_fig1_332452649</a:t>
+            </a:r>
+          </a:p>
+        </p:txBody>
+      </p:sp>
+    </p:spTree>
+    <p:extLst>
+      <p:ext uri="{BB962C8B-B14F-4D97-AF65-F5344CB8AC3E}">
+        <p14:creationId xmlns:p14="http://schemas.microsoft.com/office/powerpoint/2010/main" val="244744918"/>
+      </p:ext>
+    </p:extLst>
+  </p:cSld>
+  <p:clrMapOvr>
+    <a:masterClrMapping/>
+  </p:clrMapOvr>
+  <p:timing>
+    <p:tnLst>
+      <p:par>
+        <p:cTn id="1" dur="indefinite" restart="never" nodeType="tmRoot"/>
+      </p:par>
+    </p:tnLst>
+  </p:timing>
+</p:sld>
+</file>
+
+<file path=ppt/slides/slide25.xml><?xml version="1.0" encoding="utf-8"?>
+<p:sld xmlns:a="http://schemas.openxmlformats.org/drawingml/2006/main" xmlns:r="http://schemas.openxmlformats.org/officeDocument/2006/relationships" xmlns:p="http://schemas.openxmlformats.org/presentationml/2006/main">
+  <p:cSld>
+    <p:spTree>
+      <p:nvGrpSpPr>
+        <p:cNvPr id="1" name=""/>
+        <p:cNvGrpSpPr/>
+        <p:nvPr/>
+      </p:nvGrpSpPr>
+      <p:grpSpPr>
+        <a:xfrm>
+          <a:off x="0" y="0"/>
+          <a:ext cx="0" cy="0"/>
+          <a:chOff x="0" y="0"/>
+          <a:chExt cx="0" cy="0"/>
+        </a:xfrm>
+      </p:grpSpPr>
+      <p:sp>
+        <p:nvSpPr>
+          <p:cNvPr id="2" name="Title 1"/>
+          <p:cNvSpPr>
+            <a:spLocks noGrp="1"/>
+          </p:cNvSpPr>
+          <p:nvPr>
+            <p:ph type="title"/>
+          </p:nvPr>
+        </p:nvSpPr>
+        <p:spPr/>
+        <p:txBody>
+          <a:bodyPr>
+            <a:normAutofit/>
+          </a:bodyPr>
+          <a:lstStyle/>
+          <a:p>
+            <a:r>
+              <a:rPr lang="en-GB" sz="4000" dirty="0" smtClean="0"/>
+              <a:t>ImageNet Large </a:t>
+            </a:r>
+            <a:r>
+              <a:rPr lang="en-GB" sz="4000" dirty="0"/>
+              <a:t>Scale Visual </a:t>
+            </a:r>
+            <a:r>
+              <a:rPr lang="en-GB" sz="4000" dirty="0" smtClean="0"/>
+              <a:t>Recognition Challenge</a:t>
+            </a:r>
+            <a:r>
+              <a:rPr lang="en-GB" dirty="0"/>
+              <a:t/>
+            </a:r>
+            <a:br>
+              <a:rPr lang="en-GB" dirty="0"/>
+            </a:br>
+            <a:endParaRPr lang="en-GB" dirty="0"/>
+          </a:p>
+        </p:txBody>
+      </p:sp>
+      <p:sp>
+        <p:nvSpPr>
+          <p:cNvPr id="5" name="TextBox 4"/>
+          <p:cNvSpPr txBox="1"/>
+          <p:nvPr/>
+        </p:nvSpPr>
+        <p:spPr>
+          <a:xfrm>
+            <a:off x="838200" y="6176963"/>
+            <a:ext cx="10515600" cy="307777"/>
+          </a:xfrm>
+          <a:prstGeom prst="rect">
+            <a:avLst/>
+          </a:prstGeom>
+          <a:noFill/>
+        </p:spPr>
+        <p:txBody>
+          <a:bodyPr wrap="square" rtlCol="0">
+            <a:spAutoFit/>
+          </a:bodyPr>
+          <a:lstStyle/>
+          <a:p>
+            <a:r>
+              <a:rPr lang="en-GB" sz="1400" dirty="0"/>
+              <a:t>https://www.researchgate.net/figure/The-evolution-of-the-winning-entries-on-the-ImageNet-Large-Scale-Visual-Recognition_fig1_321896881</a:t>
+            </a:r>
+          </a:p>
+        </p:txBody>
+      </p:sp>
+      <p:pic>
+        <p:nvPicPr>
+          <p:cNvPr id="3" name="Picture 2"/>
+          <p:cNvPicPr>
+            <a:picLocks noChangeAspect="1"/>
+          </p:cNvPicPr>
+          <p:nvPr/>
+        </p:nvPicPr>
+        <p:blipFill>
+          <a:blip r:embed="rId3"/>
+          <a:stretch>
+            <a:fillRect/>
+          </a:stretch>
+        </p:blipFill>
+        <p:spPr>
+          <a:xfrm>
+            <a:off x="2767012" y="1504950"/>
+            <a:ext cx="6657975" cy="3848100"/>
+          </a:xfrm>
+          <a:prstGeom prst="rect">
+            <a:avLst/>
+          </a:prstGeom>
+        </p:spPr>
+      </p:pic>
+      <p:sp>
+        <p:nvSpPr>
+          <p:cNvPr id="6" name="Content Placeholder 5"/>
+          <p:cNvSpPr>
+            <a:spLocks noGrp="1"/>
+          </p:cNvSpPr>
+          <p:nvPr>
+            <p:ph idx="1"/>
+          </p:nvPr>
+        </p:nvSpPr>
+        <p:spPr/>
+        <p:txBody>
+          <a:bodyPr/>
+          <a:lstStyle/>
+          <a:p>
+            <a:r>
+              <a:rPr lang="en-GB" dirty="0" smtClean="0"/>
+              <a:t> </a:t>
+            </a:r>
+            <a:endParaRPr lang="en-GB" dirty="0"/>
+          </a:p>
+        </p:txBody>
+      </p:sp>
+    </p:spTree>
+    <p:extLst>
+      <p:ext uri="{BB962C8B-B14F-4D97-AF65-F5344CB8AC3E}">
+        <p14:creationId xmlns:p14="http://schemas.microsoft.com/office/powerpoint/2010/main" val="2369057201"/>
+      </p:ext>
+    </p:extLst>
+  </p:cSld>
+  <p:clrMapOvr>
+    <a:masterClrMapping/>
+  </p:clrMapOvr>
+  <p:timing>
+    <p:tnLst>
+      <p:par>
+        <p:cTn id="1" dur="indefinite" restart="never" nodeType="tmRoot"/>
+      </p:par>
+    </p:tnLst>
+  </p:timing>
+</p:sld>
+</file>
+
+<file path=ppt/slides/slide26.xml><?xml version="1.0" encoding="utf-8"?>
+<p:sld xmlns:a="http://schemas.openxmlformats.org/drawingml/2006/main" xmlns:r="http://schemas.openxmlformats.org/officeDocument/2006/relationships" xmlns:p="http://schemas.openxmlformats.org/presentationml/2006/main">
+  <p:cSld>
+    <p:spTree>
+      <p:nvGrpSpPr>
+        <p:cNvPr id="1" name=""/>
+        <p:cNvGrpSpPr/>
+        <p:nvPr/>
+      </p:nvGrpSpPr>
+      <p:grpSpPr>
+        <a:xfrm>
+          <a:off x="0" y="0"/>
+          <a:ext cx="0" cy="0"/>
+          <a:chOff x="0" y="0"/>
+          <a:chExt cx="0" cy="0"/>
+        </a:xfrm>
+      </p:grpSpPr>
+      <p:sp>
+        <p:nvSpPr>
+          <p:cNvPr id="2" name="Title 1"/>
+          <p:cNvSpPr>
+            <a:spLocks noGrp="1"/>
+          </p:cNvSpPr>
+          <p:nvPr>
+            <p:ph type="title"/>
+          </p:nvPr>
+        </p:nvSpPr>
+        <p:spPr/>
+        <p:txBody>
+          <a:bodyPr>
+            <a:normAutofit/>
+          </a:bodyPr>
+          <a:lstStyle/>
+          <a:p>
+            <a:pPr algn="ctr"/>
+            <a:r>
+              <a:rPr lang="en-GB" dirty="0" err="1" smtClean="0"/>
+              <a:t>AlexNet</a:t>
+            </a:r>
+            <a:r>
+              <a:rPr lang="en-GB" dirty="0" smtClean="0"/>
+              <a:t> </a:t>
+            </a:r>
+            <a:r>
+              <a:rPr lang="en-GB" dirty="0" err="1" smtClean="0"/>
+              <a:t>architeture</a:t>
+            </a:r>
+            <a:r>
+              <a:rPr lang="en-GB" dirty="0"/>
+              <a:t/>
+            </a:r>
+            <a:br>
+              <a:rPr lang="en-GB" dirty="0"/>
+            </a:br>
+            <a:endParaRPr lang="en-GB" dirty="0"/>
+          </a:p>
+        </p:txBody>
+      </p:sp>
+      <p:sp>
+        <p:nvSpPr>
+          <p:cNvPr id="5" name="TextBox 4"/>
+          <p:cNvSpPr txBox="1"/>
+          <p:nvPr/>
+        </p:nvSpPr>
+        <p:spPr>
+          <a:xfrm>
+            <a:off x="838200" y="6176963"/>
+            <a:ext cx="10515600" cy="307777"/>
+          </a:xfrm>
+          <a:prstGeom prst="rect">
+            <a:avLst/>
+          </a:prstGeom>
+          <a:noFill/>
+        </p:spPr>
+        <p:txBody>
+          <a:bodyPr wrap="square" rtlCol="0">
+            <a:spAutoFit/>
+          </a:bodyPr>
+          <a:lstStyle/>
+          <a:p>
+            <a:r>
+              <a:rPr lang="en-GB" sz="1400" dirty="0"/>
+              <a:t>https://papers.nips.cc/paper/4824-imagenet-classification-with-deep-convolutional-neural-networks.pdf</a:t>
+            </a:r>
+          </a:p>
+        </p:txBody>
+      </p:sp>
+      <p:sp>
+        <p:nvSpPr>
+          <p:cNvPr id="6" name="Content Placeholder 5"/>
+          <p:cNvSpPr>
+            <a:spLocks noGrp="1"/>
+          </p:cNvSpPr>
+          <p:nvPr>
+            <p:ph idx="1"/>
+          </p:nvPr>
+        </p:nvSpPr>
+        <p:spPr/>
+        <p:txBody>
+          <a:bodyPr/>
+          <a:lstStyle/>
+          <a:p>
+            <a:r>
+              <a:rPr lang="en-GB" dirty="0" smtClean="0"/>
+              <a:t> </a:t>
+            </a:r>
+            <a:endParaRPr lang="en-GB" dirty="0"/>
+          </a:p>
+        </p:txBody>
+      </p:sp>
+      <p:pic>
+        <p:nvPicPr>
+          <p:cNvPr id="4" name="Picture 3"/>
+          <p:cNvPicPr>
+            <a:picLocks noChangeAspect="1"/>
+          </p:cNvPicPr>
+          <p:nvPr/>
+        </p:nvPicPr>
+        <p:blipFill>
+          <a:blip r:embed="rId3"/>
+          <a:stretch>
+            <a:fillRect/>
+          </a:stretch>
+        </p:blipFill>
+        <p:spPr>
+          <a:xfrm>
+            <a:off x="1500187" y="1885950"/>
+            <a:ext cx="9191625" cy="3086100"/>
+          </a:xfrm>
+          <a:prstGeom prst="rect">
+            <a:avLst/>
+          </a:prstGeom>
+        </p:spPr>
+      </p:pic>
+    </p:spTree>
+    <p:extLst>
+      <p:ext uri="{BB962C8B-B14F-4D97-AF65-F5344CB8AC3E}">
+        <p14:creationId xmlns:p14="http://schemas.microsoft.com/office/powerpoint/2010/main" val="2661309295"/>
+      </p:ext>
+    </p:extLst>
+  </p:cSld>
+  <p:clrMapOvr>
+    <a:masterClrMapping/>
+  </p:clrMapOvr>
+  <p:timing>
+    <p:tnLst>
+      <p:par>
+        <p:cTn id="1" dur="indefinite" restart="never" nodeType="tmRoot"/>
+      </p:par>
+    </p:tnLst>
+  </p:timing>
+</p:sld>
+</file>
+
+<file path=ppt/slides/slide27.xml><?xml version="1.0" encoding="utf-8"?>
+<p:sld xmlns:a="http://schemas.openxmlformats.org/drawingml/2006/main" xmlns:r="http://schemas.openxmlformats.org/officeDocument/2006/relationships" xmlns:p="http://schemas.openxmlformats.org/presentationml/2006/main">
+  <p:cSld>
+    <p:spTree>
+      <p:nvGrpSpPr>
+        <p:cNvPr id="1" name=""/>
+        <p:cNvGrpSpPr/>
+        <p:nvPr/>
+      </p:nvGrpSpPr>
+      <p:grpSpPr>
+        <a:xfrm>
+          <a:off x="0" y="0"/>
+          <a:ext cx="0" cy="0"/>
+          <a:chOff x="0" y="0"/>
+          <a:chExt cx="0" cy="0"/>
+        </a:xfrm>
+      </p:grpSpPr>
+      <p:sp>
+        <p:nvSpPr>
+          <p:cNvPr id="2" name="Title 1"/>
+          <p:cNvSpPr>
+            <a:spLocks noGrp="1"/>
+          </p:cNvSpPr>
+          <p:nvPr>
+            <p:ph type="title"/>
+          </p:nvPr>
+        </p:nvSpPr>
+        <p:spPr/>
+        <p:txBody>
+          <a:bodyPr>
+            <a:normAutofit/>
+          </a:bodyPr>
+          <a:lstStyle/>
+          <a:p>
+            <a:pPr algn="ctr"/>
+            <a:r>
+              <a:rPr lang="en-GB" dirty="0" smtClean="0"/>
+              <a:t>Support Vector Machine</a:t>
+            </a:r>
+            <a:r>
+              <a:rPr lang="en-GB" dirty="0"/>
+              <a:t/>
+            </a:r>
+            <a:br>
+              <a:rPr lang="en-GB" dirty="0"/>
+            </a:br>
+            <a:endParaRPr lang="en-GB" dirty="0"/>
+          </a:p>
+        </p:txBody>
+      </p:sp>
+      <p:sp>
+        <p:nvSpPr>
+          <p:cNvPr id="5" name="TextBox 4"/>
+          <p:cNvSpPr txBox="1"/>
+          <p:nvPr/>
+        </p:nvSpPr>
+        <p:spPr>
+          <a:xfrm>
+            <a:off x="838200" y="6176963"/>
+            <a:ext cx="10515600" cy="307777"/>
+          </a:xfrm>
+          <a:prstGeom prst="rect">
+            <a:avLst/>
+          </a:prstGeom>
+          <a:noFill/>
+        </p:spPr>
+        <p:txBody>
+          <a:bodyPr wrap="square" rtlCol="0">
+            <a:spAutoFit/>
+          </a:bodyPr>
+          <a:lstStyle/>
+          <a:p>
+            <a:r>
+              <a:rPr lang="en-GB" sz="1400" dirty="0"/>
+              <a:t>https://www.javatpoint.com/machine-learning-support-vector-machine-algorithm</a:t>
+            </a:r>
+          </a:p>
+        </p:txBody>
+      </p:sp>
+      <p:sp>
+        <p:nvSpPr>
+          <p:cNvPr id="6" name="Content Placeholder 5"/>
+          <p:cNvSpPr>
+            <a:spLocks noGrp="1"/>
+          </p:cNvSpPr>
+          <p:nvPr>
+            <p:ph idx="1"/>
+          </p:nvPr>
+        </p:nvSpPr>
+        <p:spPr/>
+        <p:txBody>
+          <a:bodyPr/>
+          <a:lstStyle/>
+          <a:p>
+            <a:r>
+              <a:rPr lang="en-GB" dirty="0" smtClean="0"/>
+              <a:t> </a:t>
+            </a:r>
+            <a:endParaRPr lang="en-GB" dirty="0"/>
+          </a:p>
+        </p:txBody>
+      </p:sp>
+      <p:pic>
+        <p:nvPicPr>
+          <p:cNvPr id="2052" name="Picture 4" descr="Support Vector Machine Algorithm"/>
+          <p:cNvPicPr>
+            <a:picLocks noChangeAspect="1" noChangeArrowheads="1"/>
+          </p:cNvPicPr>
+          <p:nvPr/>
+        </p:nvPicPr>
+        <p:blipFill>
+          <a:blip r:embed="rId3">
+            <a:extLst>
+              <a:ext uri="{28A0092B-C50C-407E-A947-70E740481C1C}">
+                <a14:useLocalDpi xmlns:a14="http://schemas.microsoft.com/office/drawing/2010/main" val="0"/>
+              </a:ext>
+            </a:extLst>
+          </a:blip>
+          <a:srcRect/>
+          <a:stretch>
+            <a:fillRect/>
+          </a:stretch>
+        </p:blipFill>
+        <p:spPr bwMode="auto">
+          <a:xfrm>
+            <a:off x="2836991" y="1517848"/>
+            <a:ext cx="5715000" cy="3810000"/>
+          </a:xfrm>
+          <a:prstGeom prst="rect">
+            <a:avLst/>
+          </a:prstGeom>
+          <a:noFill/>
+          <a:extLst>
+            <a:ext uri="{909E8E84-426E-40DD-AFC4-6F175D3DCCD1}">
+              <a14:hiddenFill xmlns:a14="http://schemas.microsoft.com/office/drawing/2010/main">
+                <a:solidFill>
+                  <a:srgbClr val="FFFFFF"/>
+                </a:solidFill>
+              </a14:hiddenFill>
+            </a:ext>
+          </a:extLst>
+        </p:spPr>
+      </p:pic>
+    </p:spTree>
+    <p:extLst>
+      <p:ext uri="{BB962C8B-B14F-4D97-AF65-F5344CB8AC3E}">
+        <p14:creationId xmlns:p14="http://schemas.microsoft.com/office/powerpoint/2010/main" val="1493221956"/>
+      </p:ext>
+    </p:extLst>
+  </p:cSld>
+  <p:clrMapOvr>
+    <a:masterClrMapping/>
+  </p:clrMapOvr>
+  <p:timing>
+    <p:tnLst>
+      <p:par>
+        <p:cTn id="1" dur="indefinite" restart="never" nodeType="tmRoot"/>
+      </p:par>
+    </p:tnLst>
+  </p:timing>
+</p:sld>
+</file>
+
+<file path=ppt/slides/slide28.xml><?xml version="1.0" encoding="utf-8"?>
+<p:sld xmlns:a="http://schemas.openxmlformats.org/drawingml/2006/main" xmlns:r="http://schemas.openxmlformats.org/officeDocument/2006/relationships" xmlns:p="http://schemas.openxmlformats.org/presentationml/2006/main">
+  <p:cSld>
+    <p:spTree>
+      <p:nvGrpSpPr>
+        <p:cNvPr id="1" name=""/>
+        <p:cNvGrpSpPr/>
+        <p:nvPr/>
+      </p:nvGrpSpPr>
+      <p:grpSpPr>
+        <a:xfrm>
+          <a:off x="0" y="0"/>
+          <a:ext cx="0" cy="0"/>
+          <a:chOff x="0" y="0"/>
+          <a:chExt cx="0" cy="0"/>
+        </a:xfrm>
+      </p:grpSpPr>
+      <p:sp>
+        <p:nvSpPr>
+          <p:cNvPr id="2" name="Title 1"/>
+          <p:cNvSpPr>
+            <a:spLocks noGrp="1"/>
+          </p:cNvSpPr>
+          <p:nvPr>
+            <p:ph type="title"/>
+          </p:nvPr>
+        </p:nvSpPr>
+        <p:spPr/>
+        <p:txBody>
+          <a:bodyPr/>
+          <a:lstStyle/>
+          <a:p>
+            <a:r>
+              <a:rPr lang="en-GB" dirty="0" smtClean="0"/>
+              <a:t>Computer Vision - Ethical </a:t>
+            </a:r>
+            <a:r>
+              <a:rPr lang="en-GB" dirty="0" smtClean="0"/>
+              <a:t>Aspects</a:t>
+            </a:r>
+            <a:endParaRPr lang="en-GB" dirty="0"/>
+          </a:p>
+        </p:txBody>
+      </p:sp>
+      <p:sp>
+        <p:nvSpPr>
+          <p:cNvPr id="3" name="Content Placeholder 2"/>
+          <p:cNvSpPr>
+            <a:spLocks noGrp="1"/>
+          </p:cNvSpPr>
+          <p:nvPr>
+            <p:ph idx="1"/>
+          </p:nvPr>
+        </p:nvSpPr>
+        <p:spPr/>
+        <p:txBody>
+          <a:bodyPr>
+            <a:normAutofit lnSpcReduction="10000"/>
+          </a:bodyPr>
+          <a:lstStyle/>
+          <a:p>
+            <a:r>
+              <a:rPr lang="en-GB" dirty="0"/>
+              <a:t>Who is making the decision?</a:t>
+            </a:r>
+          </a:p>
+          <a:p>
+            <a:r>
+              <a:rPr lang="en-GB" dirty="0"/>
+              <a:t>E</a:t>
+            </a:r>
+            <a:r>
+              <a:rPr lang="en-GB" dirty="0" smtClean="0"/>
+              <a:t>thical </a:t>
+            </a:r>
+            <a:r>
+              <a:rPr lang="en-GB" dirty="0"/>
+              <a:t>implications around user perceptions of trust in the underlying technology should be considered and supported</a:t>
+            </a:r>
+            <a:r>
+              <a:rPr lang="en-GB" dirty="0" smtClean="0"/>
+              <a:t> </a:t>
+            </a:r>
+          </a:p>
+          <a:p>
+            <a:r>
+              <a:rPr lang="en-GB" dirty="0" smtClean="0"/>
+              <a:t>Long </a:t>
+            </a:r>
+            <a:r>
+              <a:rPr lang="en-GB" dirty="0" smtClean="0"/>
+              <a:t>Term </a:t>
+            </a:r>
+            <a:r>
+              <a:rPr lang="en-GB" dirty="0" smtClean="0"/>
+              <a:t>Care Sector (caring for the elderly)</a:t>
+            </a:r>
+            <a:endParaRPr lang="en-GB" dirty="0" smtClean="0"/>
+          </a:p>
+          <a:p>
+            <a:r>
+              <a:rPr lang="en-GB" dirty="0" smtClean="0"/>
+              <a:t>Computer Vision system for tracking </a:t>
+            </a:r>
+            <a:r>
+              <a:rPr lang="en-GB" dirty="0"/>
+              <a:t>resident food and fluid </a:t>
+            </a:r>
+            <a:r>
+              <a:rPr lang="en-GB" dirty="0" smtClean="0"/>
+              <a:t>intake</a:t>
+            </a:r>
+          </a:p>
+          <a:p>
+            <a:r>
+              <a:rPr lang="en-GB" dirty="0" smtClean="0"/>
+              <a:t>Decision </a:t>
+            </a:r>
+            <a:r>
+              <a:rPr lang="en-GB" dirty="0"/>
+              <a:t>making rests with humans </a:t>
+            </a:r>
+            <a:endParaRPr lang="en-GB" dirty="0" smtClean="0">
+              <a:hlinkClick r:id="rId3"/>
+            </a:endParaRPr>
+          </a:p>
+          <a:p>
+            <a:r>
+              <a:rPr lang="en-GB" dirty="0" smtClean="0"/>
+              <a:t>The tracking system </a:t>
+            </a:r>
+            <a:r>
+              <a:rPr lang="en-GB" dirty="0"/>
+              <a:t>is a decision-making aid</a:t>
+            </a:r>
+            <a:endParaRPr lang="en-GB" dirty="0">
+              <a:hlinkClick r:id="rId3"/>
+            </a:endParaRPr>
+          </a:p>
+          <a:p>
+            <a:endParaRPr lang="en-GB" dirty="0" smtClean="0">
+              <a:hlinkClick r:id="rId3"/>
+            </a:endParaRPr>
+          </a:p>
+          <a:p>
+            <a:r>
+              <a:rPr lang="en-GB" dirty="0" smtClean="0">
+                <a:hlinkClick r:id="rId3"/>
+              </a:rPr>
+              <a:t>arXiv:1905.12487</a:t>
+            </a:r>
+            <a:endParaRPr lang="en-GB" dirty="0"/>
+          </a:p>
+        </p:txBody>
+      </p:sp>
+    </p:spTree>
+    <p:extLst>
+      <p:ext uri="{BB962C8B-B14F-4D97-AF65-F5344CB8AC3E}">
+        <p14:creationId xmlns:p14="http://schemas.microsoft.com/office/powerpoint/2010/main" val="1196113875"/>
+      </p:ext>
+    </p:extLst>
+  </p:cSld>
+  <p:clrMapOvr>
+    <a:masterClrMapping/>
+  </p:clrMapOvr>
+  <p:timing>
+    <p:tnLst>
+      <p:par>
+        <p:cTn id="1" dur="indefinite" restart="never" nodeType="tmRoot"/>
+      </p:par>
+    </p:tnLst>
+  </p:timing>
+</p:sld>
+</file>
+
+<file path=ppt/slides/slide29.xml><?xml version="1.0" encoding="utf-8"?>
+<p:sld xmlns:a="http://schemas.openxmlformats.org/drawingml/2006/main" xmlns:r="http://schemas.openxmlformats.org/officeDocument/2006/relationships" xmlns:p="http://schemas.openxmlformats.org/presentationml/2006/main">
+  <p:cSld>
+    <p:spTree>
+      <p:nvGrpSpPr>
+        <p:cNvPr id="1" name=""/>
+        <p:cNvGrpSpPr/>
+        <p:nvPr/>
+      </p:nvGrpSpPr>
+      <p:grpSpPr>
+        <a:xfrm>
+          <a:off x="0" y="0"/>
+          <a:ext cx="0" cy="0"/>
+          <a:chOff x="0" y="0"/>
+          <a:chExt cx="0" cy="0"/>
+        </a:xfrm>
+      </p:grpSpPr>
+      <p:sp>
+        <p:nvSpPr>
+          <p:cNvPr id="2" name="Title 1"/>
+          <p:cNvSpPr>
+            <a:spLocks noGrp="1"/>
+          </p:cNvSpPr>
+          <p:nvPr>
+            <p:ph type="title"/>
+          </p:nvPr>
+        </p:nvSpPr>
+        <p:spPr/>
+        <p:txBody>
+          <a:bodyPr/>
+          <a:lstStyle/>
+          <a:p>
+            <a:pPr algn="ctr"/>
+            <a:r>
+              <a:rPr lang="en-GB" dirty="0"/>
+              <a:t>Do algorithms </a:t>
+            </a:r>
+            <a:r>
+              <a:rPr lang="en-GB" i="1" dirty="0"/>
+              <a:t>discriminate</a:t>
+            </a:r>
+            <a:r>
+              <a:rPr lang="en-GB" dirty="0"/>
+              <a:t>?</a:t>
+            </a:r>
+            <a:endParaRPr lang="en-GB" dirty="0"/>
+          </a:p>
+        </p:txBody>
+      </p:sp>
+      <p:sp>
+        <p:nvSpPr>
+          <p:cNvPr id="3" name="Content Placeholder 2"/>
+          <p:cNvSpPr>
+            <a:spLocks noGrp="1"/>
+          </p:cNvSpPr>
+          <p:nvPr>
+            <p:ph idx="1"/>
+          </p:nvPr>
+        </p:nvSpPr>
+        <p:spPr/>
+        <p:txBody>
+          <a:bodyPr>
+            <a:normAutofit/>
+          </a:bodyPr>
+          <a:lstStyle/>
+          <a:p>
+            <a:endParaRPr lang="en-GB" dirty="0"/>
+          </a:p>
+        </p:txBody>
+      </p:sp>
+    </p:spTree>
+    <p:extLst>
+      <p:ext uri="{BB962C8B-B14F-4D97-AF65-F5344CB8AC3E}">
+        <p14:creationId xmlns:p14="http://schemas.microsoft.com/office/powerpoint/2010/main" val="3653776147"/>
+      </p:ext>
+    </p:extLst>
+  </p:cSld>
+  <p:clrMapOvr>
+    <a:masterClrMapping/>
+  </p:clrMapOvr>
+  <p:timing>
+    <p:tnLst>
+      <p:par>
+        <p:cTn id="1" dur="indefinite" restart="never" nodeType="tmRoot"/>
+      </p:par>
+    </p:tnLst>
+  </p:timing>
+</p:sld>
+</file>
+
 <file path=ppt/slides/slide3.xml><?xml version="1.0" encoding="utf-8"?>
 <p:sld xmlns:a="http://schemas.openxmlformats.org/drawingml/2006/main" xmlns:r="http://schemas.openxmlformats.org/officeDocument/2006/relationships" xmlns:p="http://schemas.openxmlformats.org/presentationml/2006/main">
   <p:cSld>
@@ -5879,6 +8945,185 @@
     <p:extLst>
       <p:ext uri="{BB962C8B-B14F-4D97-AF65-F5344CB8AC3E}">
         <p14:creationId xmlns:p14="http://schemas.microsoft.com/office/powerpoint/2010/main" val="3920061449"/>
+      </p:ext>
+    </p:extLst>
+  </p:cSld>
+  <p:clrMapOvr>
+    <a:masterClrMapping/>
+  </p:clrMapOvr>
+  <p:timing>
+    <p:tnLst>
+      <p:par>
+        <p:cTn id="1" dur="indefinite" restart="never" nodeType="tmRoot"/>
+      </p:par>
+    </p:tnLst>
+  </p:timing>
+</p:sld>
+</file>
+
+<file path=ppt/slides/slide30.xml><?xml version="1.0" encoding="utf-8"?>
+<p:sld xmlns:a="http://schemas.openxmlformats.org/drawingml/2006/main" xmlns:r="http://schemas.openxmlformats.org/officeDocument/2006/relationships" xmlns:p="http://schemas.openxmlformats.org/presentationml/2006/main">
+  <p:cSld>
+    <p:spTree>
+      <p:nvGrpSpPr>
+        <p:cNvPr id="1" name=""/>
+        <p:cNvGrpSpPr/>
+        <p:nvPr/>
+      </p:nvGrpSpPr>
+      <p:grpSpPr>
+        <a:xfrm>
+          <a:off x="0" y="0"/>
+          <a:ext cx="0" cy="0"/>
+          <a:chOff x="0" y="0"/>
+          <a:chExt cx="0" cy="0"/>
+        </a:xfrm>
+      </p:grpSpPr>
+      <p:sp>
+        <p:nvSpPr>
+          <p:cNvPr id="2" name="Title 1"/>
+          <p:cNvSpPr>
+            <a:spLocks noGrp="1"/>
+          </p:cNvSpPr>
+          <p:nvPr>
+            <p:ph type="title"/>
+          </p:nvPr>
+        </p:nvSpPr>
+        <p:spPr/>
+        <p:txBody>
+          <a:bodyPr/>
+          <a:lstStyle/>
+          <a:p>
+            <a:endParaRPr lang="en-GB"/>
+          </a:p>
+        </p:txBody>
+      </p:sp>
+      <p:sp>
+        <p:nvSpPr>
+          <p:cNvPr id="3" name="Content Placeholder 2"/>
+          <p:cNvSpPr>
+            <a:spLocks noGrp="1"/>
+          </p:cNvSpPr>
+          <p:nvPr>
+            <p:ph idx="1"/>
+          </p:nvPr>
+        </p:nvSpPr>
+        <p:spPr/>
+        <p:txBody>
+          <a:bodyPr/>
+          <a:lstStyle/>
+          <a:p>
+            <a:endParaRPr lang="en-GB"/>
+          </a:p>
+        </p:txBody>
+      </p:sp>
+    </p:spTree>
+    <p:extLst>
+      <p:ext uri="{BB962C8B-B14F-4D97-AF65-F5344CB8AC3E}">
+        <p14:creationId xmlns:p14="http://schemas.microsoft.com/office/powerpoint/2010/main" val="1723080329"/>
+      </p:ext>
+    </p:extLst>
+  </p:cSld>
+  <p:clrMapOvr>
+    <a:masterClrMapping/>
+  </p:clrMapOvr>
+  <p:timing>
+    <p:tnLst>
+      <p:par>
+        <p:cTn id="1" dur="indefinite" restart="never" nodeType="tmRoot"/>
+      </p:par>
+    </p:tnLst>
+  </p:timing>
+</p:sld>
+</file>
+
+<file path=ppt/slides/slide31.xml><?xml version="1.0" encoding="utf-8"?>
+<p:sld xmlns:a="http://schemas.openxmlformats.org/drawingml/2006/main" xmlns:r="http://schemas.openxmlformats.org/officeDocument/2006/relationships" xmlns:p="http://schemas.openxmlformats.org/presentationml/2006/main">
+  <p:cSld>
+    <p:spTree>
+      <p:nvGrpSpPr>
+        <p:cNvPr id="1" name=""/>
+        <p:cNvGrpSpPr/>
+        <p:nvPr/>
+      </p:nvGrpSpPr>
+      <p:grpSpPr>
+        <a:xfrm>
+          <a:off x="0" y="0"/>
+          <a:ext cx="0" cy="0"/>
+          <a:chOff x="0" y="0"/>
+          <a:chExt cx="0" cy="0"/>
+        </a:xfrm>
+      </p:grpSpPr>
+      <p:sp>
+        <p:nvSpPr>
+          <p:cNvPr id="2" name="Title 1"/>
+          <p:cNvSpPr>
+            <a:spLocks noGrp="1"/>
+          </p:cNvSpPr>
+          <p:nvPr>
+            <p:ph type="title"/>
+          </p:nvPr>
+        </p:nvSpPr>
+        <p:spPr/>
+        <p:txBody>
+          <a:bodyPr/>
+          <a:lstStyle/>
+          <a:p>
+            <a:r>
+              <a:rPr lang="en-GB" dirty="0" smtClean="0"/>
+              <a:t>Closing remarks	</a:t>
+            </a:r>
+            <a:endParaRPr lang="en-GB" dirty="0"/>
+          </a:p>
+        </p:txBody>
+      </p:sp>
+      <p:sp>
+        <p:nvSpPr>
+          <p:cNvPr id="3" name="Content Placeholder 2"/>
+          <p:cNvSpPr>
+            <a:spLocks noGrp="1"/>
+          </p:cNvSpPr>
+          <p:nvPr>
+            <p:ph idx="1"/>
+          </p:nvPr>
+        </p:nvSpPr>
+        <p:spPr/>
+        <p:txBody>
+          <a:bodyPr/>
+          <a:lstStyle/>
+          <a:p>
+            <a:r>
+              <a:rPr lang="en-GB" dirty="0" smtClean="0"/>
+              <a:t>Bringing a product to market (regulated vs. unregulated)</a:t>
+            </a:r>
+          </a:p>
+          <a:p>
+            <a:r>
+              <a:rPr lang="en-GB" dirty="0" smtClean="0"/>
+              <a:t>Questions ???</a:t>
+            </a:r>
+          </a:p>
+          <a:p>
+            <a:endParaRPr lang="en-GB" dirty="0"/>
+          </a:p>
+          <a:p>
+            <a:r>
+              <a:rPr lang="en-GB" dirty="0" smtClean="0"/>
+              <a:t>Contact details</a:t>
+            </a:r>
+          </a:p>
+          <a:p>
+            <a:r>
+              <a:rPr lang="en-GB" dirty="0" smtClean="0"/>
+              <a:t>Thank you!</a:t>
+            </a:r>
+            <a:endParaRPr lang="en-GB" dirty="0"/>
+          </a:p>
+        </p:txBody>
+      </p:sp>
+    </p:spTree>
+    <p:extLst>
+      <p:ext uri="{BB962C8B-B14F-4D97-AF65-F5344CB8AC3E}">
+        <p14:creationId xmlns:p14="http://schemas.microsoft.com/office/powerpoint/2010/main" val="3621001007"/>
       </p:ext>
     </p:extLst>
   </p:cSld>
@@ -6077,6 +9322,39 @@
           </a:xfrm>
         </p:spPr>
       </p:pic>
+      <p:sp>
+        <p:nvSpPr>
+          <p:cNvPr id="5" name="Rectangle 4"/>
+          <p:cNvSpPr/>
+          <p:nvPr/>
+        </p:nvSpPr>
+        <p:spPr>
+          <a:xfrm>
+            <a:off x="1456038" y="6336187"/>
+            <a:ext cx="8419070" cy="369332"/>
+          </a:xfrm>
+          <a:prstGeom prst="rect">
+            <a:avLst/>
+          </a:prstGeom>
+        </p:spPr>
+        <p:txBody>
+          <a:bodyPr wrap="square">
+            <a:spAutoFit/>
+          </a:bodyPr>
+          <a:lstStyle/>
+          <a:p>
+            <a:r>
+              <a:rPr lang="en-GB" dirty="0"/>
+              <a:t> </a:t>
+            </a:r>
+            <a:r>
+              <a:rPr lang="en-GB" dirty="0" smtClean="0"/>
+              <a:t>© Data Science Society, City, University of London</a:t>
+            </a:r>
+            <a:endParaRPr lang="en-GB" dirty="0"/>
+          </a:p>
+        </p:txBody>
+      </p:sp>
     </p:spTree>
     <p:extLst>
       <p:ext uri="{BB962C8B-B14F-4D97-AF65-F5344CB8AC3E}">
@@ -6194,6 +9472,39 @@
           </a:prstGeom>
         </p:spPr>
       </p:pic>
+      <p:sp>
+        <p:nvSpPr>
+          <p:cNvPr id="5" name="Rectangle 4"/>
+          <p:cNvSpPr/>
+          <p:nvPr/>
+        </p:nvSpPr>
+        <p:spPr>
+          <a:xfrm>
+            <a:off x="1272745" y="6311900"/>
+            <a:ext cx="8155459" cy="369332"/>
+          </a:xfrm>
+          <a:prstGeom prst="rect">
+            <a:avLst/>
+          </a:prstGeom>
+        </p:spPr>
+        <p:txBody>
+          <a:bodyPr wrap="square">
+            <a:spAutoFit/>
+          </a:bodyPr>
+          <a:lstStyle/>
+          <a:p>
+            <a:r>
+              <a:rPr lang="en-GB" dirty="0"/>
+              <a:t> </a:t>
+            </a:r>
+            <a:r>
+              <a:rPr lang="en-GB" dirty="0" smtClean="0"/>
+              <a:t>© Data Science Society, City, University of London</a:t>
+            </a:r>
+            <a:endParaRPr lang="en-GB" dirty="0"/>
+          </a:p>
+        </p:txBody>
+      </p:sp>
     </p:spTree>
     <p:extLst>
       <p:ext uri="{BB962C8B-B14F-4D97-AF65-F5344CB8AC3E}">
@@ -6339,11 +9650,7 @@
             <a:pPr algn="ctr"/>
             <a:r>
               <a:rPr lang="en-GB" dirty="0" smtClean="0"/>
-              <a:t>Raspberry Pi Zero </a:t>
-            </a:r>
-            <a:r>
-              <a:rPr lang="en-GB" dirty="0" smtClean="0"/>
-              <a:t>W – Memory Card</a:t>
+              <a:t>Raspberry Pi Zero W – Memory Card</a:t>
             </a:r>
             <a:endParaRPr lang="en-GB" dirty="0"/>
           </a:p>

--- a/workshop/FaceRecognitionInTheWild-Presentation.pptx
+++ b/workshop/FaceRecognitionInTheWild-Presentation.pptx
@@ -5,40 +5,42 @@
     <p:sldMasterId id="2147483724" r:id="rId1"/>
   </p:sldMasterIdLst>
   <p:notesMasterIdLst>
-    <p:notesMasterId r:id="rId33"/>
+    <p:notesMasterId r:id="rId35"/>
   </p:notesMasterIdLst>
   <p:sldIdLst>
     <p:sldId id="256" r:id="rId2"/>
     <p:sldId id="257" r:id="rId3"/>
     <p:sldId id="258" r:id="rId4"/>
-    <p:sldId id="259" r:id="rId5"/>
-    <p:sldId id="267" r:id="rId6"/>
-    <p:sldId id="268" r:id="rId7"/>
-    <p:sldId id="265" r:id="rId8"/>
-    <p:sldId id="276" r:id="rId9"/>
-    <p:sldId id="269" r:id="rId10"/>
-    <p:sldId id="270" r:id="rId11"/>
-    <p:sldId id="271" r:id="rId12"/>
-    <p:sldId id="272" r:id="rId13"/>
-    <p:sldId id="273" r:id="rId14"/>
-    <p:sldId id="274" r:id="rId15"/>
-    <p:sldId id="275" r:id="rId16"/>
-    <p:sldId id="260" r:id="rId17"/>
-    <p:sldId id="261" r:id="rId18"/>
-    <p:sldId id="263" r:id="rId19"/>
-    <p:sldId id="279" r:id="rId20"/>
-    <p:sldId id="278" r:id="rId21"/>
-    <p:sldId id="281" r:id="rId22"/>
-    <p:sldId id="282" r:id="rId23"/>
-    <p:sldId id="280" r:id="rId24"/>
-    <p:sldId id="283" r:id="rId25"/>
-    <p:sldId id="284" r:id="rId26"/>
-    <p:sldId id="285" r:id="rId27"/>
-    <p:sldId id="286" r:id="rId28"/>
-    <p:sldId id="277" r:id="rId29"/>
-    <p:sldId id="288" r:id="rId30"/>
-    <p:sldId id="287" r:id="rId31"/>
-    <p:sldId id="262" r:id="rId32"/>
+    <p:sldId id="289" r:id="rId5"/>
+    <p:sldId id="259" r:id="rId6"/>
+    <p:sldId id="290" r:id="rId7"/>
+    <p:sldId id="267" r:id="rId8"/>
+    <p:sldId id="268" r:id="rId9"/>
+    <p:sldId id="265" r:id="rId10"/>
+    <p:sldId id="276" r:id="rId11"/>
+    <p:sldId id="269" r:id="rId12"/>
+    <p:sldId id="270" r:id="rId13"/>
+    <p:sldId id="271" r:id="rId14"/>
+    <p:sldId id="272" r:id="rId15"/>
+    <p:sldId id="273" r:id="rId16"/>
+    <p:sldId id="274" r:id="rId17"/>
+    <p:sldId id="275" r:id="rId18"/>
+    <p:sldId id="260" r:id="rId19"/>
+    <p:sldId id="261" r:id="rId20"/>
+    <p:sldId id="263" r:id="rId21"/>
+    <p:sldId id="279" r:id="rId22"/>
+    <p:sldId id="278" r:id="rId23"/>
+    <p:sldId id="281" r:id="rId24"/>
+    <p:sldId id="282" r:id="rId25"/>
+    <p:sldId id="280" r:id="rId26"/>
+    <p:sldId id="283" r:id="rId27"/>
+    <p:sldId id="284" r:id="rId28"/>
+    <p:sldId id="285" r:id="rId29"/>
+    <p:sldId id="286" r:id="rId30"/>
+    <p:sldId id="277" r:id="rId31"/>
+    <p:sldId id="288" r:id="rId32"/>
+    <p:sldId id="287" r:id="rId33"/>
+    <p:sldId id="262" r:id="rId34"/>
   </p:sldIdLst>
   <p:sldSz cx="12192000" cy="6858000"/>
   <p:notesSz cx="6858000" cy="9144000"/>
@@ -337,7 +339,7 @@
           <a:p>
             <a:fld id="{2D39410A-5752-4A31-9B55-01936E41380F}" type="datetimeFigureOut">
               <a:rPr lang="en-GB" smtClean="0"/>
-              <a:t>11/03/2020</a:t>
+              <a:t>13/03/2020</a:t>
             </a:fld>
             <a:endParaRPr lang="en-GB"/>
           </a:p>
@@ -655,21 +657,41 @@
             </a:r>
             <a:r>
               <a:rPr lang="en-GB" baseline="0" dirty="0" smtClean="0"/>
-              <a:t> to the Face Recognition In the Wild Workshop, brought to you by City’s Data Science Society and me, Daniel Sikar a year two MSc Data Science Student.</a:t>
-            </a:r>
-          </a:p>
-          <a:p>
+              <a:t> to the Face Recognition In the Wild Workshop, brought to you by City’s Data Science Society and me, Daniel Sikar a year two MSc Data Science Student</a:t>
+            </a:r>
             <a:r>
               <a:rPr lang="en-GB" baseline="0" dirty="0" smtClean="0"/>
-              <a:t>So Jacob, Nik, Ben, would you like to say a word or two about the Society?</a:t>
+              <a:t>.</a:t>
             </a:r>
           </a:p>
           <a:p>
             <a:r>
               <a:rPr lang="en-GB" baseline="0" dirty="0" smtClean="0"/>
-              <a:t>Thanks. And about me…</a:t>
-            </a:r>
-            <a:endParaRPr lang="en-GB" dirty="0"/>
+              <a:t>So could we have a quick show of hands, are there any students here today currently enrolled in courses offered by the School of Mathematics, Computer Science and Engineering?</a:t>
+            </a:r>
+          </a:p>
+          <a:p>
+            <a:r>
+              <a:rPr lang="en-GB" baseline="0" dirty="0" smtClean="0"/>
+              <a:t>And anyone not from STEM disciplines?</a:t>
+            </a:r>
+          </a:p>
+          <a:p>
+            <a:r>
+              <a:rPr lang="en-GB" baseline="0" dirty="0" smtClean="0"/>
+              <a:t>Ok, just to get an idea and maybe adapt and filter the jargon</a:t>
+            </a:r>
+            <a:r>
+              <a:rPr lang="en-GB" baseline="0" smtClean="0"/>
+              <a:t>. </a:t>
+            </a:r>
+          </a:p>
+          <a:p>
+            <a:r>
+              <a:rPr lang="en-GB" baseline="0" smtClean="0"/>
+              <a:t>So this session is about my learning experience here at City so far, and trying to apply the theory to practice, by deploying computer vision to an actual device, face recognition being my “Hello World”</a:t>
+            </a:r>
+            <a:endParaRPr lang="en-GB" baseline="0" dirty="0" smtClean="0"/>
           </a:p>
         </p:txBody>
       </p:sp>
@@ -754,26 +776,88 @@
           <a:lstStyle/>
           <a:p>
             <a:r>
+              <a:rPr lang="en-GB" dirty="0" smtClean="0"/>
+              <a:t>So</a:t>
+            </a:r>
+            <a:r>
               <a:rPr lang="en-GB" baseline="0" dirty="0" smtClean="0"/>
-              <a:t>We, as Department of Computer Science post-graduate students, must operate within the University’s Research Ethics Framework. Final year projects need to comply.  Failure to obtain approval for research that requires it means that you will not be covered by the University’s </a:t>
+              <a:t> this is the </a:t>
             </a:r>
             <a:r>
               <a:rPr lang="en-GB" baseline="0" dirty="0" err="1" smtClean="0"/>
-              <a:t>indeminity</a:t>
+              <a:t>Rpi</a:t>
             </a:r>
             <a:r>
               <a:rPr lang="en-GB" baseline="0" dirty="0" smtClean="0"/>
-              <a:t>. Likely to result in you failing your project and may result in disciplinary action.</a:t>
+              <a:t> Zero W,</a:t>
+            </a:r>
+          </a:p>
+          <a:p>
+            <a:r>
+              <a:rPr lang="en-GB" baseline="0" dirty="0" smtClean="0"/>
+              <a:t>Broadcom 1GHz single-core CPU</a:t>
+            </a:r>
+          </a:p>
+          <a:p>
+            <a:r>
+              <a:rPr lang="en-GB" baseline="0" dirty="0" smtClean="0"/>
+              <a:t>512 MB RAM</a:t>
+            </a:r>
+          </a:p>
+          <a:p>
+            <a:r>
+              <a:rPr lang="en-GB" baseline="0" dirty="0" smtClean="0"/>
+              <a:t>Integrated Graphics Cards</a:t>
+            </a:r>
+          </a:p>
+          <a:p>
+            <a:r>
+              <a:rPr lang="en-GB" baseline="0" dirty="0" smtClean="0"/>
+              <a:t>802.11bng wireless</a:t>
+            </a:r>
+          </a:p>
+          <a:p>
+            <a:r>
+              <a:rPr lang="en-GB" baseline="0" dirty="0" smtClean="0"/>
+              <a:t>Bluetooth 4.1</a:t>
+            </a:r>
+          </a:p>
+          <a:p>
+            <a:pPr marL="0" marR="0" lvl="0" indent="0" algn="l" defTabSz="914400" rtl="0" eaLnBrk="1" fontAlgn="auto" latinLnBrk="0" hangingPunct="1">
+              <a:lnSpc>
+                <a:spcPct val="100000"/>
+              </a:lnSpc>
+              <a:spcBef>
+                <a:spcPts val="0"/>
+              </a:spcBef>
+              <a:spcAft>
+                <a:spcPts val="0"/>
+              </a:spcAft>
+              <a:buClrTx/>
+              <a:buSzTx/>
+              <a:buFontTx/>
+              <a:buNone/>
+              <a:tabLst/>
+              <a:defRPr/>
+            </a:pPr>
+            <a:r>
+              <a:rPr lang="en-GB" sz="1200" b="0" i="0" kern="1200" dirty="0" smtClean="0">
+                <a:solidFill>
+                  <a:schemeClr val="tx1"/>
+                </a:solidFill>
+                <a:effectLst/>
+                <a:latin typeface="+mn-lt"/>
+                <a:ea typeface="+mn-ea"/>
+                <a:cs typeface="+mn-cs"/>
+              </a:rPr>
+              <a:t>CSI (camera serial interface) camera connector</a:t>
             </a:r>
           </a:p>
           <a:p>
             <a:endParaRPr lang="en-GB" baseline="0" dirty="0" smtClean="0"/>
           </a:p>
           <a:p>
-            <a:r>
-              <a:rPr lang="en-GB" baseline="0" dirty="0" smtClean="0"/>
-              <a:t>Then we need to submit, together with our project proposal which will become our dissertation, a Research Ethics Review Form, to establish the kind of approval required for the project.</a:t>
-            </a:r>
+            <a:endParaRPr lang="en-GB" baseline="0" dirty="0" smtClean="0"/>
           </a:p>
           <a:p>
             <a:endParaRPr lang="en-GB" dirty="0"/>
@@ -797,7 +881,7 @@
           <a:p>
             <a:fld id="{C219B520-6AE5-4D22-8ED6-D119B61B942D}" type="slidenum">
               <a:rPr lang="en-GB" smtClean="0"/>
-              <a:t>20</a:t>
+              <a:t>10</a:t>
             </a:fld>
             <a:endParaRPr lang="en-GB"/>
           </a:p>
@@ -806,7 +890,7 @@
     </p:spTree>
     <p:extLst>
       <p:ext uri="{BB962C8B-B14F-4D97-AF65-F5344CB8AC3E}">
-        <p14:creationId xmlns:p14="http://schemas.microsoft.com/office/powerpoint/2010/main" val="1675497866"/>
+        <p14:creationId xmlns:p14="http://schemas.microsoft.com/office/powerpoint/2010/main" val="3405446985"/>
       </p:ext>
     </p:extLst>
   </p:cSld>
@@ -860,177 +944,7 @@
           <a:bodyPr/>
           <a:lstStyle/>
           <a:p>
-            <a:r>
-              <a:rPr lang="en-GB" sz="1200" i="0" kern="1200" dirty="0" smtClean="0">
-                <a:solidFill>
-                  <a:schemeClr val="tx1"/>
-                </a:solidFill>
-                <a:effectLst/>
-                <a:latin typeface="+mn-lt"/>
-                <a:ea typeface="+mn-ea"/>
-                <a:cs typeface="+mn-cs"/>
-              </a:rPr>
-              <a:t>Let’s see what this form looks like,</a:t>
-            </a:r>
-            <a:r>
-              <a:rPr lang="en-GB" sz="1200" i="0" kern="1200" baseline="0" dirty="0" smtClean="0">
-                <a:solidFill>
-                  <a:schemeClr val="tx1"/>
-                </a:solidFill>
-                <a:effectLst/>
-                <a:latin typeface="+mn-lt"/>
-                <a:ea typeface="+mn-ea"/>
-                <a:cs typeface="+mn-cs"/>
-              </a:rPr>
-              <a:t> what kind of (YES/NO) questions you need to answer.</a:t>
-            </a:r>
-          </a:p>
-          <a:p>
-            <a:endParaRPr lang="en-GB" sz="1200" i="0" kern="1200" dirty="0" smtClean="0">
-              <a:solidFill>
-                <a:schemeClr val="tx1"/>
-              </a:solidFill>
-              <a:effectLst/>
-              <a:latin typeface="+mn-lt"/>
-              <a:ea typeface="+mn-ea"/>
-              <a:cs typeface="+mn-cs"/>
-            </a:endParaRPr>
-          </a:p>
-          <a:p>
-            <a:r>
-              <a:rPr lang="en-GB" sz="1200" i="0" kern="1200" dirty="0" smtClean="0">
-                <a:solidFill>
-                  <a:schemeClr val="tx1"/>
-                </a:solidFill>
-                <a:effectLst/>
-                <a:latin typeface="+mn-lt"/>
-                <a:ea typeface="+mn-ea"/>
-                <a:cs typeface="+mn-cs"/>
-              </a:rPr>
-              <a:t>So these are some of the questions one</a:t>
-            </a:r>
-            <a:r>
-              <a:rPr lang="en-GB" sz="1200" i="0" kern="1200" baseline="0" dirty="0" smtClean="0">
-                <a:solidFill>
-                  <a:schemeClr val="tx1"/>
-                </a:solidFill>
-                <a:effectLst/>
-                <a:latin typeface="+mn-lt"/>
-                <a:ea typeface="+mn-ea"/>
-                <a:cs typeface="+mn-cs"/>
-              </a:rPr>
-              <a:t> would find in the Research Ethics Review Form, Part A:</a:t>
-            </a:r>
-          </a:p>
-          <a:p>
-            <a:endParaRPr lang="en-GB" sz="1200" i="0" kern="1200" dirty="0" smtClean="0">
-              <a:solidFill>
-                <a:schemeClr val="tx1"/>
-              </a:solidFill>
-              <a:effectLst/>
-              <a:latin typeface="+mn-lt"/>
-              <a:ea typeface="+mn-ea"/>
-              <a:cs typeface="+mn-cs"/>
-            </a:endParaRPr>
-          </a:p>
-          <a:p>
-            <a:r>
-              <a:rPr lang="en-GB" sz="1200" i="0" kern="1200" dirty="0" smtClean="0">
-                <a:solidFill>
-                  <a:schemeClr val="tx1"/>
-                </a:solidFill>
-                <a:effectLst/>
-                <a:latin typeface="+mn-lt"/>
-                <a:ea typeface="+mn-ea"/>
-                <a:cs typeface="+mn-cs"/>
-              </a:rPr>
-              <a:t>Mental Capacity Act: Such research needs to be approved by an external ethics committee such as NRES or the Social Care Research Ethics Committee - http://www.scie.org.uk/research/ethics-committee/</a:t>
-            </a:r>
-          </a:p>
-          <a:p>
-            <a:endParaRPr lang="en-GB" sz="1200" i="1" kern="1200" dirty="0" smtClean="0">
-              <a:solidFill>
-                <a:schemeClr val="tx1"/>
-              </a:solidFill>
-              <a:effectLst/>
-              <a:latin typeface="+mn-lt"/>
-              <a:ea typeface="+mn-ea"/>
-              <a:cs typeface="+mn-cs"/>
-            </a:endParaRPr>
-          </a:p>
-          <a:p>
-            <a:r>
-              <a:rPr lang="en-GB" sz="1200" i="0" kern="1200" dirty="0" smtClean="0">
-                <a:solidFill>
-                  <a:schemeClr val="tx1"/>
-                </a:solidFill>
-                <a:effectLst/>
-                <a:latin typeface="+mn-lt"/>
-                <a:ea typeface="+mn-ea"/>
-                <a:cs typeface="+mn-cs"/>
-              </a:rPr>
-              <a:t>Criminal Justice System: Such research needs to be authorised by the ethics approval system of the National Offender Management Service.</a:t>
-            </a:r>
-          </a:p>
-          <a:p>
-            <a:endParaRPr lang="en-GB" baseline="0" dirty="0" smtClean="0"/>
-          </a:p>
-          <a:p>
-            <a:r>
-              <a:rPr lang="en-GB" sz="1200" i="0" kern="1200" dirty="0" smtClean="0">
-                <a:solidFill>
-                  <a:schemeClr val="tx1"/>
-                </a:solidFill>
-                <a:effectLst/>
-                <a:latin typeface="+mn-lt"/>
-                <a:ea typeface="+mn-ea"/>
-                <a:cs typeface="+mn-cs"/>
-              </a:rPr>
-              <a:t>Disclosing information:</a:t>
-            </a:r>
-            <a:r>
-              <a:rPr lang="en-GB" sz="1200" i="0" kern="1200" baseline="0" dirty="0" smtClean="0">
-                <a:solidFill>
-                  <a:schemeClr val="tx1"/>
-                </a:solidFill>
-                <a:effectLst/>
-                <a:latin typeface="+mn-lt"/>
-                <a:ea typeface="+mn-ea"/>
-                <a:cs typeface="+mn-cs"/>
-              </a:rPr>
-              <a:t> </a:t>
-            </a:r>
-            <a:r>
-              <a:rPr lang="en-GB" sz="1200" i="0" kern="1200" dirty="0" smtClean="0">
-                <a:solidFill>
-                  <a:schemeClr val="tx1"/>
-                </a:solidFill>
-                <a:effectLst/>
-                <a:latin typeface="+mn-lt"/>
-                <a:ea typeface="+mn-ea"/>
-                <a:cs typeface="+mn-cs"/>
-              </a:rPr>
-              <a:t>For example, but not limited to: racial or ethnic origin; political opinions; religious beliefs; trade union membership; physical or mental health; sexual life; criminal offences and proceedings</a:t>
-            </a:r>
-            <a:endParaRPr lang="en-GB" i="0" baseline="0" dirty="0" smtClean="0"/>
-          </a:p>
-          <a:p>
-            <a:endParaRPr lang="en-GB" dirty="0" smtClean="0"/>
-          </a:p>
-          <a:p>
-            <a:r>
-              <a:rPr lang="en-GB" sz="1200" i="0" kern="1200" dirty="0" smtClean="0">
-                <a:solidFill>
-                  <a:schemeClr val="tx1"/>
-                </a:solidFill>
-                <a:effectLst/>
-                <a:latin typeface="+mn-lt"/>
-                <a:ea typeface="+mn-ea"/>
-                <a:cs typeface="+mn-cs"/>
-              </a:rPr>
-              <a:t>This includes adults with cognitive and / or learning disabilities, adults with physical disabilities and older people.</a:t>
-            </a:r>
-            <a:endParaRPr lang="en-GB" i="0" dirty="0"/>
+            <a:endParaRPr lang="en-GB" dirty="0"/>
           </a:p>
         </p:txBody>
       </p:sp>
@@ -1051,7 +965,7 @@
           <a:p>
             <a:fld id="{C219B520-6AE5-4D22-8ED6-D119B61B942D}" type="slidenum">
               <a:rPr lang="en-GB" smtClean="0"/>
-              <a:t>21</a:t>
+              <a:t>20</a:t>
             </a:fld>
             <a:endParaRPr lang="en-GB"/>
           </a:p>
@@ -1060,7 +974,7 @@
     </p:spTree>
     <p:extLst>
       <p:ext uri="{BB962C8B-B14F-4D97-AF65-F5344CB8AC3E}">
-        <p14:creationId xmlns:p14="http://schemas.microsoft.com/office/powerpoint/2010/main" val="1183440182"/>
+        <p14:creationId xmlns:p14="http://schemas.microsoft.com/office/powerpoint/2010/main" val="3037332961"/>
       </p:ext>
     </p:extLst>
   </p:cSld>
@@ -1115,100 +1029,22 @@
           <a:lstStyle/>
           <a:p>
             <a:r>
-              <a:rPr lang="en-GB" sz="1200" i="0" kern="1200" baseline="0" dirty="0" smtClean="0">
-                <a:solidFill>
-                  <a:schemeClr val="tx1"/>
-                </a:solidFill>
-                <a:effectLst/>
-                <a:latin typeface="+mn-lt"/>
-                <a:ea typeface="+mn-ea"/>
-                <a:cs typeface="+mn-cs"/>
-              </a:rPr>
-              <a:t>And some of the question from part B, the Ethics Proportionate Review Form, based on answers to Part A, so you might not need to complete this part, depending on nature of research:</a:t>
-            </a:r>
-          </a:p>
-          <a:p>
-            <a:endParaRPr lang="en-GB" sz="1200" i="0" kern="1200" baseline="0" dirty="0" smtClean="0">
-              <a:solidFill>
-                <a:schemeClr val="tx1"/>
-              </a:solidFill>
-              <a:effectLst/>
-              <a:latin typeface="+mn-lt"/>
-              <a:ea typeface="+mn-ea"/>
-              <a:cs typeface="+mn-cs"/>
-            </a:endParaRPr>
-          </a:p>
-          <a:p>
-            <a:r>
-              <a:rPr lang="en-GB" sz="1200" i="0" kern="1200" baseline="0" dirty="0" smtClean="0">
-                <a:solidFill>
-                  <a:schemeClr val="tx1"/>
-                </a:solidFill>
-                <a:effectLst/>
-                <a:latin typeface="+mn-lt"/>
-                <a:ea typeface="+mn-ea"/>
-                <a:cs typeface="+mn-cs"/>
-              </a:rPr>
-              <a:t>Consent: must attach drafts of the participant information sheet(s) and consent form(s) </a:t>
-            </a:r>
-          </a:p>
-          <a:p>
-            <a:endParaRPr lang="en-GB" sz="1200" i="0" kern="1200" baseline="0" dirty="0" smtClean="0">
-              <a:solidFill>
-                <a:schemeClr val="tx1"/>
-              </a:solidFill>
-              <a:effectLst/>
-              <a:latin typeface="+mn-lt"/>
-              <a:ea typeface="+mn-ea"/>
-              <a:cs typeface="+mn-cs"/>
-            </a:endParaRPr>
-          </a:p>
-          <a:p>
-            <a:endParaRPr lang="en-GB" sz="1200" i="0" kern="1200" baseline="0" dirty="0" smtClean="0">
-              <a:solidFill>
-                <a:schemeClr val="tx1"/>
-              </a:solidFill>
-              <a:effectLst/>
-              <a:latin typeface="+mn-lt"/>
-              <a:ea typeface="+mn-ea"/>
-              <a:cs typeface="+mn-cs"/>
-            </a:endParaRPr>
-          </a:p>
-          <a:p>
-            <a:endParaRPr lang="en-GB" sz="1200" i="0" kern="1200" baseline="0" dirty="0" smtClean="0">
-              <a:solidFill>
-                <a:schemeClr val="tx1"/>
-              </a:solidFill>
-              <a:effectLst/>
-              <a:latin typeface="+mn-lt"/>
-              <a:ea typeface="+mn-ea"/>
-              <a:cs typeface="+mn-cs"/>
-            </a:endParaRPr>
-          </a:p>
-          <a:p>
-            <a:endParaRPr lang="en-GB" sz="1200" i="0" kern="1200" baseline="0" dirty="0" smtClean="0">
-              <a:solidFill>
-                <a:schemeClr val="tx1"/>
-              </a:solidFill>
-              <a:effectLst/>
-              <a:latin typeface="+mn-lt"/>
-              <a:ea typeface="+mn-ea"/>
-              <a:cs typeface="+mn-cs"/>
-            </a:endParaRPr>
-          </a:p>
-          <a:p>
-            <a:endParaRPr lang="en-GB" sz="1200" i="0" kern="1200" baseline="0" dirty="0" smtClean="0">
-              <a:solidFill>
-                <a:schemeClr val="tx1"/>
-              </a:solidFill>
-              <a:effectLst/>
-              <a:latin typeface="+mn-lt"/>
-              <a:ea typeface="+mn-ea"/>
-              <a:cs typeface="+mn-cs"/>
-            </a:endParaRPr>
-          </a:p>
-          <a:p>
-            <a:endParaRPr lang="en-GB" i="0" dirty="0"/>
+              <a:rPr lang="en-GB" dirty="0" smtClean="0"/>
+              <a:t>About</a:t>
+            </a:r>
+            <a:r>
+              <a:rPr lang="en-GB" baseline="0" dirty="0" smtClean="0"/>
+              <a:t> </a:t>
+            </a:r>
+            <a:r>
+              <a:rPr lang="en-GB" baseline="0" dirty="0" err="1" smtClean="0"/>
+              <a:t>explainability</a:t>
+            </a:r>
+            <a:r>
+              <a:rPr lang="en-GB" baseline="0" dirty="0" smtClean="0"/>
+              <a:t>, that’s a hot topic in Machine Learning today, judging by my modules so far. Ethics is much talked about. </a:t>
+            </a:r>
+            <a:endParaRPr lang="en-GB" dirty="0"/>
           </a:p>
         </p:txBody>
       </p:sp>
@@ -1229,7 +1065,7 @@
           <a:p>
             <a:fld id="{C219B520-6AE5-4D22-8ED6-D119B61B942D}" type="slidenum">
               <a:rPr lang="en-GB" smtClean="0"/>
-              <a:t>22</a:t>
+              <a:t>21</a:t>
             </a:fld>
             <a:endParaRPr lang="en-GB"/>
           </a:p>
@@ -1238,7 +1074,7 @@
     </p:spTree>
     <p:extLst>
       <p:ext uri="{BB962C8B-B14F-4D97-AF65-F5344CB8AC3E}">
-        <p14:creationId xmlns:p14="http://schemas.microsoft.com/office/powerpoint/2010/main" val="3337050269"/>
+        <p14:creationId xmlns:p14="http://schemas.microsoft.com/office/powerpoint/2010/main" val="1488731243"/>
       </p:ext>
     </p:extLst>
   </p:cSld>
@@ -1293,12 +1129,25 @@
           <a:lstStyle/>
           <a:p>
             <a:r>
-              <a:rPr lang="en-GB" dirty="0" smtClean="0"/>
-              <a:t>So Anna is one of the full-time</a:t>
-            </a:r>
-            <a:r>
               <a:rPr lang="en-GB" baseline="0" dirty="0" smtClean="0"/>
-              <a:t> students that started in the same year as me. She did her final year dissertation based around medical imaging. Now computer vision is an area where a lot of research is happening and we see this by the number of papers submitted to conferences, and their content. So there are competitions such as ImageNet - Large Scale Visual Recognition Challenge. So let’s look at these highly accurate image classifiers…</a:t>
+              <a:t>We, as Department of Computer Science post-graduate students, must operate within the University’s Research Ethics Framework. Final year projects need to comply.  Failure to obtain approval for research that requires it means that you will not be covered by the University’s </a:t>
+            </a:r>
+            <a:r>
+              <a:rPr lang="en-GB" baseline="0" dirty="0" err="1" smtClean="0"/>
+              <a:t>indeminity</a:t>
+            </a:r>
+            <a:r>
+              <a:rPr lang="en-GB" baseline="0" dirty="0" smtClean="0"/>
+              <a:t>. Likely to result in you failing your project and may result in disciplinary action.</a:t>
+            </a:r>
+          </a:p>
+          <a:p>
+            <a:endParaRPr lang="en-GB" baseline="0" dirty="0" smtClean="0"/>
+          </a:p>
+          <a:p>
+            <a:r>
+              <a:rPr lang="en-GB" baseline="0" dirty="0" smtClean="0"/>
+              <a:t>Then we need to submit, together with our project proposal which will become our dissertation, a Research Ethics Review Form, to establish the kind of approval required for the project.</a:t>
             </a:r>
           </a:p>
           <a:p>
@@ -1323,7 +1172,7 @@
           <a:p>
             <a:fld id="{C219B520-6AE5-4D22-8ED6-D119B61B942D}" type="slidenum">
               <a:rPr lang="en-GB" smtClean="0"/>
-              <a:t>23</a:t>
+              <a:t>22</a:t>
             </a:fld>
             <a:endParaRPr lang="en-GB"/>
           </a:p>
@@ -1332,7 +1181,7 @@
     </p:spTree>
     <p:extLst>
       <p:ext uri="{BB962C8B-B14F-4D97-AF65-F5344CB8AC3E}">
-        <p14:creationId xmlns:p14="http://schemas.microsoft.com/office/powerpoint/2010/main" val="1785255452"/>
+        <p14:creationId xmlns:p14="http://schemas.microsoft.com/office/powerpoint/2010/main" val="1675497866"/>
       </p:ext>
     </p:extLst>
   </p:cSld>
@@ -1387,14 +1236,176 @@
           <a:lstStyle/>
           <a:p>
             <a:r>
-              <a:rPr lang="en-GB" dirty="0" smtClean="0"/>
-              <a:t>So we can see that</a:t>
-            </a:r>
-            <a:r>
-              <a:rPr lang="en-GB" baseline="0" dirty="0" smtClean="0"/>
-              <a:t> based on the error rates from the ImageNet Challenge, from 2015, this specific type of algorithm, called a Neural Network, from 2015 can classify images better than humans.</a:t>
-            </a:r>
-            <a:endParaRPr lang="en-GB" dirty="0"/>
+              <a:rPr lang="en-GB" sz="1200" i="0" kern="1200" dirty="0" smtClean="0">
+                <a:solidFill>
+                  <a:schemeClr val="tx1"/>
+                </a:solidFill>
+                <a:effectLst/>
+                <a:latin typeface="+mn-lt"/>
+                <a:ea typeface="+mn-ea"/>
+                <a:cs typeface="+mn-cs"/>
+              </a:rPr>
+              <a:t>Let’s see what this form looks like,</a:t>
+            </a:r>
+            <a:r>
+              <a:rPr lang="en-GB" sz="1200" i="0" kern="1200" baseline="0" dirty="0" smtClean="0">
+                <a:solidFill>
+                  <a:schemeClr val="tx1"/>
+                </a:solidFill>
+                <a:effectLst/>
+                <a:latin typeface="+mn-lt"/>
+                <a:ea typeface="+mn-ea"/>
+                <a:cs typeface="+mn-cs"/>
+              </a:rPr>
+              <a:t> what kind of (YES/NO) questions you need to answer.</a:t>
+            </a:r>
+          </a:p>
+          <a:p>
+            <a:endParaRPr lang="en-GB" sz="1200" i="0" kern="1200" dirty="0" smtClean="0">
+              <a:solidFill>
+                <a:schemeClr val="tx1"/>
+              </a:solidFill>
+              <a:effectLst/>
+              <a:latin typeface="+mn-lt"/>
+              <a:ea typeface="+mn-ea"/>
+              <a:cs typeface="+mn-cs"/>
+            </a:endParaRPr>
+          </a:p>
+          <a:p>
+            <a:r>
+              <a:rPr lang="en-GB" sz="1200" i="0" kern="1200" dirty="0" smtClean="0">
+                <a:solidFill>
+                  <a:schemeClr val="tx1"/>
+                </a:solidFill>
+                <a:effectLst/>
+                <a:latin typeface="+mn-lt"/>
+                <a:ea typeface="+mn-ea"/>
+                <a:cs typeface="+mn-cs"/>
+              </a:rPr>
+              <a:t>So these are some of the questions one</a:t>
+            </a:r>
+            <a:r>
+              <a:rPr lang="en-GB" sz="1200" i="0" kern="1200" baseline="0" dirty="0" smtClean="0">
+                <a:solidFill>
+                  <a:schemeClr val="tx1"/>
+                </a:solidFill>
+                <a:effectLst/>
+                <a:latin typeface="+mn-lt"/>
+                <a:ea typeface="+mn-ea"/>
+                <a:cs typeface="+mn-cs"/>
+              </a:rPr>
+              <a:t> would find in the Research Ethics Review Form, Part A:</a:t>
+            </a:r>
+          </a:p>
+          <a:p>
+            <a:endParaRPr lang="en-GB" sz="1200" i="0" kern="1200" dirty="0" smtClean="0">
+              <a:solidFill>
+                <a:schemeClr val="tx1"/>
+              </a:solidFill>
+              <a:effectLst/>
+              <a:latin typeface="+mn-lt"/>
+              <a:ea typeface="+mn-ea"/>
+              <a:cs typeface="+mn-cs"/>
+            </a:endParaRPr>
+          </a:p>
+          <a:p>
+            <a:r>
+              <a:rPr lang="en-GB" sz="1200" i="0" kern="1200" dirty="0" smtClean="0">
+                <a:solidFill>
+                  <a:schemeClr val="tx1"/>
+                </a:solidFill>
+                <a:effectLst/>
+                <a:latin typeface="+mn-lt"/>
+                <a:ea typeface="+mn-ea"/>
+                <a:cs typeface="+mn-cs"/>
+              </a:rPr>
+              <a:t>Mental Capacity Act: Such research needs to be approved by an external ethics committee such as NRES or the Social Care Research Ethics Committee - http://www.scie.org.uk/research/ethics-committee/</a:t>
+            </a:r>
+          </a:p>
+          <a:p>
+            <a:endParaRPr lang="en-GB" sz="1200" i="1" kern="1200" dirty="0" smtClean="0">
+              <a:solidFill>
+                <a:schemeClr val="tx1"/>
+              </a:solidFill>
+              <a:effectLst/>
+              <a:latin typeface="+mn-lt"/>
+              <a:ea typeface="+mn-ea"/>
+              <a:cs typeface="+mn-cs"/>
+            </a:endParaRPr>
+          </a:p>
+          <a:p>
+            <a:r>
+              <a:rPr lang="en-GB" sz="1200" i="0" kern="1200" dirty="0" smtClean="0">
+                <a:solidFill>
+                  <a:schemeClr val="tx1"/>
+                </a:solidFill>
+                <a:effectLst/>
+                <a:latin typeface="+mn-lt"/>
+                <a:ea typeface="+mn-ea"/>
+                <a:cs typeface="+mn-cs"/>
+              </a:rPr>
+              <a:t>Criminal Justice System: Such research needs to be authorised by the ethics approval system of the National Offender Management Service.</a:t>
+            </a:r>
+          </a:p>
+          <a:p>
+            <a:endParaRPr lang="en-GB" baseline="0" dirty="0" smtClean="0"/>
+          </a:p>
+          <a:p>
+            <a:r>
+              <a:rPr lang="en-GB" sz="1200" i="0" kern="1200" dirty="0" smtClean="0">
+                <a:solidFill>
+                  <a:schemeClr val="tx1"/>
+                </a:solidFill>
+                <a:effectLst/>
+                <a:latin typeface="+mn-lt"/>
+                <a:ea typeface="+mn-ea"/>
+                <a:cs typeface="+mn-cs"/>
+              </a:rPr>
+              <a:t>Disclosing information:</a:t>
+            </a:r>
+            <a:r>
+              <a:rPr lang="en-GB" sz="1200" i="0" kern="1200" baseline="0" dirty="0" smtClean="0">
+                <a:solidFill>
+                  <a:schemeClr val="tx1"/>
+                </a:solidFill>
+                <a:effectLst/>
+                <a:latin typeface="+mn-lt"/>
+                <a:ea typeface="+mn-ea"/>
+                <a:cs typeface="+mn-cs"/>
+              </a:rPr>
+              <a:t> </a:t>
+            </a:r>
+            <a:r>
+              <a:rPr lang="en-GB" sz="1200" i="0" kern="1200" dirty="0" smtClean="0">
+                <a:solidFill>
+                  <a:schemeClr val="tx1"/>
+                </a:solidFill>
+                <a:effectLst/>
+                <a:latin typeface="+mn-lt"/>
+                <a:ea typeface="+mn-ea"/>
+                <a:cs typeface="+mn-cs"/>
+              </a:rPr>
+              <a:t>For example, but not limited to: racial or ethnic origin; political opinions; religious beliefs; trade union membership; physical or mental health; sexual life; criminal offences and proceedings</a:t>
+            </a:r>
+            <a:endParaRPr lang="en-GB" i="0" baseline="0" dirty="0" smtClean="0"/>
+          </a:p>
+          <a:p>
+            <a:endParaRPr lang="en-GB" dirty="0" smtClean="0"/>
+          </a:p>
+          <a:p>
+            <a:r>
+              <a:rPr lang="en-GB" sz="1200" i="0" kern="1200" dirty="0" smtClean="0">
+                <a:solidFill>
+                  <a:schemeClr val="tx1"/>
+                </a:solidFill>
+                <a:effectLst/>
+                <a:latin typeface="+mn-lt"/>
+                <a:ea typeface="+mn-ea"/>
+                <a:cs typeface="+mn-cs"/>
+              </a:rPr>
+              <a:t>This includes adults with cognitive and / or learning disabilities, adults with physical disabilities and older people.</a:t>
+            </a:r>
+            <a:endParaRPr lang="en-GB" i="0" dirty="0"/>
           </a:p>
         </p:txBody>
       </p:sp>
@@ -1415,7 +1426,7 @@
           <a:p>
             <a:fld id="{C219B520-6AE5-4D22-8ED6-D119B61B942D}" type="slidenum">
               <a:rPr lang="en-GB" smtClean="0"/>
-              <a:t>24</a:t>
+              <a:t>23</a:t>
             </a:fld>
             <a:endParaRPr lang="en-GB"/>
           </a:p>
@@ -1424,7 +1435,7 @@
     </p:spTree>
     <p:extLst>
       <p:ext uri="{BB962C8B-B14F-4D97-AF65-F5344CB8AC3E}">
-        <p14:creationId xmlns:p14="http://schemas.microsoft.com/office/powerpoint/2010/main" val="1558678878"/>
+        <p14:creationId xmlns:p14="http://schemas.microsoft.com/office/powerpoint/2010/main" val="1183440182"/>
       </p:ext>
     </p:extLst>
   </p:cSld>
@@ -1479,22 +1490,100 @@
           <a:lstStyle/>
           <a:p>
             <a:r>
-              <a:rPr lang="en-GB" dirty="0" smtClean="0"/>
-              <a:t>If we look at</a:t>
-            </a:r>
-            <a:r>
-              <a:rPr lang="en-GB" baseline="0" dirty="0" smtClean="0"/>
-              <a:t> t</a:t>
-            </a:r>
-            <a:r>
-              <a:rPr lang="en-GB" dirty="0" smtClean="0"/>
-              <a:t>he evolution of</a:t>
-            </a:r>
-            <a:r>
-              <a:rPr lang="en-GB" baseline="0" dirty="0" smtClean="0"/>
-              <a:t> the winning entries from 2010 to 2015, so called Convolutional Neural Networks have outperformed hand-crafted descriptors and shallow networks by a large margin.</a:t>
-            </a:r>
-            <a:endParaRPr lang="en-GB" dirty="0"/>
+              <a:rPr lang="en-GB" sz="1200" i="0" kern="1200" baseline="0" dirty="0" smtClean="0">
+                <a:solidFill>
+                  <a:schemeClr val="tx1"/>
+                </a:solidFill>
+                <a:effectLst/>
+                <a:latin typeface="+mn-lt"/>
+                <a:ea typeface="+mn-ea"/>
+                <a:cs typeface="+mn-cs"/>
+              </a:rPr>
+              <a:t>And some of the question from part B, the Ethics Proportionate Review Form, based on answers to Part A, so you might not need to complete this part, depending on nature of research:</a:t>
+            </a:r>
+          </a:p>
+          <a:p>
+            <a:endParaRPr lang="en-GB" sz="1200" i="0" kern="1200" baseline="0" dirty="0" smtClean="0">
+              <a:solidFill>
+                <a:schemeClr val="tx1"/>
+              </a:solidFill>
+              <a:effectLst/>
+              <a:latin typeface="+mn-lt"/>
+              <a:ea typeface="+mn-ea"/>
+              <a:cs typeface="+mn-cs"/>
+            </a:endParaRPr>
+          </a:p>
+          <a:p>
+            <a:r>
+              <a:rPr lang="en-GB" sz="1200" i="0" kern="1200" baseline="0" dirty="0" smtClean="0">
+                <a:solidFill>
+                  <a:schemeClr val="tx1"/>
+                </a:solidFill>
+                <a:effectLst/>
+                <a:latin typeface="+mn-lt"/>
+                <a:ea typeface="+mn-ea"/>
+                <a:cs typeface="+mn-cs"/>
+              </a:rPr>
+              <a:t>Consent: must attach drafts of the participant information sheet(s) and consent form(s) </a:t>
+            </a:r>
+          </a:p>
+          <a:p>
+            <a:endParaRPr lang="en-GB" sz="1200" i="0" kern="1200" baseline="0" dirty="0" smtClean="0">
+              <a:solidFill>
+                <a:schemeClr val="tx1"/>
+              </a:solidFill>
+              <a:effectLst/>
+              <a:latin typeface="+mn-lt"/>
+              <a:ea typeface="+mn-ea"/>
+              <a:cs typeface="+mn-cs"/>
+            </a:endParaRPr>
+          </a:p>
+          <a:p>
+            <a:endParaRPr lang="en-GB" sz="1200" i="0" kern="1200" baseline="0" dirty="0" smtClean="0">
+              <a:solidFill>
+                <a:schemeClr val="tx1"/>
+              </a:solidFill>
+              <a:effectLst/>
+              <a:latin typeface="+mn-lt"/>
+              <a:ea typeface="+mn-ea"/>
+              <a:cs typeface="+mn-cs"/>
+            </a:endParaRPr>
+          </a:p>
+          <a:p>
+            <a:endParaRPr lang="en-GB" sz="1200" i="0" kern="1200" baseline="0" dirty="0" smtClean="0">
+              <a:solidFill>
+                <a:schemeClr val="tx1"/>
+              </a:solidFill>
+              <a:effectLst/>
+              <a:latin typeface="+mn-lt"/>
+              <a:ea typeface="+mn-ea"/>
+              <a:cs typeface="+mn-cs"/>
+            </a:endParaRPr>
+          </a:p>
+          <a:p>
+            <a:endParaRPr lang="en-GB" sz="1200" i="0" kern="1200" baseline="0" dirty="0" smtClean="0">
+              <a:solidFill>
+                <a:schemeClr val="tx1"/>
+              </a:solidFill>
+              <a:effectLst/>
+              <a:latin typeface="+mn-lt"/>
+              <a:ea typeface="+mn-ea"/>
+              <a:cs typeface="+mn-cs"/>
+            </a:endParaRPr>
+          </a:p>
+          <a:p>
+            <a:endParaRPr lang="en-GB" sz="1200" i="0" kern="1200" baseline="0" dirty="0" smtClean="0">
+              <a:solidFill>
+                <a:schemeClr val="tx1"/>
+              </a:solidFill>
+              <a:effectLst/>
+              <a:latin typeface="+mn-lt"/>
+              <a:ea typeface="+mn-ea"/>
+              <a:cs typeface="+mn-cs"/>
+            </a:endParaRPr>
+          </a:p>
+          <a:p>
+            <a:endParaRPr lang="en-GB" i="0" dirty="0"/>
           </a:p>
         </p:txBody>
       </p:sp>
@@ -1515,7 +1604,7 @@
           <a:p>
             <a:fld id="{C219B520-6AE5-4D22-8ED6-D119B61B942D}" type="slidenum">
               <a:rPr lang="en-GB" smtClean="0"/>
-              <a:t>25</a:t>
+              <a:t>24</a:t>
             </a:fld>
             <a:endParaRPr lang="en-GB"/>
           </a:p>
@@ -1524,7 +1613,7 @@
     </p:spTree>
     <p:extLst>
       <p:ext uri="{BB962C8B-B14F-4D97-AF65-F5344CB8AC3E}">
-        <p14:creationId xmlns:p14="http://schemas.microsoft.com/office/powerpoint/2010/main" val="1528893577"/>
+        <p14:creationId xmlns:p14="http://schemas.microsoft.com/office/powerpoint/2010/main" val="3337050269"/>
       </p:ext>
     </p:extLst>
   </p:cSld>
@@ -1580,20 +1669,14 @@
           <a:p>
             <a:r>
               <a:rPr lang="en-GB" dirty="0" smtClean="0"/>
-              <a:t>So this is the architecture of the 2012 ImageNet Challenge winner, the </a:t>
-            </a:r>
-            <a:r>
-              <a:rPr lang="en-GB" dirty="0" err="1" smtClean="0"/>
-              <a:t>AlexNet</a:t>
-            </a:r>
-            <a:r>
-              <a:rPr lang="en-GB" dirty="0" smtClean="0"/>
-              <a:t> convolutional neural</a:t>
+              <a:t>So Anna is one of the full-time</a:t>
             </a:r>
             <a:r>
               <a:rPr lang="en-GB" baseline="0" dirty="0" smtClean="0"/>
-              <a:t> network, which is a so called deep network, with many so-called hidden layers. For further details please refer to the original paper. Suffice to say the network has 60 million parameters, nine layers and the images are being filters up till the sixth layer with so called convolutions, so an operation with two vectors where you convolve a filter with the signal, which in this case is the image. So somehow, the decision to label a cat, a cat, and a dog, a dog, somehow that decision is encoded in the middle of a model that was trained using this network.</a:t>
-            </a:r>
+              <a:t> students that started in the same year as me. She did her final year dissertation based around medical imaging. Now computer vision is an area where a lot of research is happening and we see this by the number of papers submitted to conferences, and their content. So there are competitions such as ImageNet - Large Scale Visual Recognition Challenge. So let’s look at these highly accurate image classifiers…</a:t>
+            </a:r>
+          </a:p>
+          <a:p>
             <a:endParaRPr lang="en-GB" dirty="0"/>
           </a:p>
         </p:txBody>
@@ -1615,7 +1698,7 @@
           <a:p>
             <a:fld id="{C219B520-6AE5-4D22-8ED6-D119B61B942D}" type="slidenum">
               <a:rPr lang="en-GB" smtClean="0"/>
-              <a:t>26</a:t>
+              <a:t>25</a:t>
             </a:fld>
             <a:endParaRPr lang="en-GB"/>
           </a:p>
@@ -1624,7 +1707,7 @@
     </p:spTree>
     <p:extLst>
       <p:ext uri="{BB962C8B-B14F-4D97-AF65-F5344CB8AC3E}">
-        <p14:creationId xmlns:p14="http://schemas.microsoft.com/office/powerpoint/2010/main" val="2110838860"/>
+        <p14:creationId xmlns:p14="http://schemas.microsoft.com/office/powerpoint/2010/main" val="1785255452"/>
       </p:ext>
     </p:extLst>
   </p:cSld>
@@ -1680,51 +1763,11 @@
           <a:p>
             <a:r>
               <a:rPr lang="en-GB" dirty="0" smtClean="0"/>
-              <a:t>Now</a:t>
+              <a:t>So we can see that</a:t>
             </a:r>
             <a:r>
               <a:rPr lang="en-GB" baseline="0" dirty="0" smtClean="0"/>
-              <a:t> let’s look at another classifier known as a Support Vector Machine or SVM. In this case it is a binary classifier and can only distinguish between two classes. So let’s say our green dots are our cats and our blue squares are our dogs. Let’s just look at the dividing line and try to work out what kind of equation would represent that line, and let’s say that equation is y = -x + 5, so the slope is equal to -1 and the intercept on the y axis is 5, and that x (x1) represents weight and y (x2) represents height.</a:t>
-            </a:r>
-          </a:p>
-          <a:p>
-            <a:r>
-              <a:rPr lang="en-GB" baseline="0" dirty="0" smtClean="0"/>
-              <a:t>If we put this equation in the form x + y – 5 = 0, and plug in, say values 1 for x and 1 for y, we can -3 which is less than zero, so that tells us if the creature weights 1 unit of weight and if one using of height tall, than our classifier says that creature is a cat. Now if we plug in say, x = 3 and y = 5, the result is positive 1, which is greater than zero, so our classifier says that creature is a dog, and that would be a crude comparison (because with the previous neural network we are dealing with images) but a start in the discussion about </a:t>
-            </a:r>
-            <a:r>
-              <a:rPr lang="en-GB" baseline="0" dirty="0" err="1" smtClean="0"/>
-              <a:t>explainability</a:t>
-            </a:r>
-            <a:r>
-              <a:rPr lang="en-GB" baseline="0" dirty="0" smtClean="0"/>
-              <a:t>, and that the SVM classifier is explainable, because we can explain how the decision was made, whereas with the CNN, is it harder to make that kind of statement.</a:t>
-            </a:r>
-          </a:p>
-          <a:p>
-            <a:endParaRPr lang="en-GB" baseline="0" dirty="0" smtClean="0"/>
-          </a:p>
-          <a:p>
-            <a:r>
-              <a:rPr lang="en-GB" baseline="0" dirty="0" smtClean="0"/>
-              <a:t>So in the case of medical imaging, where you want to be able to say why your classifier is making a decision, maybe that is the choice you, like Anna, will have to make.</a:t>
-            </a:r>
-          </a:p>
-          <a:p>
-            <a:endParaRPr lang="en-GB" baseline="0" dirty="0" smtClean="0"/>
-          </a:p>
-          <a:p>
-            <a:r>
-              <a:rPr lang="en-GB" baseline="0" dirty="0" smtClean="0"/>
-              <a:t>Ok, so that’s a brief discussion on </a:t>
-            </a:r>
-            <a:r>
-              <a:rPr lang="en-GB" baseline="0" dirty="0" err="1" smtClean="0"/>
-              <a:t>explainability</a:t>
-            </a:r>
-            <a:r>
-              <a:rPr lang="en-GB" baseline="0" dirty="0" smtClean="0"/>
-              <a:t>, next, more ethical aspects…</a:t>
+              <a:t> based on the error rates from the ImageNet Challenge, from 2015, this specific type of algorithm, called a Neural Network, from 2015 can classify images better than humans.</a:t>
             </a:r>
             <a:endParaRPr lang="en-GB" dirty="0"/>
           </a:p>
@@ -1747,7 +1790,7 @@
           <a:p>
             <a:fld id="{C219B520-6AE5-4D22-8ED6-D119B61B942D}" type="slidenum">
               <a:rPr lang="en-GB" smtClean="0"/>
-              <a:t>27</a:t>
+              <a:t>26</a:t>
             </a:fld>
             <a:endParaRPr lang="en-GB"/>
           </a:p>
@@ -1756,7 +1799,7 @@
     </p:spTree>
     <p:extLst>
       <p:ext uri="{BB962C8B-B14F-4D97-AF65-F5344CB8AC3E}">
-        <p14:creationId xmlns:p14="http://schemas.microsoft.com/office/powerpoint/2010/main" val="21370122"/>
+        <p14:creationId xmlns:p14="http://schemas.microsoft.com/office/powerpoint/2010/main" val="1558678878"/>
       </p:ext>
     </p:extLst>
   </p:cSld>
@@ -1812,61 +1855,19 @@
           <a:p>
             <a:r>
               <a:rPr lang="en-GB" dirty="0" smtClean="0"/>
-              <a:t>So these bullet points are based on the </a:t>
-            </a:r>
-            <a:r>
-              <a:rPr lang="en-GB" dirty="0" err="1" smtClean="0"/>
-              <a:t>arquive</a:t>
-            </a:r>
-            <a:r>
-              <a:rPr lang="en-GB" dirty="0" smtClean="0"/>
-              <a:t> X article quoted here, “Food for thought: Ethical considerations of user trust in computer vision”</a:t>
-            </a:r>
-          </a:p>
-          <a:p>
-            <a:endParaRPr lang="en-GB" dirty="0" smtClean="0"/>
-          </a:p>
-          <a:p>
-            <a:r>
-              <a:rPr lang="en-GB" dirty="0" smtClean="0"/>
-              <a:t>In Canada,</a:t>
+              <a:t>If we look at</a:t>
             </a:r>
             <a:r>
               <a:rPr lang="en-GB" baseline="0" dirty="0" smtClean="0"/>
-              <a:t> </a:t>
-            </a:r>
-            <a:r>
-              <a:rPr lang="en-GB" dirty="0" smtClean="0"/>
-              <a:t>food and fluid intake tracking are mandated in LTC for those at risk for malnutrition. Existing</a:t>
+              <a:t> t</a:t>
+            </a:r>
+            <a:r>
+              <a:rPr lang="en-GB" dirty="0" smtClean="0"/>
+              <a:t>he evolution of</a:t>
             </a:r>
             <a:r>
               <a:rPr lang="en-GB" baseline="0" dirty="0" smtClean="0"/>
-              <a:t> methods rely on </a:t>
-            </a:r>
-            <a:r>
-              <a:rPr lang="en-GB" baseline="0" dirty="0" err="1" smtClean="0"/>
-              <a:t>restrospective</a:t>
-            </a:r>
-            <a:r>
-              <a:rPr lang="en-GB" baseline="0" dirty="0" smtClean="0"/>
-              <a:t> methods, so you look at someone and figure out if that person has been eating enough and is well hydrated. So the idea is to harness computer vision, using techniques such as image segmentation, and try to work out what the intake was like.</a:t>
-            </a:r>
-          </a:p>
-          <a:p>
-            <a:endParaRPr lang="en-GB" baseline="0" dirty="0" smtClean="0"/>
-          </a:p>
-          <a:p>
-            <a:r>
-              <a:rPr lang="en-GB" baseline="0" dirty="0" smtClean="0"/>
-              <a:t>So the authors of this study emphasize that “</a:t>
-            </a:r>
-            <a:r>
-              <a:rPr lang="en-GB" dirty="0" smtClean="0"/>
-              <a:t>it must be clear that decision making rests with humans and reinforce that the AFINI-T system is a decision-making aid.</a:t>
-            </a:r>
-            <a:r>
-              <a:rPr lang="en-GB" baseline="0" dirty="0" smtClean="0"/>
-              <a:t>”</a:t>
+              <a:t> the winning entries from 2010 to 2015, so called Convolutional Neural Networks have outperformed hand-crafted descriptors and shallow networks by a large margin.</a:t>
             </a:r>
             <a:endParaRPr lang="en-GB" dirty="0"/>
           </a:p>
@@ -1889,7 +1890,7 @@
           <a:p>
             <a:fld id="{C219B520-6AE5-4D22-8ED6-D119B61B942D}" type="slidenum">
               <a:rPr lang="en-GB" smtClean="0"/>
-              <a:t>28</a:t>
+              <a:t>27</a:t>
             </a:fld>
             <a:endParaRPr lang="en-GB"/>
           </a:p>
@@ -1898,7 +1899,7 @@
     </p:spTree>
     <p:extLst>
       <p:ext uri="{BB962C8B-B14F-4D97-AF65-F5344CB8AC3E}">
-        <p14:creationId xmlns:p14="http://schemas.microsoft.com/office/powerpoint/2010/main" val="3686334555"/>
+        <p14:creationId xmlns:p14="http://schemas.microsoft.com/office/powerpoint/2010/main" val="1528893577"/>
       </p:ext>
     </p:extLst>
   </p:cSld>
@@ -1954,20 +1955,20 @@
           <a:p>
             <a:r>
               <a:rPr lang="en-GB" dirty="0" smtClean="0"/>
-              <a:t>So the</a:t>
+              <a:t>So this is the architecture of the 2012 ImageNet Challenge winner, the </a:t>
+            </a:r>
+            <a:r>
+              <a:rPr lang="en-GB" dirty="0" err="1" smtClean="0"/>
+              <a:t>AlexNet</a:t>
+            </a:r>
+            <a:r>
+              <a:rPr lang="en-GB" dirty="0" smtClean="0"/>
+              <a:t> convolutional neural</a:t>
             </a:r>
             <a:r>
               <a:rPr lang="en-GB" baseline="0" dirty="0" smtClean="0"/>
-              <a:t> final topic from our bullet points, do algorithms discriminate – quick show of hands, how many people here believe the algorithms, these decision making processes being made by computers, using some form of machine learning, which is turn falls under Artificial Intelligence, do these algorithms discriminate? </a:t>
-            </a:r>
-          </a:p>
-          <a:p>
-            <a:r>
-              <a:rPr lang="en-GB" baseline="0" dirty="0" smtClean="0"/>
-              <a:t>Now what could these fabled algorithms be doing, in those cold data centres, processing all our personal data and making decisions about mortgages, loans, health insurance, credit rating, risk, etc. It’s a bit crazy what is going on, specially when we talk about big data, and the amount of our data that the internet giants hold, and are able to cross-reference, to make inferences about us, who we are and how we behave.</a:t>
-            </a:r>
-          </a:p>
-          <a:p>
+              <a:t> network, which is a so called deep network, with many so-called hidden layers. For further details please refer to the original paper. Suffice to say the network has 60 million parameters, nine layers and the images are being filters up till the sixth layer with so called convolutions, so an operation with two vectors where you convolve a filter with the signal, which in this case is the image. So somehow, the decision to label a cat, a cat, and a dog, a dog, somehow that decision is encoded in the middle of a model that was trained using this network.</a:t>
+            </a:r>
             <a:endParaRPr lang="en-GB" dirty="0"/>
           </a:p>
         </p:txBody>
@@ -1989,7 +1990,7 @@
           <a:p>
             <a:fld id="{C219B520-6AE5-4D22-8ED6-D119B61B942D}" type="slidenum">
               <a:rPr lang="en-GB" smtClean="0"/>
-              <a:t>29</a:t>
+              <a:t>28</a:t>
             </a:fld>
             <a:endParaRPr lang="en-GB"/>
           </a:p>
@@ -1998,7 +1999,7 @@
     </p:spTree>
     <p:extLst>
       <p:ext uri="{BB962C8B-B14F-4D97-AF65-F5344CB8AC3E}">
-        <p14:creationId xmlns:p14="http://schemas.microsoft.com/office/powerpoint/2010/main" val="3755869274"/>
+        <p14:creationId xmlns:p14="http://schemas.microsoft.com/office/powerpoint/2010/main" val="2110838860"/>
       </p:ext>
     </p:extLst>
   </p:cSld>
@@ -2155,6 +2156,380 @@
 </p:notes>
 </file>
 
+<file path=ppt/notesSlides/notesSlide20.xml><?xml version="1.0" encoding="utf-8"?>
+<p:notes xmlns:a="http://schemas.openxmlformats.org/drawingml/2006/main" xmlns:r="http://schemas.openxmlformats.org/officeDocument/2006/relationships" xmlns:p="http://schemas.openxmlformats.org/presentationml/2006/main">
+  <p:cSld>
+    <p:spTree>
+      <p:nvGrpSpPr>
+        <p:cNvPr id="1" name=""/>
+        <p:cNvGrpSpPr/>
+        <p:nvPr/>
+      </p:nvGrpSpPr>
+      <p:grpSpPr>
+        <a:xfrm>
+          <a:off x="0" y="0"/>
+          <a:ext cx="0" cy="0"/>
+          <a:chOff x="0" y="0"/>
+          <a:chExt cx="0" cy="0"/>
+        </a:xfrm>
+      </p:grpSpPr>
+      <p:sp>
+        <p:nvSpPr>
+          <p:cNvPr id="2" name="Slide Image Placeholder 1"/>
+          <p:cNvSpPr>
+            <a:spLocks noGrp="1" noRot="1" noChangeAspect="1"/>
+          </p:cNvSpPr>
+          <p:nvPr>
+            <p:ph type="sldImg"/>
+          </p:nvPr>
+        </p:nvSpPr>
+        <p:spPr/>
+      </p:sp>
+      <p:sp>
+        <p:nvSpPr>
+          <p:cNvPr id="3" name="Notes Placeholder 2"/>
+          <p:cNvSpPr>
+            <a:spLocks noGrp="1"/>
+          </p:cNvSpPr>
+          <p:nvPr>
+            <p:ph type="body" idx="1"/>
+          </p:nvPr>
+        </p:nvSpPr>
+        <p:spPr/>
+        <p:txBody>
+          <a:bodyPr/>
+          <a:lstStyle/>
+          <a:p>
+            <a:r>
+              <a:rPr lang="en-GB" dirty="0" smtClean="0"/>
+              <a:t>Now</a:t>
+            </a:r>
+            <a:r>
+              <a:rPr lang="en-GB" baseline="0" dirty="0" smtClean="0"/>
+              <a:t> let’s look at another classifier known as a Support Vector Machine or SVM. In this case it is a binary classifier and can only distinguish between two classes. So let’s say our green dots are our cats and our blue squares are our dogs. Let’s just look at the dividing line and try to work out what kind of equation would represent that line, and let’s say that equation is y = -x + 5, so the slope is equal to -1 and the intercept on the y axis is 5, and that x (x1) represents weight and y (x2) represents height.</a:t>
+            </a:r>
+          </a:p>
+          <a:p>
+            <a:r>
+              <a:rPr lang="en-GB" baseline="0" dirty="0" smtClean="0"/>
+              <a:t>If we put this equation in the form x + y – 5 = 0, and plug in, say values 1 for x and 1 for y, we can -3 which is less than zero, so that tells us if the creature weights 1 unit of weight and if one using of height tall, than our classifier says that creature is a cat. Now if we plug in say, x = 3 and y = 5, the result is positive 1, which is greater than zero, so our classifier says that creature is a dog, and that would be a crude comparison (because with the previous neural network we are dealing with images) but a start in the discussion about </a:t>
+            </a:r>
+            <a:r>
+              <a:rPr lang="en-GB" baseline="0" dirty="0" err="1" smtClean="0"/>
+              <a:t>explainability</a:t>
+            </a:r>
+            <a:r>
+              <a:rPr lang="en-GB" baseline="0" dirty="0" smtClean="0"/>
+              <a:t>, and that the SVM classifier is explainable, because we can explain how the decision was made, whereas with the CNN, is it harder to make that kind of statement.</a:t>
+            </a:r>
+          </a:p>
+          <a:p>
+            <a:endParaRPr lang="en-GB" baseline="0" dirty="0" smtClean="0"/>
+          </a:p>
+          <a:p>
+            <a:r>
+              <a:rPr lang="en-GB" baseline="0" dirty="0" smtClean="0"/>
+              <a:t>So in the case of medical imaging, where you want to be able to say why your classifier is making a decision, maybe that is the choice you, like Anna, will have to make.</a:t>
+            </a:r>
+          </a:p>
+          <a:p>
+            <a:endParaRPr lang="en-GB" baseline="0" dirty="0" smtClean="0"/>
+          </a:p>
+          <a:p>
+            <a:r>
+              <a:rPr lang="en-GB" baseline="0" dirty="0" smtClean="0"/>
+              <a:t>Ok, so that’s a brief discussion on </a:t>
+            </a:r>
+            <a:r>
+              <a:rPr lang="en-GB" baseline="0" dirty="0" err="1" smtClean="0"/>
+              <a:t>explainability</a:t>
+            </a:r>
+            <a:r>
+              <a:rPr lang="en-GB" baseline="0" dirty="0" smtClean="0"/>
+              <a:t>, next, more ethical aspects…</a:t>
+            </a:r>
+            <a:endParaRPr lang="en-GB" dirty="0"/>
+          </a:p>
+        </p:txBody>
+      </p:sp>
+      <p:sp>
+        <p:nvSpPr>
+          <p:cNvPr id="4" name="Slide Number Placeholder 3"/>
+          <p:cNvSpPr>
+            <a:spLocks noGrp="1"/>
+          </p:cNvSpPr>
+          <p:nvPr>
+            <p:ph type="sldNum" sz="quarter" idx="10"/>
+          </p:nvPr>
+        </p:nvSpPr>
+        <p:spPr/>
+        <p:txBody>
+          <a:bodyPr/>
+          <a:lstStyle/>
+          <a:p>
+            <a:fld id="{C219B520-6AE5-4D22-8ED6-D119B61B942D}" type="slidenum">
+              <a:rPr lang="en-GB" smtClean="0"/>
+              <a:t>29</a:t>
+            </a:fld>
+            <a:endParaRPr lang="en-GB"/>
+          </a:p>
+        </p:txBody>
+      </p:sp>
+    </p:spTree>
+    <p:extLst>
+      <p:ext uri="{BB962C8B-B14F-4D97-AF65-F5344CB8AC3E}">
+        <p14:creationId xmlns:p14="http://schemas.microsoft.com/office/powerpoint/2010/main" val="21370122"/>
+      </p:ext>
+    </p:extLst>
+  </p:cSld>
+  <p:clrMapOvr>
+    <a:masterClrMapping/>
+  </p:clrMapOvr>
+</p:notes>
+</file>
+
+<file path=ppt/notesSlides/notesSlide21.xml><?xml version="1.0" encoding="utf-8"?>
+<p:notes xmlns:a="http://schemas.openxmlformats.org/drawingml/2006/main" xmlns:r="http://schemas.openxmlformats.org/officeDocument/2006/relationships" xmlns:p="http://schemas.openxmlformats.org/presentationml/2006/main">
+  <p:cSld>
+    <p:spTree>
+      <p:nvGrpSpPr>
+        <p:cNvPr id="1" name=""/>
+        <p:cNvGrpSpPr/>
+        <p:nvPr/>
+      </p:nvGrpSpPr>
+      <p:grpSpPr>
+        <a:xfrm>
+          <a:off x="0" y="0"/>
+          <a:ext cx="0" cy="0"/>
+          <a:chOff x="0" y="0"/>
+          <a:chExt cx="0" cy="0"/>
+        </a:xfrm>
+      </p:grpSpPr>
+      <p:sp>
+        <p:nvSpPr>
+          <p:cNvPr id="2" name="Slide Image Placeholder 1"/>
+          <p:cNvSpPr>
+            <a:spLocks noGrp="1" noRot="1" noChangeAspect="1"/>
+          </p:cNvSpPr>
+          <p:nvPr>
+            <p:ph type="sldImg"/>
+          </p:nvPr>
+        </p:nvSpPr>
+        <p:spPr/>
+      </p:sp>
+      <p:sp>
+        <p:nvSpPr>
+          <p:cNvPr id="3" name="Notes Placeholder 2"/>
+          <p:cNvSpPr>
+            <a:spLocks noGrp="1"/>
+          </p:cNvSpPr>
+          <p:nvPr>
+            <p:ph type="body" idx="1"/>
+          </p:nvPr>
+        </p:nvSpPr>
+        <p:spPr/>
+        <p:txBody>
+          <a:bodyPr/>
+          <a:lstStyle/>
+          <a:p>
+            <a:r>
+              <a:rPr lang="en-GB" dirty="0" smtClean="0"/>
+              <a:t>So these bullet points are based on the </a:t>
+            </a:r>
+            <a:r>
+              <a:rPr lang="en-GB" dirty="0" err="1" smtClean="0"/>
+              <a:t>arquive</a:t>
+            </a:r>
+            <a:r>
+              <a:rPr lang="en-GB" dirty="0" smtClean="0"/>
+              <a:t> X article quoted here, “Food for thought: Ethical considerations of user trust in computer vision”</a:t>
+            </a:r>
+          </a:p>
+          <a:p>
+            <a:endParaRPr lang="en-GB" dirty="0" smtClean="0"/>
+          </a:p>
+          <a:p>
+            <a:r>
+              <a:rPr lang="en-GB" dirty="0" smtClean="0"/>
+              <a:t>In Canada,</a:t>
+            </a:r>
+            <a:r>
+              <a:rPr lang="en-GB" baseline="0" dirty="0" smtClean="0"/>
+              <a:t> </a:t>
+            </a:r>
+            <a:r>
+              <a:rPr lang="en-GB" dirty="0" smtClean="0"/>
+              <a:t>food and fluid intake tracking are mandated in LTC for those at risk for malnutrition. Existing</a:t>
+            </a:r>
+            <a:r>
+              <a:rPr lang="en-GB" baseline="0" dirty="0" smtClean="0"/>
+              <a:t> methods rely on </a:t>
+            </a:r>
+            <a:r>
+              <a:rPr lang="en-GB" baseline="0" dirty="0" err="1" smtClean="0"/>
+              <a:t>restrospective</a:t>
+            </a:r>
+            <a:r>
+              <a:rPr lang="en-GB" baseline="0" dirty="0" smtClean="0"/>
+              <a:t> methods, so you look at someone and figure out if that person has been eating enough and is well hydrated. So the idea is to harness computer vision, using techniques such as image segmentation, and try to work out what the intake was like.</a:t>
+            </a:r>
+          </a:p>
+          <a:p>
+            <a:endParaRPr lang="en-GB" baseline="0" dirty="0" smtClean="0"/>
+          </a:p>
+          <a:p>
+            <a:r>
+              <a:rPr lang="en-GB" baseline="0" dirty="0" smtClean="0"/>
+              <a:t>So the authors of this study emphasize that “</a:t>
+            </a:r>
+            <a:r>
+              <a:rPr lang="en-GB" dirty="0" smtClean="0"/>
+              <a:t>it must be clear that decision making rests with humans and reinforce that the AFINI-T system is a decision-making aid.</a:t>
+            </a:r>
+            <a:r>
+              <a:rPr lang="en-GB" baseline="0" dirty="0" smtClean="0"/>
+              <a:t>”</a:t>
+            </a:r>
+            <a:endParaRPr lang="en-GB" dirty="0"/>
+          </a:p>
+        </p:txBody>
+      </p:sp>
+      <p:sp>
+        <p:nvSpPr>
+          <p:cNvPr id="4" name="Slide Number Placeholder 3"/>
+          <p:cNvSpPr>
+            <a:spLocks noGrp="1"/>
+          </p:cNvSpPr>
+          <p:nvPr>
+            <p:ph type="sldNum" sz="quarter" idx="10"/>
+          </p:nvPr>
+        </p:nvSpPr>
+        <p:spPr/>
+        <p:txBody>
+          <a:bodyPr/>
+          <a:lstStyle/>
+          <a:p>
+            <a:fld id="{C219B520-6AE5-4D22-8ED6-D119B61B942D}" type="slidenum">
+              <a:rPr lang="en-GB" smtClean="0"/>
+              <a:t>30</a:t>
+            </a:fld>
+            <a:endParaRPr lang="en-GB"/>
+          </a:p>
+        </p:txBody>
+      </p:sp>
+    </p:spTree>
+    <p:extLst>
+      <p:ext uri="{BB962C8B-B14F-4D97-AF65-F5344CB8AC3E}">
+        <p14:creationId xmlns:p14="http://schemas.microsoft.com/office/powerpoint/2010/main" val="3686334555"/>
+      </p:ext>
+    </p:extLst>
+  </p:cSld>
+  <p:clrMapOvr>
+    <a:masterClrMapping/>
+  </p:clrMapOvr>
+</p:notes>
+</file>
+
+<file path=ppt/notesSlides/notesSlide22.xml><?xml version="1.0" encoding="utf-8"?>
+<p:notes xmlns:a="http://schemas.openxmlformats.org/drawingml/2006/main" xmlns:r="http://schemas.openxmlformats.org/officeDocument/2006/relationships" xmlns:p="http://schemas.openxmlformats.org/presentationml/2006/main">
+  <p:cSld>
+    <p:spTree>
+      <p:nvGrpSpPr>
+        <p:cNvPr id="1" name=""/>
+        <p:cNvGrpSpPr/>
+        <p:nvPr/>
+      </p:nvGrpSpPr>
+      <p:grpSpPr>
+        <a:xfrm>
+          <a:off x="0" y="0"/>
+          <a:ext cx="0" cy="0"/>
+          <a:chOff x="0" y="0"/>
+          <a:chExt cx="0" cy="0"/>
+        </a:xfrm>
+      </p:grpSpPr>
+      <p:sp>
+        <p:nvSpPr>
+          <p:cNvPr id="2" name="Slide Image Placeholder 1"/>
+          <p:cNvSpPr>
+            <a:spLocks noGrp="1" noRot="1" noChangeAspect="1"/>
+          </p:cNvSpPr>
+          <p:nvPr>
+            <p:ph type="sldImg"/>
+          </p:nvPr>
+        </p:nvSpPr>
+        <p:spPr/>
+      </p:sp>
+      <p:sp>
+        <p:nvSpPr>
+          <p:cNvPr id="3" name="Notes Placeholder 2"/>
+          <p:cNvSpPr>
+            <a:spLocks noGrp="1"/>
+          </p:cNvSpPr>
+          <p:nvPr>
+            <p:ph type="body" idx="1"/>
+          </p:nvPr>
+        </p:nvSpPr>
+        <p:spPr/>
+        <p:txBody>
+          <a:bodyPr/>
+          <a:lstStyle/>
+          <a:p>
+            <a:r>
+              <a:rPr lang="en-GB" dirty="0" smtClean="0"/>
+              <a:t>So the</a:t>
+            </a:r>
+            <a:r>
+              <a:rPr lang="en-GB" baseline="0" dirty="0" smtClean="0"/>
+              <a:t> final topic from our bullet points, do algorithms discriminate – quick show of hands, how many people here believe the algorithms, these decision making processes being made by computers, using some form of machine learning, which is turn falls under Artificial Intelligence, do these algorithms discriminate? </a:t>
+            </a:r>
+          </a:p>
+          <a:p>
+            <a:r>
+              <a:rPr lang="en-GB" baseline="0" dirty="0" smtClean="0"/>
+              <a:t>Now what could these fabled algorithms be doing, in those cold data centres, processing all our personal data and making decisions about mortgages, loans, health insurance, credit rating, risk, etc. It’s a bit crazy what is going on, specially when we talk about big data, and the amount of our data that the internet giants hold, and are able to cross-reference, to make inferences about us, who we are and how we behave.</a:t>
+            </a:r>
+          </a:p>
+          <a:p>
+            <a:endParaRPr lang="en-GB" dirty="0"/>
+          </a:p>
+        </p:txBody>
+      </p:sp>
+      <p:sp>
+        <p:nvSpPr>
+          <p:cNvPr id="4" name="Slide Number Placeholder 3"/>
+          <p:cNvSpPr>
+            <a:spLocks noGrp="1"/>
+          </p:cNvSpPr>
+          <p:nvPr>
+            <p:ph type="sldNum" sz="quarter" idx="10"/>
+          </p:nvPr>
+        </p:nvSpPr>
+        <p:spPr/>
+        <p:txBody>
+          <a:bodyPr/>
+          <a:lstStyle/>
+          <a:p>
+            <a:fld id="{C219B520-6AE5-4D22-8ED6-D119B61B942D}" type="slidenum">
+              <a:rPr lang="en-GB" smtClean="0"/>
+              <a:t>31</a:t>
+            </a:fld>
+            <a:endParaRPr lang="en-GB"/>
+          </a:p>
+        </p:txBody>
+      </p:sp>
+    </p:spTree>
+    <p:extLst>
+      <p:ext uri="{BB962C8B-B14F-4D97-AF65-F5344CB8AC3E}">
+        <p14:creationId xmlns:p14="http://schemas.microsoft.com/office/powerpoint/2010/main" val="3755869274"/>
+      </p:ext>
+    </p:extLst>
+  </p:cSld>
+  <p:clrMapOvr>
+    <a:masterClrMapping/>
+  </p:clrMapOvr>
+</p:notes>
+</file>
+
 <file path=ppt/notesSlides/notesSlide3.xml><?xml version="1.0" encoding="utf-8"?>
 <p:notes xmlns:a="http://schemas.openxmlformats.org/drawingml/2006/main" xmlns:r="http://schemas.openxmlformats.org/officeDocument/2006/relationships" xmlns:p="http://schemas.openxmlformats.org/presentationml/2006/main">
   <p:cSld>
@@ -2201,26 +2576,24 @@
           <a:p>
             <a:r>
               <a:rPr lang="en-GB" dirty="0" smtClean="0"/>
-              <a:t>So I am going to talk a little bit</a:t>
+              <a:t>We’ll switch over</a:t>
             </a:r>
             <a:r>
               <a:rPr lang="en-GB" baseline="0" dirty="0" smtClean="0"/>
-              <a:t> about my transition from rules-based computing to using machine-learning models.</a:t>
+              <a:t> to our embedded device.</a:t>
             </a:r>
           </a:p>
           <a:p>
             <a:r>
               <a:rPr lang="en-GB" baseline="0" dirty="0" smtClean="0"/>
-              <a:t>So what does that mean. The “traditional way” in quotes, to develop software is you have a set of rules that come from a product specification, and describe how the product should work.</a:t>
+              <a:t>The engine has been warmed up and is running, so I point the camera to myself, wait for a few seconds, as it is a resource-limited environment and the latency is quite high. There might be ways of optimising it, but I am not at that stage yet. So it works out there is a face, puts a rectangle around it and labels it as a known name, it case it is close enough to a known pattern, or unknown, if it is not.</a:t>
             </a:r>
           </a:p>
           <a:p>
             <a:r>
               <a:rPr lang="en-GB" baseline="0" dirty="0" smtClean="0"/>
-              <a:t>Then we, as software developers, implement those rules. And typically, that could turn into a bunch of if then statements.</a:t>
-            </a:r>
-          </a:p>
-          <a:p>
+              <a:t>So this is my “Hello World”, the first time I have actually deployed computer vision to a device. I have done some already here at City, by the way.</a:t>
+            </a:r>
             <a:endParaRPr lang="en-GB" dirty="0"/>
           </a:p>
         </p:txBody>
@@ -2242,7 +2615,7 @@
           <a:p>
             <a:fld id="{C219B520-6AE5-4D22-8ED6-D119B61B942D}" type="slidenum">
               <a:rPr lang="en-GB" smtClean="0"/>
-              <a:t>4</a:t>
+              <a:t>3</a:t>
             </a:fld>
             <a:endParaRPr lang="en-GB"/>
           </a:p>
@@ -2251,7 +2624,7 @@
     </p:spTree>
     <p:extLst>
       <p:ext uri="{BB962C8B-B14F-4D97-AF65-F5344CB8AC3E}">
-        <p14:creationId xmlns:p14="http://schemas.microsoft.com/office/powerpoint/2010/main" val="1974394366"/>
+        <p14:creationId xmlns:p14="http://schemas.microsoft.com/office/powerpoint/2010/main" val="4218222079"/>
       </p:ext>
     </p:extLst>
   </p:cSld>
@@ -2307,18 +2680,15 @@
           <a:p>
             <a:r>
               <a:rPr lang="en-GB" dirty="0" smtClean="0"/>
-              <a:t>What we are seeing here is a plot with three signal, two from</a:t>
+              <a:t>I</a:t>
             </a:r>
             <a:r>
               <a:rPr lang="en-GB" baseline="0" dirty="0" smtClean="0"/>
-              <a:t> the pyroelectric sensors set to detect flame. Those are the blue and orange traces, and one pyroelectric sensor set to detect so called black body heat sources, such as a red hot wire you would find in an infrared heater.</a:t>
-            </a:r>
-          </a:p>
-          <a:p>
-            <a:r>
-              <a:rPr lang="en-GB" baseline="0" dirty="0" smtClean="0"/>
-              <a:t>By the way</a:t>
-            </a:r>
+              <a:t> am a part-time student here at City, I work the rest of the time as an embedded software developer. The main product I work on, develop and maintain is embedded software for flame detectors in hazardous environments such as oil and gas rigs, chemical plants and refineries. So, some of the motivating factors for learning about computer vision are applying it in my day to day job. By the way, I’ve never been to these places.</a:t>
+            </a:r>
+            <a:endParaRPr lang="en-GB" dirty="0" smtClean="0"/>
+          </a:p>
+          <a:p>
             <a:endParaRPr lang="en-GB" dirty="0"/>
           </a:p>
         </p:txBody>
@@ -2340,7 +2710,7 @@
           <a:p>
             <a:fld id="{C219B520-6AE5-4D22-8ED6-D119B61B942D}" type="slidenum">
               <a:rPr lang="en-GB" smtClean="0"/>
-              <a:t>5</a:t>
+              <a:t>4</a:t>
             </a:fld>
             <a:endParaRPr lang="en-GB"/>
           </a:p>
@@ -2349,7 +2719,7 @@
     </p:spTree>
     <p:extLst>
       <p:ext uri="{BB962C8B-B14F-4D97-AF65-F5344CB8AC3E}">
-        <p14:creationId xmlns:p14="http://schemas.microsoft.com/office/powerpoint/2010/main" val="1995969444"/>
+        <p14:creationId xmlns:p14="http://schemas.microsoft.com/office/powerpoint/2010/main" val="1341506134"/>
       </p:ext>
     </p:extLst>
   </p:cSld>
@@ -2405,18 +2775,43 @@
           <a:p>
             <a:r>
               <a:rPr lang="en-GB" dirty="0" smtClean="0"/>
-              <a:t>What we are seeing here is a plot with three signal, two from</a:t>
+              <a:t>So </a:t>
+            </a:r>
+            <a:r>
+              <a:rPr lang="en-GB" dirty="0" smtClean="0"/>
+              <a:t>I am going to talk a little bit</a:t>
             </a:r>
             <a:r>
               <a:rPr lang="en-GB" baseline="0" dirty="0" smtClean="0"/>
-              <a:t> the pyroelectric sensors set to detect flame. Those are the blue and orange traces, and one pyroelectric sensor set to detect so called black body heat sources, such as a red hot wire you would find in an infrared heater.</a:t>
-            </a:r>
-          </a:p>
-          <a:p>
+              <a:t> about </a:t>
+            </a:r>
             <a:r>
               <a:rPr lang="en-GB" baseline="0" dirty="0" smtClean="0"/>
-              <a:t>By the way</a:t>
-            </a:r>
+              <a:t>me attempting this transition </a:t>
+            </a:r>
+            <a:r>
+              <a:rPr lang="en-GB" baseline="0" dirty="0" smtClean="0"/>
+              <a:t>from rules-based computing to using machine-learning models.</a:t>
+            </a:r>
+          </a:p>
+          <a:p>
+            <a:r>
+              <a:rPr lang="en-GB" baseline="0" dirty="0" smtClean="0"/>
+              <a:t>So what does that mean. The “traditional way” in quotes, to develop software is you have a set of rules that come from a product specification, and describe how the product should work.</a:t>
+            </a:r>
+          </a:p>
+          <a:p>
+            <a:r>
+              <a:rPr lang="en-GB" baseline="0" dirty="0" smtClean="0"/>
+              <a:t>Then we, as software developers, implement those rules. And typically, that could turn into a bunch of if then </a:t>
+            </a:r>
+            <a:r>
+              <a:rPr lang="en-GB" baseline="0" dirty="0" smtClean="0"/>
+              <a:t>statements, for loops, counts and so forth.</a:t>
+            </a:r>
+            <a:endParaRPr lang="en-GB" baseline="0" dirty="0" smtClean="0"/>
+          </a:p>
+          <a:p>
             <a:endParaRPr lang="en-GB" dirty="0"/>
           </a:p>
         </p:txBody>
@@ -2438,7 +2833,7 @@
           <a:p>
             <a:fld id="{C219B520-6AE5-4D22-8ED6-D119B61B942D}" type="slidenum">
               <a:rPr lang="en-GB" smtClean="0"/>
-              <a:t>6</a:t>
+              <a:t>5</a:t>
             </a:fld>
             <a:endParaRPr lang="en-GB"/>
           </a:p>
@@ -2447,7 +2842,7 @@
     </p:spTree>
     <p:extLst>
       <p:ext uri="{BB962C8B-B14F-4D97-AF65-F5344CB8AC3E}">
-        <p14:creationId xmlns:p14="http://schemas.microsoft.com/office/powerpoint/2010/main" val="2331178300"/>
+        <p14:creationId xmlns:p14="http://schemas.microsoft.com/office/powerpoint/2010/main" val="1974394366"/>
       </p:ext>
     </p:extLst>
   </p:cSld>
@@ -2503,86 +2898,40 @@
           <a:p>
             <a:r>
               <a:rPr lang="en-GB" dirty="0" smtClean="0"/>
-              <a:t>So</a:t>
+              <a:t>So </a:t>
+            </a:r>
+            <a:r>
+              <a:rPr lang="en-GB" dirty="0" smtClean="0"/>
+              <a:t>I am going to talk a little bit</a:t>
             </a:r>
             <a:r>
               <a:rPr lang="en-GB" baseline="0" dirty="0" smtClean="0"/>
-              <a:t> this is the </a:t>
-            </a:r>
-            <a:r>
-              <a:rPr lang="en-GB" baseline="0" dirty="0" err="1" smtClean="0"/>
-              <a:t>Rpi</a:t>
+              <a:t> about </a:t>
             </a:r>
             <a:r>
               <a:rPr lang="en-GB" baseline="0" dirty="0" smtClean="0"/>
-              <a:t> Zero W,</a:t>
-            </a:r>
-          </a:p>
-          <a:p>
+              <a:t>me attempting this transition </a:t>
+            </a:r>
             <a:r>
               <a:rPr lang="en-GB" baseline="0" dirty="0" smtClean="0"/>
-              <a:t>Broadcom 1GHz single-core CPU</a:t>
+              <a:t>from rules-based computing to using machine-learning models.</a:t>
             </a:r>
           </a:p>
           <a:p>
             <a:r>
               <a:rPr lang="en-GB" baseline="0" dirty="0" smtClean="0"/>
-              <a:t>512 MB RAM</a:t>
+              <a:t>So what does that mean. The “traditional way” in quotes, to develop software is you have a set of rules that come from a product specification, and describe how the product should work.</a:t>
             </a:r>
           </a:p>
           <a:p>
             <a:r>
               <a:rPr lang="en-GB" baseline="0" dirty="0" smtClean="0"/>
-              <a:t>Integrated Graphics Cards</a:t>
-            </a:r>
-          </a:p>
-          <a:p>
+              <a:t>Then we, as software developers, implement those rules. And typically, that could turn into a bunch of if then </a:t>
+            </a:r>
             <a:r>
               <a:rPr lang="en-GB" baseline="0" dirty="0" smtClean="0"/>
-              <a:t>802.11bng wireless</a:t>
-            </a:r>
-          </a:p>
-          <a:p>
-            <a:r>
-              <a:rPr lang="en-GB" baseline="0" dirty="0" smtClean="0"/>
-              <a:t>Bluetooth 4.1</a:t>
-            </a:r>
-          </a:p>
-          <a:p>
-            <a:pPr marL="0" marR="0" lvl="0" indent="0" algn="l" defTabSz="914400" rtl="0" eaLnBrk="1" fontAlgn="auto" latinLnBrk="0" hangingPunct="1">
-              <a:lnSpc>
-                <a:spcPct val="100000"/>
-              </a:lnSpc>
-              <a:spcBef>
-                <a:spcPts val="0"/>
-              </a:spcBef>
-              <a:spcAft>
-                <a:spcPts val="0"/>
-              </a:spcAft>
-              <a:buClrTx/>
-              <a:buSzTx/>
-              <a:buFontTx/>
-              <a:buNone/>
-              <a:tabLst/>
-              <a:defRPr/>
-            </a:pPr>
-            <a:r>
-              <a:rPr lang="en-GB" sz="1200" b="0" i="0" kern="1200" dirty="0" smtClean="0">
-                <a:solidFill>
-                  <a:schemeClr val="tx1"/>
-                </a:solidFill>
-                <a:effectLst/>
-                <a:latin typeface="+mn-lt"/>
-                <a:ea typeface="+mn-ea"/>
-                <a:cs typeface="+mn-cs"/>
-              </a:rPr>
-              <a:t>CSI (camera serial interface) camera connector</a:t>
-            </a:r>
-          </a:p>
-          <a:p>
-            <a:endParaRPr lang="en-GB" baseline="0" dirty="0" smtClean="0"/>
-          </a:p>
-          <a:p>
+              <a:t>statements, for loops, counts and so forth.</a:t>
+            </a:r>
             <a:endParaRPr lang="en-GB" baseline="0" dirty="0" smtClean="0"/>
           </a:p>
           <a:p>
@@ -2607,7 +2956,7 @@
           <a:p>
             <a:fld id="{C219B520-6AE5-4D22-8ED6-D119B61B942D}" type="slidenum">
               <a:rPr lang="en-GB" smtClean="0"/>
-              <a:t>7</a:t>
+              <a:t>6</a:t>
             </a:fld>
             <a:endParaRPr lang="en-GB"/>
           </a:p>
@@ -2616,7 +2965,7 @@
     </p:spTree>
     <p:extLst>
       <p:ext uri="{BB962C8B-B14F-4D97-AF65-F5344CB8AC3E}">
-        <p14:creationId xmlns:p14="http://schemas.microsoft.com/office/powerpoint/2010/main" val="228769793"/>
+        <p14:creationId xmlns:p14="http://schemas.microsoft.com/office/powerpoint/2010/main" val="165566810"/>
       </p:ext>
     </p:extLst>
   </p:cSld>
@@ -2672,89 +3021,18 @@
           <a:p>
             <a:r>
               <a:rPr lang="en-GB" dirty="0" smtClean="0"/>
-              <a:t>So</a:t>
+              <a:t>What we are seeing here is a plot with three signal, two from</a:t>
             </a:r>
             <a:r>
               <a:rPr lang="en-GB" baseline="0" dirty="0" smtClean="0"/>
-              <a:t> this is the </a:t>
-            </a:r>
-            <a:r>
-              <a:rPr lang="en-GB" baseline="0" dirty="0" err="1" smtClean="0"/>
-              <a:t>Rpi</a:t>
-            </a:r>
+              <a:t> the pyroelectric sensors set to detect flame. Those are the blue and orange traces, and one pyroelectric sensor set to detect so called black body heat sources, such as a red hot wire you would find in an infrared heater.</a:t>
+            </a:r>
+          </a:p>
+          <a:p>
             <a:r>
               <a:rPr lang="en-GB" baseline="0" dirty="0" smtClean="0"/>
-              <a:t> Zero W,</a:t>
-            </a:r>
-          </a:p>
-          <a:p>
-            <a:r>
-              <a:rPr lang="en-GB" baseline="0" dirty="0" smtClean="0"/>
-              <a:t>Broadcom 1GHz single-core CPU</a:t>
-            </a:r>
-          </a:p>
-          <a:p>
-            <a:r>
-              <a:rPr lang="en-GB" baseline="0" dirty="0" smtClean="0"/>
-              <a:t>512 MB RAM</a:t>
-            </a:r>
-          </a:p>
-          <a:p>
-            <a:r>
-              <a:rPr lang="en-GB" baseline="0" dirty="0" smtClean="0"/>
-              <a:t>Integrated Graphics Cards</a:t>
-            </a:r>
-          </a:p>
-          <a:p>
-            <a:r>
-              <a:rPr lang="en-GB" baseline="0" dirty="0" smtClean="0"/>
-              <a:t>802.11bng wireless</a:t>
-            </a:r>
-          </a:p>
-          <a:p>
-            <a:r>
-              <a:rPr lang="en-GB" baseline="0" dirty="0" smtClean="0"/>
-              <a:t>Bluetooth 4.1</a:t>
-            </a:r>
-          </a:p>
-          <a:p>
-            <a:pPr marL="0" marR="0" lvl="0" indent="0" algn="l" defTabSz="914400" rtl="0" eaLnBrk="1" fontAlgn="auto" latinLnBrk="0" hangingPunct="1">
-              <a:lnSpc>
-                <a:spcPct val="100000"/>
-              </a:lnSpc>
-              <a:spcBef>
-                <a:spcPts val="0"/>
-              </a:spcBef>
-              <a:spcAft>
-                <a:spcPts val="0"/>
-              </a:spcAft>
-              <a:buClrTx/>
-              <a:buSzTx/>
-              <a:buFontTx/>
-              <a:buNone/>
-              <a:tabLst/>
-              <a:defRPr/>
-            </a:pPr>
-            <a:r>
-              <a:rPr lang="en-GB" sz="1200" b="0" i="0" kern="1200" dirty="0" smtClean="0">
-                <a:solidFill>
-                  <a:schemeClr val="tx1"/>
-                </a:solidFill>
-                <a:effectLst/>
-                <a:latin typeface="+mn-lt"/>
-                <a:ea typeface="+mn-ea"/>
-                <a:cs typeface="+mn-cs"/>
-              </a:rPr>
-              <a:t>CSI (camera serial interface) camera connector</a:t>
-            </a:r>
-          </a:p>
-          <a:p>
-            <a:endParaRPr lang="en-GB" baseline="0" dirty="0" smtClean="0"/>
-          </a:p>
-          <a:p>
-            <a:endParaRPr lang="en-GB" baseline="0" dirty="0" smtClean="0"/>
-          </a:p>
-          <a:p>
+              <a:t>By the way</a:t>
+            </a:r>
             <a:endParaRPr lang="en-GB" dirty="0"/>
           </a:p>
         </p:txBody>
@@ -2776,7 +3054,7 @@
           <a:p>
             <a:fld id="{C219B520-6AE5-4D22-8ED6-D119B61B942D}" type="slidenum">
               <a:rPr lang="en-GB" smtClean="0"/>
-              <a:t>8</a:t>
+              <a:t>7</a:t>
             </a:fld>
             <a:endParaRPr lang="en-GB"/>
           </a:p>
@@ -2785,7 +3063,7 @@
     </p:spTree>
     <p:extLst>
       <p:ext uri="{BB962C8B-B14F-4D97-AF65-F5344CB8AC3E}">
-        <p14:creationId xmlns:p14="http://schemas.microsoft.com/office/powerpoint/2010/main" val="3405446985"/>
+        <p14:creationId xmlns:p14="http://schemas.microsoft.com/office/powerpoint/2010/main" val="1995969444"/>
       </p:ext>
     </p:extLst>
   </p:cSld>
@@ -2839,6 +3117,20 @@
           <a:bodyPr/>
           <a:lstStyle/>
           <a:p>
+            <a:r>
+              <a:rPr lang="en-GB" dirty="0" smtClean="0"/>
+              <a:t>What we are seeing here is a plot with three signal, two from</a:t>
+            </a:r>
+            <a:r>
+              <a:rPr lang="en-GB" baseline="0" dirty="0" smtClean="0"/>
+              <a:t> the pyroelectric sensors set to detect flame. Those are the blue and orange traces, and one pyroelectric sensor set to detect so called black body heat sources, such as a red hot wire you would find in an infrared heater.</a:t>
+            </a:r>
+          </a:p>
+          <a:p>
+            <a:r>
+              <a:rPr lang="en-GB" baseline="0" dirty="0" smtClean="0"/>
+              <a:t>By the way</a:t>
+            </a:r>
             <a:endParaRPr lang="en-GB" dirty="0"/>
           </a:p>
         </p:txBody>
@@ -2860,7 +3152,7 @@
           <a:p>
             <a:fld id="{C219B520-6AE5-4D22-8ED6-D119B61B942D}" type="slidenum">
               <a:rPr lang="en-GB" smtClean="0"/>
-              <a:t>18</a:t>
+              <a:t>8</a:t>
             </a:fld>
             <a:endParaRPr lang="en-GB"/>
           </a:p>
@@ -2869,7 +3161,7 @@
     </p:spTree>
     <p:extLst>
       <p:ext uri="{BB962C8B-B14F-4D97-AF65-F5344CB8AC3E}">
-        <p14:creationId xmlns:p14="http://schemas.microsoft.com/office/powerpoint/2010/main" val="3037332961"/>
+        <p14:creationId xmlns:p14="http://schemas.microsoft.com/office/powerpoint/2010/main" val="2331178300"/>
       </p:ext>
     </p:extLst>
   </p:cSld>
@@ -2925,20 +3217,89 @@
           <a:p>
             <a:r>
               <a:rPr lang="en-GB" dirty="0" smtClean="0"/>
-              <a:t>About</a:t>
+              <a:t>So</a:t>
             </a:r>
             <a:r>
               <a:rPr lang="en-GB" baseline="0" dirty="0" smtClean="0"/>
-              <a:t> </a:t>
+              <a:t> this is the </a:t>
             </a:r>
             <a:r>
               <a:rPr lang="en-GB" baseline="0" dirty="0" err="1" smtClean="0"/>
-              <a:t>explainability</a:t>
+              <a:t>Rpi</a:t>
             </a:r>
             <a:r>
               <a:rPr lang="en-GB" baseline="0" dirty="0" smtClean="0"/>
-              <a:t>, that’s a hot topic in Machine Learning today, judging by my modules so far. Ethics is much talked about. </a:t>
-            </a:r>
+              <a:t> Zero W,</a:t>
+            </a:r>
+          </a:p>
+          <a:p>
+            <a:r>
+              <a:rPr lang="en-GB" baseline="0" dirty="0" smtClean="0"/>
+              <a:t>Broadcom 1GHz single-core CPU</a:t>
+            </a:r>
+          </a:p>
+          <a:p>
+            <a:r>
+              <a:rPr lang="en-GB" baseline="0" dirty="0" smtClean="0"/>
+              <a:t>512 MB RAM</a:t>
+            </a:r>
+          </a:p>
+          <a:p>
+            <a:r>
+              <a:rPr lang="en-GB" baseline="0" dirty="0" smtClean="0"/>
+              <a:t>Integrated Graphics Cards</a:t>
+            </a:r>
+          </a:p>
+          <a:p>
+            <a:r>
+              <a:rPr lang="en-GB" baseline="0" dirty="0" smtClean="0"/>
+              <a:t>802.11bng wireless</a:t>
+            </a:r>
+          </a:p>
+          <a:p>
+            <a:r>
+              <a:rPr lang="en-GB" baseline="0" dirty="0" smtClean="0"/>
+              <a:t>Bluetooth 4.1</a:t>
+            </a:r>
+          </a:p>
+          <a:p>
+            <a:pPr marL="0" marR="0" lvl="0" indent="0" algn="l" defTabSz="914400" rtl="0" eaLnBrk="1" fontAlgn="auto" latinLnBrk="0" hangingPunct="1">
+              <a:lnSpc>
+                <a:spcPct val="100000"/>
+              </a:lnSpc>
+              <a:spcBef>
+                <a:spcPts val="0"/>
+              </a:spcBef>
+              <a:spcAft>
+                <a:spcPts val="0"/>
+              </a:spcAft>
+              <a:buClrTx/>
+              <a:buSzTx/>
+              <a:buFontTx/>
+              <a:buNone/>
+              <a:tabLst/>
+              <a:defRPr/>
+            </a:pPr>
+            <a:r>
+              <a:rPr lang="en-GB" sz="1200" b="0" i="0" kern="1200" dirty="0" smtClean="0">
+                <a:solidFill>
+                  <a:schemeClr val="tx1"/>
+                </a:solidFill>
+                <a:effectLst/>
+                <a:latin typeface="+mn-lt"/>
+                <a:ea typeface="+mn-ea"/>
+                <a:cs typeface="+mn-cs"/>
+              </a:rPr>
+              <a:t>CSI (camera serial interface) camera connector</a:t>
+            </a:r>
+          </a:p>
+          <a:p>
+            <a:endParaRPr lang="en-GB" baseline="0" dirty="0" smtClean="0"/>
+          </a:p>
+          <a:p>
+            <a:endParaRPr lang="en-GB" baseline="0" dirty="0" smtClean="0"/>
+          </a:p>
+          <a:p>
             <a:endParaRPr lang="en-GB" dirty="0"/>
           </a:p>
         </p:txBody>
@@ -2960,7 +3321,7 @@
           <a:p>
             <a:fld id="{C219B520-6AE5-4D22-8ED6-D119B61B942D}" type="slidenum">
               <a:rPr lang="en-GB" smtClean="0"/>
-              <a:t>19</a:t>
+              <a:t>9</a:t>
             </a:fld>
             <a:endParaRPr lang="en-GB"/>
           </a:p>
@@ -2969,7 +3330,7 @@
     </p:spTree>
     <p:extLst>
       <p:ext uri="{BB962C8B-B14F-4D97-AF65-F5344CB8AC3E}">
-        <p14:creationId xmlns:p14="http://schemas.microsoft.com/office/powerpoint/2010/main" val="1488731243"/>
+        <p14:creationId xmlns:p14="http://schemas.microsoft.com/office/powerpoint/2010/main" val="228769793"/>
       </p:ext>
     </p:extLst>
   </p:cSld>
@@ -3110,7 +3471,7 @@
           <a:p>
             <a:fld id="{11D851C6-F390-42F7-809E-5081E54ED33F}" type="datetimeFigureOut">
               <a:rPr lang="en-GB" smtClean="0"/>
-              <a:t>11/03/2020</a:t>
+              <a:t>13/03/2020</a:t>
             </a:fld>
             <a:endParaRPr lang="en-GB"/>
           </a:p>
@@ -3280,7 +3641,7 @@
           <a:p>
             <a:fld id="{11D851C6-F390-42F7-809E-5081E54ED33F}" type="datetimeFigureOut">
               <a:rPr lang="en-GB" smtClean="0"/>
-              <a:t>11/03/2020</a:t>
+              <a:t>13/03/2020</a:t>
             </a:fld>
             <a:endParaRPr lang="en-GB"/>
           </a:p>
@@ -3460,7 +3821,7 @@
           <a:p>
             <a:fld id="{11D851C6-F390-42F7-809E-5081E54ED33F}" type="datetimeFigureOut">
               <a:rPr lang="en-GB" smtClean="0"/>
-              <a:t>11/03/2020</a:t>
+              <a:t>13/03/2020</a:t>
             </a:fld>
             <a:endParaRPr lang="en-GB"/>
           </a:p>
@@ -3630,7 +3991,7 @@
           <a:p>
             <a:fld id="{11D851C6-F390-42F7-809E-5081E54ED33F}" type="datetimeFigureOut">
               <a:rPr lang="en-GB" smtClean="0"/>
-              <a:t>11/03/2020</a:t>
+              <a:t>13/03/2020</a:t>
             </a:fld>
             <a:endParaRPr lang="en-GB"/>
           </a:p>
@@ -3876,7 +4237,7 @@
           <a:p>
             <a:fld id="{11D851C6-F390-42F7-809E-5081E54ED33F}" type="datetimeFigureOut">
               <a:rPr lang="en-GB" smtClean="0"/>
-              <a:t>11/03/2020</a:t>
+              <a:t>13/03/2020</a:t>
             </a:fld>
             <a:endParaRPr lang="en-GB"/>
           </a:p>
@@ -4108,7 +4469,7 @@
           <a:p>
             <a:fld id="{11D851C6-F390-42F7-809E-5081E54ED33F}" type="datetimeFigureOut">
               <a:rPr lang="en-GB" smtClean="0"/>
-              <a:t>11/03/2020</a:t>
+              <a:t>13/03/2020</a:t>
             </a:fld>
             <a:endParaRPr lang="en-GB"/>
           </a:p>
@@ -4475,7 +4836,7 @@
           <a:p>
             <a:fld id="{11D851C6-F390-42F7-809E-5081E54ED33F}" type="datetimeFigureOut">
               <a:rPr lang="en-GB" smtClean="0"/>
-              <a:t>11/03/2020</a:t>
+              <a:t>13/03/2020</a:t>
             </a:fld>
             <a:endParaRPr lang="en-GB"/>
           </a:p>
@@ -4593,7 +4954,7 @@
           <a:p>
             <a:fld id="{11D851C6-F390-42F7-809E-5081E54ED33F}" type="datetimeFigureOut">
               <a:rPr lang="en-GB" smtClean="0"/>
-              <a:t>11/03/2020</a:t>
+              <a:t>13/03/2020</a:t>
             </a:fld>
             <a:endParaRPr lang="en-GB"/>
           </a:p>
@@ -4688,7 +5049,7 @@
           <a:p>
             <a:fld id="{11D851C6-F390-42F7-809E-5081E54ED33F}" type="datetimeFigureOut">
               <a:rPr lang="en-GB" smtClean="0"/>
-              <a:t>11/03/2020</a:t>
+              <a:t>13/03/2020</a:t>
             </a:fld>
             <a:endParaRPr lang="en-GB"/>
           </a:p>
@@ -4965,7 +5326,7 @@
           <a:p>
             <a:fld id="{11D851C6-F390-42F7-809E-5081E54ED33F}" type="datetimeFigureOut">
               <a:rPr lang="en-GB" smtClean="0"/>
-              <a:t>11/03/2020</a:t>
+              <a:t>13/03/2020</a:t>
             </a:fld>
             <a:endParaRPr lang="en-GB"/>
           </a:p>
@@ -5218,7 +5579,7 @@
           <a:p>
             <a:fld id="{11D851C6-F390-42F7-809E-5081E54ED33F}" type="datetimeFigureOut">
               <a:rPr lang="en-GB" smtClean="0"/>
-              <a:t>11/03/2020</a:t>
+              <a:t>13/03/2020</a:t>
             </a:fld>
             <a:endParaRPr lang="en-GB"/>
           </a:p>
@@ -5431,7 +5792,7 @@
           <a:p>
             <a:fld id="{11D851C6-F390-42F7-809E-5081E54ED33F}" type="datetimeFigureOut">
               <a:rPr lang="en-GB" smtClean="0"/>
-              <a:t>11/03/2020</a:t>
+              <a:t>13/03/2020</a:t>
             </a:fld>
             <a:endParaRPr lang="en-GB"/>
           </a:p>
@@ -6246,6 +6607,185 @@
           <a:bodyPr/>
           <a:lstStyle/>
           <a:p>
+            <a:pPr algn="ctr"/>
+            <a:r>
+              <a:rPr lang="en-GB" dirty="0" smtClean="0"/>
+              <a:t>Raspberry Pi Zero W – Memory Card</a:t>
+            </a:r>
+            <a:endParaRPr lang="en-GB" dirty="0"/>
+          </a:p>
+        </p:txBody>
+      </p:sp>
+      <p:pic>
+        <p:nvPicPr>
+          <p:cNvPr id="4" name="Content Placeholder 3"/>
+          <p:cNvPicPr>
+            <a:picLocks noGrp="1" noChangeAspect="1"/>
+          </p:cNvPicPr>
+          <p:nvPr>
+            <p:ph idx="1"/>
+          </p:nvPr>
+        </p:nvPicPr>
+        <p:blipFill>
+          <a:blip r:embed="rId3">
+            <a:extLst>
+              <a:ext uri="{28A0092B-C50C-407E-A947-70E740481C1C}">
+                <a14:useLocalDpi xmlns:a14="http://schemas.microsoft.com/office/drawing/2010/main" val="0"/>
+              </a:ext>
+            </a:extLst>
+          </a:blip>
+          <a:stretch>
+            <a:fillRect/>
+          </a:stretch>
+        </p:blipFill>
+        <p:spPr>
+          <a:xfrm>
+            <a:off x="4191000" y="2096294"/>
+            <a:ext cx="3810000" cy="3810000"/>
+          </a:xfrm>
+        </p:spPr>
+      </p:pic>
+    </p:spTree>
+    <p:extLst>
+      <p:ext uri="{BB962C8B-B14F-4D97-AF65-F5344CB8AC3E}">
+        <p14:creationId xmlns:p14="http://schemas.microsoft.com/office/powerpoint/2010/main" val="467107411"/>
+      </p:ext>
+    </p:extLst>
+  </p:cSld>
+  <p:clrMapOvr>
+    <a:masterClrMapping/>
+  </p:clrMapOvr>
+  <p:timing>
+    <p:tnLst>
+      <p:par>
+        <p:cTn id="1" dur="indefinite" restart="never" nodeType="tmRoot"/>
+      </p:par>
+    </p:tnLst>
+  </p:timing>
+</p:sld>
+</file>
+
+<file path=ppt/slides/slide11.xml><?xml version="1.0" encoding="utf-8"?>
+<p:sld xmlns:a="http://schemas.openxmlformats.org/drawingml/2006/main" xmlns:r="http://schemas.openxmlformats.org/officeDocument/2006/relationships" xmlns:p="http://schemas.openxmlformats.org/presentationml/2006/main">
+  <p:cSld>
+    <p:spTree>
+      <p:nvGrpSpPr>
+        <p:cNvPr id="1" name=""/>
+        <p:cNvGrpSpPr/>
+        <p:nvPr/>
+      </p:nvGrpSpPr>
+      <p:grpSpPr>
+        <a:xfrm>
+          <a:off x="0" y="0"/>
+          <a:ext cx="0" cy="0"/>
+          <a:chOff x="0" y="0"/>
+          <a:chExt cx="0" cy="0"/>
+        </a:xfrm>
+      </p:grpSpPr>
+      <p:sp>
+        <p:nvSpPr>
+          <p:cNvPr id="2" name="Title 1"/>
+          <p:cNvSpPr>
+            <a:spLocks noGrp="1"/>
+          </p:cNvSpPr>
+          <p:nvPr>
+            <p:ph type="title"/>
+          </p:nvPr>
+        </p:nvSpPr>
+        <p:spPr/>
+        <p:txBody>
+          <a:bodyPr/>
+          <a:lstStyle/>
+          <a:p>
+            <a:r>
+              <a:rPr lang="en-GB" dirty="0" smtClean="0"/>
+              <a:t>Raspberry Pi Zero W - Connections 1</a:t>
+            </a:r>
+            <a:endParaRPr lang="en-GB" dirty="0"/>
+          </a:p>
+        </p:txBody>
+      </p:sp>
+      <p:pic>
+        <p:nvPicPr>
+          <p:cNvPr id="4" name="Content Placeholder 3"/>
+          <p:cNvPicPr>
+            <a:picLocks noGrp="1" noChangeAspect="1"/>
+          </p:cNvPicPr>
+          <p:nvPr>
+            <p:ph idx="1"/>
+          </p:nvPr>
+        </p:nvPicPr>
+        <p:blipFill>
+          <a:blip r:embed="rId2">
+            <a:extLst>
+              <a:ext uri="{28A0092B-C50C-407E-A947-70E740481C1C}">
+                <a14:useLocalDpi xmlns:a14="http://schemas.microsoft.com/office/drawing/2010/main" val="0"/>
+              </a:ext>
+            </a:extLst>
+          </a:blip>
+          <a:stretch>
+            <a:fillRect/>
+          </a:stretch>
+        </p:blipFill>
+        <p:spPr>
+          <a:xfrm>
+            <a:off x="3390918" y="1825625"/>
+            <a:ext cx="5410163" cy="4351338"/>
+          </a:xfrm>
+        </p:spPr>
+      </p:pic>
+    </p:spTree>
+    <p:extLst>
+      <p:ext uri="{BB962C8B-B14F-4D97-AF65-F5344CB8AC3E}">
+        <p14:creationId xmlns:p14="http://schemas.microsoft.com/office/powerpoint/2010/main" val="2068857147"/>
+      </p:ext>
+    </p:extLst>
+  </p:cSld>
+  <p:clrMapOvr>
+    <a:masterClrMapping/>
+  </p:clrMapOvr>
+  <p:timing>
+    <p:tnLst>
+      <p:par>
+        <p:cTn id="1" dur="indefinite" restart="never" nodeType="tmRoot"/>
+      </p:par>
+    </p:tnLst>
+  </p:timing>
+</p:sld>
+</file>
+
+<file path=ppt/slides/slide12.xml><?xml version="1.0" encoding="utf-8"?>
+<p:sld xmlns:a="http://schemas.openxmlformats.org/drawingml/2006/main" xmlns:r="http://schemas.openxmlformats.org/officeDocument/2006/relationships" xmlns:p="http://schemas.openxmlformats.org/presentationml/2006/main">
+  <p:cSld>
+    <p:spTree>
+      <p:nvGrpSpPr>
+        <p:cNvPr id="1" name=""/>
+        <p:cNvGrpSpPr/>
+        <p:nvPr/>
+      </p:nvGrpSpPr>
+      <p:grpSpPr>
+        <a:xfrm>
+          <a:off x="0" y="0"/>
+          <a:ext cx="0" cy="0"/>
+          <a:chOff x="0" y="0"/>
+          <a:chExt cx="0" cy="0"/>
+        </a:xfrm>
+      </p:grpSpPr>
+      <p:sp>
+        <p:nvSpPr>
+          <p:cNvPr id="2" name="Title 1"/>
+          <p:cNvSpPr>
+            <a:spLocks noGrp="1"/>
+          </p:cNvSpPr>
+          <p:nvPr>
+            <p:ph type="title"/>
+          </p:nvPr>
+        </p:nvSpPr>
+        <p:spPr/>
+        <p:txBody>
+          <a:bodyPr/>
+          <a:lstStyle/>
+          <a:p>
             <a:r>
               <a:rPr lang="en-GB" dirty="0" smtClean="0"/>
               <a:t>Raspberry Pi Zero W - Connections 1</a:t>
@@ -6333,7 +6873,7 @@
 </p:sld>
 </file>
 
-<file path=ppt/slides/slide11.xml><?xml version="1.0" encoding="utf-8"?>
+<file path=ppt/slides/slide13.xml><?xml version="1.0" encoding="utf-8"?>
 <p:sld xmlns:a="http://schemas.openxmlformats.org/drawingml/2006/main" xmlns:r="http://schemas.openxmlformats.org/officeDocument/2006/relationships" xmlns:p="http://schemas.openxmlformats.org/presentationml/2006/main">
   <p:cSld>
     <p:spTree>
@@ -6482,7 +7022,7 @@
 </p:sld>
 </file>
 
-<file path=ppt/slides/slide12.xml><?xml version="1.0" encoding="utf-8"?>
+<file path=ppt/slides/slide14.xml><?xml version="1.0" encoding="utf-8"?>
 <p:sld xmlns:a="http://schemas.openxmlformats.org/drawingml/2006/main" xmlns:r="http://schemas.openxmlformats.org/officeDocument/2006/relationships" xmlns:p="http://schemas.openxmlformats.org/presentationml/2006/main">
   <p:cSld>
     <p:spTree>
@@ -6661,7 +7201,7 @@
 </p:sld>
 </file>
 
-<file path=ppt/slides/slide13.xml><?xml version="1.0" encoding="utf-8"?>
+<file path=ppt/slides/slide15.xml><?xml version="1.0" encoding="utf-8"?>
 <p:sld xmlns:a="http://schemas.openxmlformats.org/drawingml/2006/main" xmlns:r="http://schemas.openxmlformats.org/officeDocument/2006/relationships" xmlns:p="http://schemas.openxmlformats.org/presentationml/2006/main">
   <p:cSld>
     <p:spTree>
@@ -6750,7 +7290,7 @@
 </p:sld>
 </file>
 
-<file path=ppt/slides/slide14.xml><?xml version="1.0" encoding="utf-8"?>
+<file path=ppt/slides/slide16.xml><?xml version="1.0" encoding="utf-8"?>
 <p:sld xmlns:a="http://schemas.openxmlformats.org/drawingml/2006/main" xmlns:r="http://schemas.openxmlformats.org/officeDocument/2006/relationships" xmlns:p="http://schemas.openxmlformats.org/presentationml/2006/main">
   <p:cSld>
     <p:spTree>
@@ -6839,195 +7379,6 @@
 </p:sld>
 </file>
 
-<file path=ppt/slides/slide15.xml><?xml version="1.0" encoding="utf-8"?>
-<p:sld xmlns:a="http://schemas.openxmlformats.org/drawingml/2006/main" xmlns:r="http://schemas.openxmlformats.org/officeDocument/2006/relationships" xmlns:p="http://schemas.openxmlformats.org/presentationml/2006/main">
-  <p:cSld>
-    <p:spTree>
-      <p:nvGrpSpPr>
-        <p:cNvPr id="1" name=""/>
-        <p:cNvGrpSpPr/>
-        <p:nvPr/>
-      </p:nvGrpSpPr>
-      <p:grpSpPr>
-        <a:xfrm>
-          <a:off x="0" y="0"/>
-          <a:ext cx="0" cy="0"/>
-          <a:chOff x="0" y="0"/>
-          <a:chExt cx="0" cy="0"/>
-        </a:xfrm>
-      </p:grpSpPr>
-      <p:sp>
-        <p:nvSpPr>
-          <p:cNvPr id="2" name="Title 1"/>
-          <p:cNvSpPr>
-            <a:spLocks noGrp="1"/>
-          </p:cNvSpPr>
-          <p:nvPr>
-            <p:ph type="title"/>
-          </p:nvPr>
-        </p:nvSpPr>
-        <p:spPr/>
-        <p:txBody>
-          <a:bodyPr/>
-          <a:lstStyle/>
-          <a:p>
-            <a:r>
-              <a:rPr lang="en-GB" dirty="0" smtClean="0"/>
-              <a:t>Inside the box – getting this thing to work 1</a:t>
-            </a:r>
-            <a:endParaRPr lang="en-GB" dirty="0"/>
-          </a:p>
-        </p:txBody>
-      </p:sp>
-      <p:sp>
-        <p:nvSpPr>
-          <p:cNvPr id="3" name="Content Placeholder 2"/>
-          <p:cNvSpPr>
-            <a:spLocks noGrp="1"/>
-          </p:cNvSpPr>
-          <p:nvPr>
-            <p:ph idx="1"/>
-          </p:nvPr>
-        </p:nvSpPr>
-        <p:spPr/>
-        <p:txBody>
-          <a:bodyPr/>
-          <a:lstStyle/>
-          <a:p>
-            <a:r>
-              <a:rPr lang="en-GB" dirty="0" smtClean="0"/>
-              <a:t>Install</a:t>
-            </a:r>
-          </a:p>
-          <a:p>
-            <a:r>
-              <a:rPr lang="en-GB" dirty="0" smtClean="0"/>
-              <a:t>Libraries</a:t>
-            </a:r>
-          </a:p>
-          <a:p>
-            <a:r>
-              <a:rPr lang="en-GB" dirty="0" smtClean="0"/>
-              <a:t>Models</a:t>
-            </a:r>
-          </a:p>
-          <a:p>
-            <a:r>
-              <a:rPr lang="en-GB" dirty="0" smtClean="0"/>
-              <a:t>Training</a:t>
-            </a:r>
-          </a:p>
-          <a:p>
-            <a:r>
-              <a:rPr lang="en-GB" dirty="0" smtClean="0"/>
-              <a:t>Running</a:t>
-            </a:r>
-          </a:p>
-        </p:txBody>
-      </p:sp>
-    </p:spTree>
-    <p:extLst>
-      <p:ext uri="{BB962C8B-B14F-4D97-AF65-F5344CB8AC3E}">
-        <p14:creationId xmlns:p14="http://schemas.microsoft.com/office/powerpoint/2010/main" val="2104277746"/>
-      </p:ext>
-    </p:extLst>
-  </p:cSld>
-  <p:clrMapOvr>
-    <a:masterClrMapping/>
-  </p:clrMapOvr>
-  <p:timing>
-    <p:tnLst>
-      <p:par>
-        <p:cTn id="1" dur="indefinite" restart="never" nodeType="tmRoot"/>
-      </p:par>
-    </p:tnLst>
-  </p:timing>
-</p:sld>
-</file>
-
-<file path=ppt/slides/slide16.xml><?xml version="1.0" encoding="utf-8"?>
-<p:sld xmlns:a="http://schemas.openxmlformats.org/drawingml/2006/main" xmlns:r="http://schemas.openxmlformats.org/officeDocument/2006/relationships" xmlns:p="http://schemas.openxmlformats.org/presentationml/2006/main">
-  <p:cSld>
-    <p:spTree>
-      <p:nvGrpSpPr>
-        <p:cNvPr id="1" name=""/>
-        <p:cNvGrpSpPr/>
-        <p:nvPr/>
-      </p:nvGrpSpPr>
-      <p:grpSpPr>
-        <a:xfrm>
-          <a:off x="0" y="0"/>
-          <a:ext cx="0" cy="0"/>
-          <a:chOff x="0" y="0"/>
-          <a:chExt cx="0" cy="0"/>
-        </a:xfrm>
-      </p:grpSpPr>
-      <p:sp>
-        <p:nvSpPr>
-          <p:cNvPr id="2" name="Title 1"/>
-          <p:cNvSpPr>
-            <a:spLocks noGrp="1"/>
-          </p:cNvSpPr>
-          <p:nvPr>
-            <p:ph type="title"/>
-          </p:nvPr>
-        </p:nvSpPr>
-        <p:spPr/>
-        <p:txBody>
-          <a:bodyPr/>
-          <a:lstStyle/>
-          <a:p>
-            <a:r>
-              <a:rPr lang="en-GB" dirty="0" smtClean="0"/>
-              <a:t>Computer Vision / Machine Learning	</a:t>
-            </a:r>
-            <a:endParaRPr lang="en-GB" dirty="0"/>
-          </a:p>
-        </p:txBody>
-      </p:sp>
-      <p:sp>
-        <p:nvSpPr>
-          <p:cNvPr id="3" name="Content Placeholder 2"/>
-          <p:cNvSpPr>
-            <a:spLocks noGrp="1"/>
-          </p:cNvSpPr>
-          <p:nvPr>
-            <p:ph idx="1"/>
-          </p:nvPr>
-        </p:nvSpPr>
-        <p:spPr/>
-        <p:txBody>
-          <a:bodyPr/>
-          <a:lstStyle/>
-          <a:p>
-            <a:r>
-              <a:rPr lang="en-GB" dirty="0" smtClean="0"/>
-              <a:t>Challenges (low power)</a:t>
-            </a:r>
-            <a:endParaRPr lang="en-GB" dirty="0"/>
-          </a:p>
-        </p:txBody>
-      </p:sp>
-    </p:spTree>
-    <p:extLst>
-      <p:ext uri="{BB962C8B-B14F-4D97-AF65-F5344CB8AC3E}">
-        <p14:creationId xmlns:p14="http://schemas.microsoft.com/office/powerpoint/2010/main" val="2589117452"/>
-      </p:ext>
-    </p:extLst>
-  </p:cSld>
-  <p:clrMapOvr>
-    <a:masterClrMapping/>
-  </p:clrMapOvr>
-  <p:timing>
-    <p:tnLst>
-      <p:par>
-        <p:cTn id="1" dur="indefinite" restart="never" nodeType="tmRoot"/>
-      </p:par>
-    </p:tnLst>
-  </p:timing>
-</p:sld>
-</file>
-
 <file path=ppt/slides/slide17.xml><?xml version="1.0" encoding="utf-8"?>
 <p:sld xmlns:a="http://schemas.openxmlformats.org/drawingml/2006/main" xmlns:r="http://schemas.openxmlformats.org/officeDocument/2006/relationships" xmlns:p="http://schemas.openxmlformats.org/presentationml/2006/main">
   <p:cSld>
@@ -7062,7 +7413,7 @@
           <a:p>
             <a:r>
               <a:rPr lang="en-GB" dirty="0" smtClean="0"/>
-              <a:t>How do we implement such a system?</a:t>
+              <a:t>Inside the box – getting this thing to work 1</a:t>
             </a:r>
             <a:endParaRPr lang="en-GB" dirty="0"/>
           </a:p>
@@ -7085,13 +7436,31 @@
           <a:p>
             <a:r>
               <a:rPr lang="en-GB" dirty="0" smtClean="0"/>
-              <a:t>Hardware BOM</a:t>
-            </a:r>
-          </a:p>
-          <a:p>
-            <a:r>
-              <a:rPr lang="en-GB" dirty="0" smtClean="0"/>
-              <a:t>Software</a:t>
+              <a:t>Install</a:t>
+            </a:r>
+          </a:p>
+          <a:p>
+            <a:r>
+              <a:rPr lang="en-GB" dirty="0" smtClean="0"/>
+              <a:t>Libraries</a:t>
+            </a:r>
+          </a:p>
+          <a:p>
+            <a:r>
+              <a:rPr lang="en-GB" dirty="0" smtClean="0"/>
+              <a:t>Models</a:t>
+            </a:r>
+          </a:p>
+          <a:p>
+            <a:r>
+              <a:rPr lang="en-GB" dirty="0" smtClean="0"/>
+              <a:t>Training</a:t>
+            </a:r>
+          </a:p>
+          <a:p>
+            <a:r>
+              <a:rPr lang="en-GB" dirty="0" smtClean="0"/>
+              <a:t>Running</a:t>
             </a:r>
           </a:p>
         </p:txBody>
@@ -7099,7 +7468,7 @@
     </p:spTree>
     <p:extLst>
       <p:ext uri="{BB962C8B-B14F-4D97-AF65-F5344CB8AC3E}">
-        <p14:creationId xmlns:p14="http://schemas.microsoft.com/office/powerpoint/2010/main" val="347748340"/>
+        <p14:creationId xmlns:p14="http://schemas.microsoft.com/office/powerpoint/2010/main" val="2104277746"/>
       </p:ext>
     </p:extLst>
   </p:cSld>
@@ -7150,11 +7519,7 @@
           <a:p>
             <a:r>
               <a:rPr lang="en-GB" dirty="0" smtClean="0"/>
-              <a:t>Computer Vision - Ethical </a:t>
-            </a:r>
-            <a:r>
-              <a:rPr lang="en-GB" dirty="0" smtClean="0"/>
-              <a:t>Aspects</a:t>
+              <a:t>Computer Vision / Machine Learning	</a:t>
             </a:r>
             <a:endParaRPr lang="en-GB" dirty="0"/>
           </a:p>
@@ -7176,47 +7541,17 @@
           <a:lstStyle/>
           <a:p>
             <a:r>
-              <a:rPr lang="en-GB" dirty="0"/>
-              <a:t> </a:t>
-            </a:r>
-            <a:r>
-              <a:rPr lang="en-GB" dirty="0" smtClean="0"/>
-              <a:t>Long Term Care</a:t>
-            </a:r>
-          </a:p>
-          <a:p>
-            <a:r>
-              <a:rPr lang="en-GB" dirty="0" smtClean="0"/>
-              <a:t>Who </a:t>
-            </a:r>
-            <a:r>
-              <a:rPr lang="en-GB" dirty="0" smtClean="0"/>
-              <a:t>is making the decision?</a:t>
-            </a:r>
-          </a:p>
-          <a:p>
-            <a:r>
-              <a:rPr lang="en-GB" dirty="0" smtClean="0"/>
-              <a:t>Inferring gender, sexual orientation, ethnicity, age</a:t>
-            </a:r>
-          </a:p>
-          <a:p>
-            <a:r>
-              <a:rPr lang="en-GB" dirty="0" smtClean="0"/>
-              <a:t>Privacy</a:t>
-            </a:r>
-            <a:r>
-              <a:rPr lang="en-GB" dirty="0" smtClean="0"/>
-              <a:t>?</a:t>
-            </a:r>
-          </a:p>
-          <a:p>
-            <a:r>
-              <a:rPr lang="en-GB" dirty="0" smtClean="0">
-                <a:hlinkClick r:id="rId3"/>
-              </a:rPr>
-              <a:t>arXiv:1905.12487</a:t>
-            </a:r>
+              <a:rPr lang="en-GB" dirty="0" smtClean="0"/>
+              <a:t>Training the model</a:t>
+            </a:r>
+          </a:p>
+          <a:p>
+            <a:r>
+              <a:rPr lang="en-GB" dirty="0" smtClean="0"/>
+              <a:t>5 photos </a:t>
+            </a:r>
+          </a:p>
+          <a:p>
             <a:endParaRPr lang="en-GB" dirty="0"/>
           </a:p>
         </p:txBody>
@@ -7224,7 +7559,7 @@
     </p:spTree>
     <p:extLst>
       <p:ext uri="{BB962C8B-B14F-4D97-AF65-F5344CB8AC3E}">
-        <p14:creationId xmlns:p14="http://schemas.microsoft.com/office/powerpoint/2010/main" val="4018707844"/>
+        <p14:creationId xmlns:p14="http://schemas.microsoft.com/office/powerpoint/2010/main" val="2589117452"/>
       </p:ext>
     </p:extLst>
   </p:cSld>
@@ -7275,7 +7610,7 @@
           <a:p>
             <a:r>
               <a:rPr lang="en-GB" dirty="0" smtClean="0"/>
-              <a:t>Computer Vision - Ethical Aspects </a:t>
+              <a:t>How do we implement such a system?</a:t>
             </a:r>
             <a:endParaRPr lang="en-GB" dirty="0"/>
           </a:p>
@@ -7298,67 +7633,21 @@
           <a:p>
             <a:r>
               <a:rPr lang="en-GB" dirty="0" smtClean="0"/>
-              <a:t>Part of the broader discussion of the Ethics of Artificial Intelligence</a:t>
-            </a:r>
-          </a:p>
-          <a:p>
-            <a:r>
-              <a:rPr lang="en-GB" dirty="0" smtClean="0"/>
-              <a:t>Ethical research</a:t>
-            </a:r>
-          </a:p>
-          <a:p>
-            <a:r>
-              <a:rPr lang="en-GB" dirty="0" smtClean="0"/>
-              <a:t>How “transparent” is the algorithm - </a:t>
-            </a:r>
-            <a:r>
-              <a:rPr lang="en-GB" b="1" dirty="0" err="1" smtClean="0"/>
-              <a:t>explainability</a:t>
-            </a:r>
-            <a:endParaRPr lang="en-GB" b="1" dirty="0" smtClean="0"/>
-          </a:p>
-          <a:p>
-            <a:r>
-              <a:rPr lang="en-GB" dirty="0" smtClean="0"/>
-              <a:t>Can decision-making be delegated to intelligent machines?</a:t>
-            </a:r>
-          </a:p>
-          <a:p>
-            <a:r>
-              <a:rPr lang="en-GB" dirty="0"/>
-              <a:t>Do algorithms </a:t>
-            </a:r>
-            <a:r>
-              <a:rPr lang="en-GB" i="1" dirty="0"/>
-              <a:t>discriminate</a:t>
-            </a:r>
-            <a:r>
-              <a:rPr lang="en-GB" dirty="0"/>
-              <a:t>?</a:t>
-            </a:r>
-          </a:p>
-          <a:p>
-            <a:pPr marL="0" indent="0">
-              <a:buNone/>
-            </a:pPr>
-            <a:endParaRPr lang="en-GB" dirty="0" smtClean="0"/>
-          </a:p>
-          <a:p>
-            <a:endParaRPr lang="en-GB" dirty="0" smtClean="0"/>
-          </a:p>
-          <a:p>
-            <a:endParaRPr lang="en-GB" i="1" dirty="0" smtClean="0"/>
-          </a:p>
-          <a:p>
-            <a:endParaRPr lang="en-GB" dirty="0" smtClean="0"/>
+              <a:t>Hardware BOM</a:t>
+            </a:r>
+          </a:p>
+          <a:p>
+            <a:r>
+              <a:rPr lang="en-GB" dirty="0" smtClean="0"/>
+              <a:t>Software</a:t>
+            </a:r>
           </a:p>
         </p:txBody>
       </p:sp>
     </p:spTree>
     <p:extLst>
       <p:ext uri="{BB962C8B-B14F-4D97-AF65-F5344CB8AC3E}">
-        <p14:creationId xmlns:p14="http://schemas.microsoft.com/office/powerpoint/2010/main" val="2782551770"/>
+        <p14:creationId xmlns:p14="http://schemas.microsoft.com/office/powerpoint/2010/main" val="347748340"/>
       </p:ext>
     </p:extLst>
   </p:cSld>
@@ -7534,7 +7823,7 @@
           <a:p>
             <a:r>
               <a:rPr lang="en-GB" dirty="0" smtClean="0"/>
-              <a:t>Computer Vision - Ethical Aspects - @ City</a:t>
+              <a:t>Computer Vision - Ethical Aspects</a:t>
             </a:r>
             <a:endParaRPr lang="en-GB" dirty="0"/>
           </a:p>
@@ -7556,81 +7845,47 @@
           <a:lstStyle/>
           <a:p>
             <a:r>
-              <a:rPr lang="en-GB" dirty="0" smtClean="0"/>
-              <a:t>Department of Computer Science – Research Ethics Review Form: </a:t>
-            </a:r>
-            <a:r>
-              <a:rPr lang="en-GB" dirty="0" err="1" smtClean="0"/>
-              <a:t>Bsc</a:t>
-            </a:r>
-            <a:r>
-              <a:rPr lang="en-GB" dirty="0" smtClean="0"/>
-              <a:t>, MSc and MA projects</a:t>
-            </a:r>
-          </a:p>
-          <a:p>
-            <a:r>
-              <a:rPr lang="en-GB" dirty="0" smtClean="0"/>
-              <a:t>Part A: Establishes </a:t>
-            </a:r>
-            <a:r>
               <a:rPr lang="en-GB" dirty="0"/>
-              <a:t>the kind of approval that is </a:t>
-            </a:r>
-            <a:r>
-              <a:rPr lang="en-GB" dirty="0" smtClean="0"/>
-              <a:t>required</a:t>
-            </a:r>
-          </a:p>
-          <a:p>
-            <a:r>
-              <a:rPr lang="en-GB" dirty="0" smtClean="0"/>
-              <a:t>Part B: Allows </a:t>
-            </a:r>
-            <a:r>
-              <a:rPr lang="en-GB" dirty="0"/>
-              <a:t>fully documented projects that are identified as being of </a:t>
-            </a:r>
-            <a:r>
-              <a:rPr lang="en-GB" dirty="0" err="1"/>
-              <a:t>of</a:t>
-            </a:r>
-            <a:r>
-              <a:rPr lang="en-GB" dirty="0"/>
-              <a:t> </a:t>
-            </a:r>
-            <a:r>
-              <a:rPr lang="en-GB" i="1" dirty="0"/>
-              <a:t>MINIMAL risk</a:t>
-            </a:r>
-            <a:r>
-              <a:rPr lang="en-GB" dirty="0"/>
-              <a:t> through Part A to be approved, either provisionally or </a:t>
-            </a:r>
-            <a:r>
-              <a:rPr lang="en-GB" dirty="0" smtClean="0"/>
-              <a:t>fully</a:t>
-            </a:r>
-          </a:p>
-          <a:p>
-            <a:r>
-              <a:rPr lang="en-GB" i="1" dirty="0"/>
-              <a:t>Failure to obtain approval for research that requires it would mean that you were not covered by the University's indemnity. It would result likely in you failing your project and may result in disciplinary action.</a:t>
-            </a:r>
-            <a:endParaRPr lang="en-GB" dirty="0" smtClean="0"/>
-          </a:p>
-          <a:p>
-            <a:endParaRPr lang="en-GB" i="1" dirty="0" smtClean="0"/>
-          </a:p>
-          <a:p>
-            <a:endParaRPr lang="en-GB" dirty="0" smtClean="0"/>
+              <a:t> </a:t>
+            </a:r>
+            <a:r>
+              <a:rPr lang="en-GB" dirty="0" smtClean="0"/>
+              <a:t>Long Term Care</a:t>
+            </a:r>
+          </a:p>
+          <a:p>
+            <a:r>
+              <a:rPr lang="en-GB" dirty="0" smtClean="0"/>
+              <a:t>Who is making the decision?</a:t>
+            </a:r>
+          </a:p>
+          <a:p>
+            <a:r>
+              <a:rPr lang="en-GB" dirty="0" smtClean="0"/>
+              <a:t>Inferring gender, sexual orientation, ethnicity, age</a:t>
+            </a:r>
+          </a:p>
+          <a:p>
+            <a:r>
+              <a:rPr lang="en-GB" dirty="0" smtClean="0"/>
+              <a:t>Privacy?</a:t>
+            </a:r>
+          </a:p>
+          <a:p>
+            <a:r>
+              <a:rPr lang="en-GB" dirty="0" smtClean="0">
+                <a:hlinkClick r:id="rId3"/>
+              </a:rPr>
+              <a:t>arXiv:1905.12487</a:t>
+            </a:r>
+            <a:endParaRPr lang="en-GB" dirty="0"/>
           </a:p>
         </p:txBody>
       </p:sp>
     </p:spTree>
     <p:extLst>
       <p:ext uri="{BB962C8B-B14F-4D97-AF65-F5344CB8AC3E}">
-        <p14:creationId xmlns:p14="http://schemas.microsoft.com/office/powerpoint/2010/main" val="3407280407"/>
+        <p14:creationId xmlns:p14="http://schemas.microsoft.com/office/powerpoint/2010/main" val="4018707844"/>
       </p:ext>
     </p:extLst>
   </p:cSld>
@@ -7681,70 +7936,77 @@
           <a:p>
             <a:r>
               <a:rPr lang="en-GB" dirty="0" smtClean="0"/>
-              <a:t>Research </a:t>
-            </a:r>
+              <a:t>Computer Vision - Ethical Aspects </a:t>
+            </a:r>
+            <a:endParaRPr lang="en-GB" dirty="0"/>
+          </a:p>
+        </p:txBody>
+      </p:sp>
+      <p:sp>
+        <p:nvSpPr>
+          <p:cNvPr id="3" name="Content Placeholder 2"/>
+          <p:cNvSpPr>
+            <a:spLocks noGrp="1"/>
+          </p:cNvSpPr>
+          <p:nvPr>
+            <p:ph idx="1"/>
+          </p:nvPr>
+        </p:nvSpPr>
+        <p:spPr/>
+        <p:txBody>
+          <a:bodyPr/>
+          <a:lstStyle/>
+          <a:p>
+            <a:r>
+              <a:rPr lang="en-GB" dirty="0" smtClean="0"/>
+              <a:t>Part of the broader discussion of the Ethics of Artificial Intelligence</a:t>
+            </a:r>
+          </a:p>
+          <a:p>
+            <a:r>
+              <a:rPr lang="en-GB" dirty="0" smtClean="0"/>
+              <a:t>Ethical research</a:t>
+            </a:r>
+          </a:p>
+          <a:p>
+            <a:r>
+              <a:rPr lang="en-GB" dirty="0" smtClean="0"/>
+              <a:t>How “transparent” is the algorithm - </a:t>
+            </a:r>
+            <a:r>
+              <a:rPr lang="en-GB" b="1" dirty="0" err="1" smtClean="0"/>
+              <a:t>explainability</a:t>
+            </a:r>
+            <a:endParaRPr lang="en-GB" b="1" dirty="0" smtClean="0"/>
+          </a:p>
+          <a:p>
+            <a:r>
+              <a:rPr lang="en-GB" dirty="0" smtClean="0"/>
+              <a:t>Can decision-making be delegated to intelligent machines?</a:t>
+            </a:r>
+          </a:p>
+          <a:p>
             <a:r>
               <a:rPr lang="en-GB" dirty="0"/>
-              <a:t>Ethics Review </a:t>
-            </a:r>
-            <a:r>
-              <a:rPr lang="en-GB" dirty="0" smtClean="0"/>
-              <a:t>Form: Questions (A)</a:t>
-            </a:r>
-            <a:endParaRPr lang="en-GB" dirty="0"/>
-          </a:p>
-        </p:txBody>
-      </p:sp>
-      <p:sp>
-        <p:nvSpPr>
-          <p:cNvPr id="3" name="Content Placeholder 2"/>
-          <p:cNvSpPr>
-            <a:spLocks noGrp="1"/>
-          </p:cNvSpPr>
-          <p:nvPr>
-            <p:ph idx="1"/>
-          </p:nvPr>
-        </p:nvSpPr>
-        <p:spPr/>
-        <p:txBody>
-          <a:bodyPr/>
-          <a:lstStyle/>
-          <a:p>
+              <a:t>Do algorithms </a:t>
+            </a:r>
+            <a:r>
+              <a:rPr lang="en-GB" i="1" dirty="0"/>
+              <a:t>discriminate</a:t>
+            </a:r>
             <a:r>
               <a:rPr lang="en-GB" dirty="0"/>
-              <a:t>Will you recruit participants who fall under the auspices of the Mental Capacity Act?</a:t>
-            </a:r>
-          </a:p>
-          <a:p>
-            <a:r>
-              <a:rPr lang="en-GB" dirty="0"/>
-              <a:t>Will you recruit any participants who are currently under the auspices of the Criminal Justice </a:t>
-            </a:r>
-            <a:r>
-              <a:rPr lang="en-GB" dirty="0" smtClean="0"/>
-              <a:t>System</a:t>
-            </a:r>
-          </a:p>
-          <a:p>
-            <a:r>
-              <a:rPr lang="en-GB" dirty="0"/>
-              <a:t>Does your project involve participants disclosing information about special category or sensitive subjects? </a:t>
-            </a:r>
+              <a:t>?</a:t>
+            </a:r>
+          </a:p>
+          <a:p>
+            <a:pPr marL="0" indent="0">
+              <a:buNone/>
+            </a:pPr>
             <a:endParaRPr lang="en-GB" dirty="0" smtClean="0"/>
           </a:p>
           <a:p>
-            <a:r>
-              <a:rPr lang="en-GB" dirty="0"/>
-              <a:t>Does your research involve </a:t>
-            </a:r>
-            <a:r>
-              <a:rPr lang="en-US" dirty="0"/>
-              <a:t>adults who are vulnerable because of their social, psychological or medical circumstances (vulnerable adults)?</a:t>
-            </a:r>
-            <a:endParaRPr lang="en-GB" dirty="0"/>
-          </a:p>
-          <a:p>
-            <a:endParaRPr lang="en-GB" dirty="0"/>
+            <a:endParaRPr lang="en-GB" dirty="0" smtClean="0"/>
           </a:p>
           <a:p>
             <a:endParaRPr lang="en-GB" i="1" dirty="0" smtClean="0"/>
@@ -7757,7 +8019,7 @@
     </p:spTree>
     <p:extLst>
       <p:ext uri="{BB962C8B-B14F-4D97-AF65-F5344CB8AC3E}">
-        <p14:creationId xmlns:p14="http://schemas.microsoft.com/office/powerpoint/2010/main" val="1459478153"/>
+        <p14:creationId xmlns:p14="http://schemas.microsoft.com/office/powerpoint/2010/main" val="2782551770"/>
       </p:ext>
     </p:extLst>
   </p:cSld>
@@ -7808,70 +8070,103 @@
           <a:p>
             <a:r>
               <a:rPr lang="en-GB" dirty="0" smtClean="0"/>
-              <a:t>Research </a:t>
+              <a:t>Computer Vision - Ethical Aspects - @ City</a:t>
+            </a:r>
+            <a:endParaRPr lang="en-GB" dirty="0"/>
+          </a:p>
+        </p:txBody>
+      </p:sp>
+      <p:sp>
+        <p:nvSpPr>
+          <p:cNvPr id="3" name="Content Placeholder 2"/>
+          <p:cNvSpPr>
+            <a:spLocks noGrp="1"/>
+          </p:cNvSpPr>
+          <p:nvPr>
+            <p:ph idx="1"/>
+          </p:nvPr>
+        </p:nvSpPr>
+        <p:spPr/>
+        <p:txBody>
+          <a:bodyPr/>
+          <a:lstStyle/>
+          <a:p>
+            <a:r>
+              <a:rPr lang="en-GB" dirty="0" smtClean="0"/>
+              <a:t>Department of Computer Science – Research Ethics Review Form: </a:t>
+            </a:r>
+            <a:r>
+              <a:rPr lang="en-GB" dirty="0" err="1" smtClean="0"/>
+              <a:t>Bsc</a:t>
+            </a:r>
+            <a:r>
+              <a:rPr lang="en-GB" dirty="0" smtClean="0"/>
+              <a:t>, MSc and MA projects</a:t>
+            </a:r>
+          </a:p>
+          <a:p>
+            <a:r>
+              <a:rPr lang="en-GB" dirty="0" smtClean="0"/>
+              <a:t>Part A: Establishes </a:t>
             </a:r>
             <a:r>
               <a:rPr lang="en-GB" dirty="0"/>
-              <a:t>Ethics Review </a:t>
-            </a:r>
-            <a:r>
-              <a:rPr lang="en-GB" dirty="0" smtClean="0"/>
-              <a:t>Form: Questions (B)</a:t>
-            </a:r>
-            <a:endParaRPr lang="en-GB" dirty="0"/>
-          </a:p>
-        </p:txBody>
-      </p:sp>
-      <p:sp>
-        <p:nvSpPr>
-          <p:cNvPr id="3" name="Content Placeholder 2"/>
-          <p:cNvSpPr>
-            <a:spLocks noGrp="1"/>
-          </p:cNvSpPr>
-          <p:nvPr>
-            <p:ph idx="1"/>
-          </p:nvPr>
-        </p:nvSpPr>
-        <p:spPr/>
-        <p:txBody>
-          <a:bodyPr/>
-          <a:lstStyle/>
-          <a:p>
+              <a:t>the kind of approval that is </a:t>
+            </a:r>
+            <a:r>
+              <a:rPr lang="en-GB" dirty="0" smtClean="0"/>
+              <a:t>required</a:t>
+            </a:r>
+          </a:p>
+          <a:p>
+            <a:r>
+              <a:rPr lang="en-GB" dirty="0" smtClean="0"/>
+              <a:t>Part B: Allows </a:t>
+            </a:r>
             <a:r>
               <a:rPr lang="en-GB" dirty="0"/>
-              <a:t>Will you ensure that participants taking part in your project are fully informed about the purpose of the research</a:t>
-            </a:r>
-            <a:r>
-              <a:rPr lang="en-GB" dirty="0" smtClean="0"/>
-              <a:t>?</a:t>
-            </a:r>
-          </a:p>
-          <a:p>
+              <a:t>fully documented projects that are identified as being of </a:t>
+            </a:r>
+            <a:r>
+              <a:rPr lang="en-GB" dirty="0" err="1"/>
+              <a:t>of</a:t>
+            </a:r>
             <a:r>
               <a:rPr lang="en-GB" dirty="0"/>
-              <a:t>Will consent be obtained from the participants in your project? </a:t>
+              <a:t> </a:t>
+            </a:r>
+            <a:r>
+              <a:rPr lang="en-GB" i="1" dirty="0"/>
+              <a:t>MINIMAL risk</a:t>
+            </a:r>
+            <a:r>
+              <a:rPr lang="en-GB" dirty="0"/>
+              <a:t> through Part A to be approved, either provisionally or </a:t>
+            </a:r>
+            <a:r>
+              <a:rPr lang="en-GB" dirty="0" smtClean="0"/>
+              <a:t>fully</a:t>
+            </a:r>
+          </a:p>
+          <a:p>
+            <a:r>
+              <a:rPr lang="en-GB" i="1" dirty="0"/>
+              <a:t>Failure to obtain approval for research that requires it would mean that you were not covered by the University's indemnity. It would result likely in you failing your project and may result in disciplinary action.</a:t>
             </a:r>
             <a:endParaRPr lang="en-GB" dirty="0" smtClean="0"/>
           </a:p>
           <a:p>
-            <a:r>
-              <a:rPr lang="en-GB" dirty="0"/>
-              <a:t>Have you made arrangements to ensure that material and/or private information obtained from or about the participating individuals will remain confidential?</a:t>
-            </a:r>
+            <a:endParaRPr lang="en-GB" i="1" dirty="0" smtClean="0"/>
+          </a:p>
+          <a:p>
             <a:endParaRPr lang="en-GB" dirty="0" smtClean="0"/>
-          </a:p>
-          <a:p>
-            <a:endParaRPr lang="en-GB" dirty="0"/>
-          </a:p>
-          <a:p>
-            <a:endParaRPr lang="en-GB" dirty="0"/>
           </a:p>
         </p:txBody>
       </p:sp>
     </p:spTree>
     <p:extLst>
       <p:ext uri="{BB962C8B-B14F-4D97-AF65-F5344CB8AC3E}">
-        <p14:creationId xmlns:p14="http://schemas.microsoft.com/office/powerpoint/2010/main" val="3654022521"/>
+        <p14:creationId xmlns:p14="http://schemas.microsoft.com/office/powerpoint/2010/main" val="3407280407"/>
       </p:ext>
     </p:extLst>
   </p:cSld>
@@ -7921,9 +8216,18 @@
           <a:lstStyle/>
           <a:p>
             <a:r>
+              <a:rPr lang="en-GB" dirty="0" smtClean="0"/>
+              <a:t>Research </a:t>
+            </a:r>
+            <a:r>
               <a:rPr lang="en-GB" dirty="0"/>
-              <a:t>Computer Vision - Ethical Aspects - @ City</a:t>
-            </a:r>
+              <a:t>Ethics Review </a:t>
+            </a:r>
+            <a:r>
+              <a:rPr lang="en-GB" dirty="0" smtClean="0"/>
+              <a:t>Form: Questions (A)</a:t>
+            </a:r>
+            <a:endParaRPr lang="en-GB" dirty="0"/>
           </a:p>
         </p:txBody>
       </p:sp>
@@ -7944,51 +8248,52 @@
           <a:p>
             <a:r>
               <a:rPr lang="en-GB" dirty="0"/>
-              <a:t>How “transparent” is the algorithm </a:t>
-            </a:r>
-            <a:r>
-              <a:rPr lang="en-GB" dirty="0" smtClean="0"/>
-              <a:t>– </a:t>
-            </a:r>
-            <a:r>
-              <a:rPr lang="en-GB" b="1" dirty="0" err="1" smtClean="0"/>
-              <a:t>explainability</a:t>
-            </a:r>
-            <a:endParaRPr lang="en-GB" b="1" dirty="0" smtClean="0"/>
-          </a:p>
-          <a:p>
-            <a:r>
-              <a:rPr lang="en-GB" dirty="0" smtClean="0"/>
-              <a:t>Anna </a:t>
-            </a:r>
-            <a:r>
-              <a:rPr lang="en-GB" dirty="0" err="1" smtClean="0"/>
-              <a:t>Annissimova</a:t>
-            </a:r>
-            <a:r>
-              <a:rPr lang="en-GB" dirty="0" smtClean="0"/>
-              <a:t> – MSc Data Science 2018/2019</a:t>
-            </a:r>
-          </a:p>
-          <a:p>
-            <a:r>
-              <a:rPr lang="en-GB" dirty="0" smtClean="0"/>
-              <a:t>Dissertation – medical imaging</a:t>
-            </a:r>
-          </a:p>
-          <a:p>
-            <a:r>
-              <a:rPr lang="en-GB" dirty="0" smtClean="0"/>
-              <a:t>Less accurate and more explainable classifiers chosen over more accurate and less explainable classifiers</a:t>
+              <a:t>Will you recruit participants who fall under the auspices of the Mental Capacity Act?</a:t>
+            </a:r>
+          </a:p>
+          <a:p>
+            <a:r>
+              <a:rPr lang="en-GB" dirty="0"/>
+              <a:t>Will you recruit any participants who are currently under the auspices of the Criminal Justice </a:t>
+            </a:r>
+            <a:r>
+              <a:rPr lang="en-GB" dirty="0" smtClean="0"/>
+              <a:t>System</a:t>
+            </a:r>
+          </a:p>
+          <a:p>
+            <a:r>
+              <a:rPr lang="en-GB" dirty="0"/>
+              <a:t>Does your project involve participants disclosing information about special category or sensitive subjects? </a:t>
+            </a:r>
+            <a:endParaRPr lang="en-GB" dirty="0" smtClean="0"/>
+          </a:p>
+          <a:p>
+            <a:r>
+              <a:rPr lang="en-GB" dirty="0"/>
+              <a:t>Does your research involve </a:t>
+            </a:r>
+            <a:r>
+              <a:rPr lang="en-US" dirty="0"/>
+              <a:t>adults who are vulnerable because of their social, psychological or medical circumstances (vulnerable adults)?</a:t>
             </a:r>
             <a:endParaRPr lang="en-GB" dirty="0"/>
+          </a:p>
+          <a:p>
+            <a:endParaRPr lang="en-GB" dirty="0"/>
+          </a:p>
+          <a:p>
+            <a:endParaRPr lang="en-GB" i="1" dirty="0" smtClean="0"/>
+          </a:p>
+          <a:p>
+            <a:endParaRPr lang="en-GB" dirty="0" smtClean="0"/>
           </a:p>
         </p:txBody>
       </p:sp>
     </p:spTree>
     <p:extLst>
       <p:ext uri="{BB962C8B-B14F-4D97-AF65-F5344CB8AC3E}">
-        <p14:creationId xmlns:p14="http://schemas.microsoft.com/office/powerpoint/2010/main" val="3757991987"/>
+        <p14:creationId xmlns:p14="http://schemas.microsoft.com/office/powerpoint/2010/main" val="1459478153"/>
       </p:ext>
     </p:extLst>
   </p:cSld>
@@ -8034,93 +8339,75 @@
         </p:nvSpPr>
         <p:spPr/>
         <p:txBody>
-          <a:bodyPr>
-            <a:normAutofit/>
-          </a:bodyPr>
-          <a:lstStyle/>
-          <a:p>
-            <a:r>
-              <a:rPr lang="en-GB" sz="4000" dirty="0" smtClean="0"/>
-              <a:t>ImageNet Large </a:t>
-            </a:r>
-            <a:r>
-              <a:rPr lang="en-GB" sz="4000" dirty="0"/>
-              <a:t>Scale Visual </a:t>
-            </a:r>
-            <a:r>
-              <a:rPr lang="en-GB" sz="4000" dirty="0" smtClean="0"/>
-              <a:t>Recognition Challenge</a:t>
+          <a:bodyPr/>
+          <a:lstStyle/>
+          <a:p>
+            <a:r>
+              <a:rPr lang="en-GB" dirty="0" smtClean="0"/>
+              <a:t>Research </a:t>
             </a:r>
             <a:r>
               <a:rPr lang="en-GB" dirty="0"/>
-              <a:t/>
-            </a:r>
-            <a:br>
+              <a:t>Ethics Review </a:t>
+            </a:r>
+            <a:r>
+              <a:rPr lang="en-GB" dirty="0" smtClean="0"/>
+              <a:t>Form: Questions (B)</a:t>
+            </a:r>
+            <a:endParaRPr lang="en-GB" dirty="0"/>
+          </a:p>
+        </p:txBody>
+      </p:sp>
+      <p:sp>
+        <p:nvSpPr>
+          <p:cNvPr id="3" name="Content Placeholder 2"/>
+          <p:cNvSpPr>
+            <a:spLocks noGrp="1"/>
+          </p:cNvSpPr>
+          <p:nvPr>
+            <p:ph idx="1"/>
+          </p:nvPr>
+        </p:nvSpPr>
+        <p:spPr/>
+        <p:txBody>
+          <a:bodyPr/>
+          <a:lstStyle/>
+          <a:p>
+            <a:r>
               <a:rPr lang="en-GB" dirty="0"/>
-            </a:br>
+              <a:t>Will you ensure that participants taking part in your project are fully informed about the purpose of the research</a:t>
+            </a:r>
+            <a:r>
+              <a:rPr lang="en-GB" dirty="0" smtClean="0"/>
+              <a:t>?</a:t>
+            </a:r>
+          </a:p>
+          <a:p>
+            <a:r>
+              <a:rPr lang="en-GB" dirty="0"/>
+              <a:t>Will consent be obtained from the participants in your project? </a:t>
+            </a:r>
+            <a:endParaRPr lang="en-GB" dirty="0" smtClean="0"/>
+          </a:p>
+          <a:p>
+            <a:r>
+              <a:rPr lang="en-GB" dirty="0"/>
+              <a:t>Have you made arrangements to ensure that material and/or private information obtained from or about the participating individuals will remain confidential?</a:t>
+            </a:r>
+            <a:endParaRPr lang="en-GB" dirty="0" smtClean="0"/>
+          </a:p>
+          <a:p>
             <a:endParaRPr lang="en-GB" dirty="0"/>
           </a:p>
-        </p:txBody>
-      </p:sp>
-      <p:pic>
-        <p:nvPicPr>
-          <p:cNvPr id="4" name="Content Placeholder 3"/>
-          <p:cNvPicPr>
-            <a:picLocks noGrp="1" noChangeAspect="1"/>
-          </p:cNvPicPr>
-          <p:nvPr>
-            <p:ph idx="1"/>
-          </p:nvPr>
-        </p:nvPicPr>
-        <p:blipFill>
-          <a:blip r:embed="rId3"/>
-          <a:stretch>
-            <a:fillRect/>
-          </a:stretch>
-        </p:blipFill>
-        <p:spPr>
-          <a:xfrm>
-            <a:off x="2978558" y="1825625"/>
-            <a:ext cx="6234883" cy="4351338"/>
-          </a:xfrm>
-          <a:prstGeom prst="rect">
-            <a:avLst/>
-          </a:prstGeom>
-        </p:spPr>
-      </p:pic>
-      <p:sp>
-        <p:nvSpPr>
-          <p:cNvPr id="5" name="TextBox 4"/>
-          <p:cNvSpPr txBox="1"/>
-          <p:nvPr/>
-        </p:nvSpPr>
-        <p:spPr>
-          <a:xfrm>
-            <a:off x="838200" y="6176963"/>
-            <a:ext cx="10515600" cy="307777"/>
-          </a:xfrm>
-          <a:prstGeom prst="rect">
-            <a:avLst/>
-          </a:prstGeom>
-          <a:noFill/>
-        </p:spPr>
-        <p:txBody>
-          <a:bodyPr wrap="square" rtlCol="0">
-            <a:spAutoFit/>
-          </a:bodyPr>
-          <a:lstStyle/>
-          <a:p>
-            <a:r>
-              <a:rPr lang="en-GB" sz="1400" dirty="0"/>
-              <a:t>https://www.researchgate.net/figure/Error-rates-on-the-ImageNet-Large-Scale-Visual-Recognition-Challenge-Accuracy_fig1_332452649</a:t>
-            </a:r>
+          <a:p>
+            <a:endParaRPr lang="en-GB" dirty="0"/>
           </a:p>
         </p:txBody>
       </p:sp>
     </p:spTree>
     <p:extLst>
       <p:ext uri="{BB962C8B-B14F-4D97-AF65-F5344CB8AC3E}">
-        <p14:creationId xmlns:p14="http://schemas.microsoft.com/office/powerpoint/2010/main" val="244744918"/>
+        <p14:creationId xmlns:p14="http://schemas.microsoft.com/office/powerpoint/2010/main" val="3654022521"/>
       </p:ext>
     </p:extLst>
   </p:cSld>
@@ -8166,6 +8453,255 @@
         </p:nvSpPr>
         <p:spPr/>
         <p:txBody>
+          <a:bodyPr/>
+          <a:lstStyle/>
+          <a:p>
+            <a:r>
+              <a:rPr lang="en-GB" dirty="0"/>
+              <a:t>Computer Vision - Ethical Aspects - @ City</a:t>
+            </a:r>
+          </a:p>
+        </p:txBody>
+      </p:sp>
+      <p:sp>
+        <p:nvSpPr>
+          <p:cNvPr id="3" name="Content Placeholder 2"/>
+          <p:cNvSpPr>
+            <a:spLocks noGrp="1"/>
+          </p:cNvSpPr>
+          <p:nvPr>
+            <p:ph idx="1"/>
+          </p:nvPr>
+        </p:nvSpPr>
+        <p:spPr/>
+        <p:txBody>
+          <a:bodyPr/>
+          <a:lstStyle/>
+          <a:p>
+            <a:r>
+              <a:rPr lang="en-GB" dirty="0"/>
+              <a:t>How “transparent” is the algorithm </a:t>
+            </a:r>
+            <a:r>
+              <a:rPr lang="en-GB" dirty="0" smtClean="0"/>
+              <a:t>– </a:t>
+            </a:r>
+            <a:r>
+              <a:rPr lang="en-GB" b="1" dirty="0" err="1" smtClean="0"/>
+              <a:t>explainability</a:t>
+            </a:r>
+            <a:endParaRPr lang="en-GB" b="1" dirty="0" smtClean="0"/>
+          </a:p>
+          <a:p>
+            <a:r>
+              <a:rPr lang="en-GB" dirty="0" smtClean="0"/>
+              <a:t>Anna </a:t>
+            </a:r>
+            <a:r>
+              <a:rPr lang="en-GB" dirty="0" err="1" smtClean="0"/>
+              <a:t>Annissimova</a:t>
+            </a:r>
+            <a:r>
+              <a:rPr lang="en-GB" dirty="0" smtClean="0"/>
+              <a:t> – MSc Data Science 2018/2019</a:t>
+            </a:r>
+          </a:p>
+          <a:p>
+            <a:r>
+              <a:rPr lang="en-GB" dirty="0" smtClean="0"/>
+              <a:t>Dissertation – medical imaging</a:t>
+            </a:r>
+          </a:p>
+          <a:p>
+            <a:r>
+              <a:rPr lang="en-GB" dirty="0" smtClean="0"/>
+              <a:t>Less accurate and more explainable classifiers chosen over more accurate and less explainable classifiers</a:t>
+            </a:r>
+            <a:endParaRPr lang="en-GB" dirty="0"/>
+          </a:p>
+        </p:txBody>
+      </p:sp>
+    </p:spTree>
+    <p:extLst>
+      <p:ext uri="{BB962C8B-B14F-4D97-AF65-F5344CB8AC3E}">
+        <p14:creationId xmlns:p14="http://schemas.microsoft.com/office/powerpoint/2010/main" val="3757991987"/>
+      </p:ext>
+    </p:extLst>
+  </p:cSld>
+  <p:clrMapOvr>
+    <a:masterClrMapping/>
+  </p:clrMapOvr>
+  <p:timing>
+    <p:tnLst>
+      <p:par>
+        <p:cTn id="1" dur="indefinite" restart="never" nodeType="tmRoot"/>
+      </p:par>
+    </p:tnLst>
+  </p:timing>
+</p:sld>
+</file>
+
+<file path=ppt/slides/slide26.xml><?xml version="1.0" encoding="utf-8"?>
+<p:sld xmlns:a="http://schemas.openxmlformats.org/drawingml/2006/main" xmlns:r="http://schemas.openxmlformats.org/officeDocument/2006/relationships" xmlns:p="http://schemas.openxmlformats.org/presentationml/2006/main">
+  <p:cSld>
+    <p:spTree>
+      <p:nvGrpSpPr>
+        <p:cNvPr id="1" name=""/>
+        <p:cNvGrpSpPr/>
+        <p:nvPr/>
+      </p:nvGrpSpPr>
+      <p:grpSpPr>
+        <a:xfrm>
+          <a:off x="0" y="0"/>
+          <a:ext cx="0" cy="0"/>
+          <a:chOff x="0" y="0"/>
+          <a:chExt cx="0" cy="0"/>
+        </a:xfrm>
+      </p:grpSpPr>
+      <p:sp>
+        <p:nvSpPr>
+          <p:cNvPr id="2" name="Title 1"/>
+          <p:cNvSpPr>
+            <a:spLocks noGrp="1"/>
+          </p:cNvSpPr>
+          <p:nvPr>
+            <p:ph type="title"/>
+          </p:nvPr>
+        </p:nvSpPr>
+        <p:spPr/>
+        <p:txBody>
+          <a:bodyPr>
+            <a:normAutofit/>
+          </a:bodyPr>
+          <a:lstStyle/>
+          <a:p>
+            <a:r>
+              <a:rPr lang="en-GB" sz="4000" dirty="0" smtClean="0"/>
+              <a:t>ImageNet Large </a:t>
+            </a:r>
+            <a:r>
+              <a:rPr lang="en-GB" sz="4000" dirty="0"/>
+              <a:t>Scale Visual </a:t>
+            </a:r>
+            <a:r>
+              <a:rPr lang="en-GB" sz="4000" dirty="0" smtClean="0"/>
+              <a:t>Recognition Challenge</a:t>
+            </a:r>
+            <a:r>
+              <a:rPr lang="en-GB" dirty="0"/>
+              <a:t/>
+            </a:r>
+            <a:br>
+              <a:rPr lang="en-GB" dirty="0"/>
+            </a:br>
+            <a:endParaRPr lang="en-GB" dirty="0"/>
+          </a:p>
+        </p:txBody>
+      </p:sp>
+      <p:pic>
+        <p:nvPicPr>
+          <p:cNvPr id="4" name="Content Placeholder 3"/>
+          <p:cNvPicPr>
+            <a:picLocks noGrp="1" noChangeAspect="1"/>
+          </p:cNvPicPr>
+          <p:nvPr>
+            <p:ph idx="1"/>
+          </p:nvPr>
+        </p:nvPicPr>
+        <p:blipFill>
+          <a:blip r:embed="rId3"/>
+          <a:stretch>
+            <a:fillRect/>
+          </a:stretch>
+        </p:blipFill>
+        <p:spPr>
+          <a:xfrm>
+            <a:off x="2978558" y="1825625"/>
+            <a:ext cx="6234883" cy="4351338"/>
+          </a:xfrm>
+          <a:prstGeom prst="rect">
+            <a:avLst/>
+          </a:prstGeom>
+        </p:spPr>
+      </p:pic>
+      <p:sp>
+        <p:nvSpPr>
+          <p:cNvPr id="5" name="TextBox 4"/>
+          <p:cNvSpPr txBox="1"/>
+          <p:nvPr/>
+        </p:nvSpPr>
+        <p:spPr>
+          <a:xfrm>
+            <a:off x="838200" y="6176963"/>
+            <a:ext cx="10515600" cy="307777"/>
+          </a:xfrm>
+          <a:prstGeom prst="rect">
+            <a:avLst/>
+          </a:prstGeom>
+          <a:noFill/>
+        </p:spPr>
+        <p:txBody>
+          <a:bodyPr wrap="square" rtlCol="0">
+            <a:spAutoFit/>
+          </a:bodyPr>
+          <a:lstStyle/>
+          <a:p>
+            <a:r>
+              <a:rPr lang="en-GB" sz="1400" dirty="0"/>
+              <a:t>https://www.researchgate.net/figure/Error-rates-on-the-ImageNet-Large-Scale-Visual-Recognition-Challenge-Accuracy_fig1_332452649</a:t>
+            </a:r>
+          </a:p>
+        </p:txBody>
+      </p:sp>
+    </p:spTree>
+    <p:extLst>
+      <p:ext uri="{BB962C8B-B14F-4D97-AF65-F5344CB8AC3E}">
+        <p14:creationId xmlns:p14="http://schemas.microsoft.com/office/powerpoint/2010/main" val="244744918"/>
+      </p:ext>
+    </p:extLst>
+  </p:cSld>
+  <p:clrMapOvr>
+    <a:masterClrMapping/>
+  </p:clrMapOvr>
+  <p:timing>
+    <p:tnLst>
+      <p:par>
+        <p:cTn id="1" dur="indefinite" restart="never" nodeType="tmRoot"/>
+      </p:par>
+    </p:tnLst>
+  </p:timing>
+</p:sld>
+</file>
+
+<file path=ppt/slides/slide27.xml><?xml version="1.0" encoding="utf-8"?>
+<p:sld xmlns:a="http://schemas.openxmlformats.org/drawingml/2006/main" xmlns:r="http://schemas.openxmlformats.org/officeDocument/2006/relationships" xmlns:p="http://schemas.openxmlformats.org/presentationml/2006/main">
+  <p:cSld>
+    <p:spTree>
+      <p:nvGrpSpPr>
+        <p:cNvPr id="1" name=""/>
+        <p:cNvGrpSpPr/>
+        <p:nvPr/>
+      </p:nvGrpSpPr>
+      <p:grpSpPr>
+        <a:xfrm>
+          <a:off x="0" y="0"/>
+          <a:ext cx="0" cy="0"/>
+          <a:chOff x="0" y="0"/>
+          <a:chExt cx="0" cy="0"/>
+        </a:xfrm>
+      </p:grpSpPr>
+      <p:sp>
+        <p:nvSpPr>
+          <p:cNvPr id="2" name="Title 1"/>
+          <p:cNvSpPr>
+            <a:spLocks noGrp="1"/>
+          </p:cNvSpPr>
+          <p:nvPr>
+            <p:ph type="title"/>
+          </p:nvPr>
+        </p:nvSpPr>
+        <p:spPr/>
+        <p:txBody>
           <a:bodyPr>
             <a:normAutofit/>
           </a:bodyPr>
@@ -8290,7 +8826,7 @@
 </p:sld>
 </file>
 
-<file path=ppt/slides/slide26.xml><?xml version="1.0" encoding="utf-8"?>
+<file path=ppt/slides/slide28.xml><?xml version="1.0" encoding="utf-8"?>
 <p:sld xmlns:a="http://schemas.openxmlformats.org/drawingml/2006/main" xmlns:r="http://schemas.openxmlformats.org/officeDocument/2006/relationships" xmlns:p="http://schemas.openxmlformats.org/presentationml/2006/main">
   <p:cSld>
     <p:spTree>
@@ -8444,7 +8980,7 @@
 </p:sld>
 </file>
 
-<file path=ppt/slides/slide27.xml><?xml version="1.0" encoding="utf-8"?>
+<file path=ppt/slides/slide29.xml><?xml version="1.0" encoding="utf-8"?>
 <p:sld xmlns:a="http://schemas.openxmlformats.org/drawingml/2006/main" xmlns:r="http://schemas.openxmlformats.org/officeDocument/2006/relationships" xmlns:p="http://schemas.openxmlformats.org/presentationml/2006/main">
   <p:cSld>
     <p:spTree>
@@ -8607,271 +9143,6 @@
 </p:sld>
 </file>
 
-<file path=ppt/slides/slide28.xml><?xml version="1.0" encoding="utf-8"?>
-<p:sld xmlns:a="http://schemas.openxmlformats.org/drawingml/2006/main" xmlns:r="http://schemas.openxmlformats.org/officeDocument/2006/relationships" xmlns:p="http://schemas.openxmlformats.org/presentationml/2006/main">
-  <p:cSld>
-    <p:spTree>
-      <p:nvGrpSpPr>
-        <p:cNvPr id="1" name=""/>
-        <p:cNvGrpSpPr/>
-        <p:nvPr/>
-      </p:nvGrpSpPr>
-      <p:grpSpPr>
-        <a:xfrm>
-          <a:off x="0" y="0"/>
-          <a:ext cx="0" cy="0"/>
-          <a:chOff x="0" y="0"/>
-          <a:chExt cx="0" cy="0"/>
-        </a:xfrm>
-      </p:grpSpPr>
-      <p:sp>
-        <p:nvSpPr>
-          <p:cNvPr id="2" name="Title 1"/>
-          <p:cNvSpPr>
-            <a:spLocks noGrp="1"/>
-          </p:cNvSpPr>
-          <p:nvPr>
-            <p:ph type="title"/>
-          </p:nvPr>
-        </p:nvSpPr>
-        <p:spPr/>
-        <p:txBody>
-          <a:bodyPr/>
-          <a:lstStyle/>
-          <a:p>
-            <a:r>
-              <a:rPr lang="en-GB" dirty="0" smtClean="0"/>
-              <a:t>Computer Vision - Ethical </a:t>
-            </a:r>
-            <a:r>
-              <a:rPr lang="en-GB" dirty="0" smtClean="0"/>
-              <a:t>Aspects</a:t>
-            </a:r>
-            <a:endParaRPr lang="en-GB" dirty="0"/>
-          </a:p>
-        </p:txBody>
-      </p:sp>
-      <p:sp>
-        <p:nvSpPr>
-          <p:cNvPr id="3" name="Content Placeholder 2"/>
-          <p:cNvSpPr>
-            <a:spLocks noGrp="1"/>
-          </p:cNvSpPr>
-          <p:nvPr>
-            <p:ph idx="1"/>
-          </p:nvPr>
-        </p:nvSpPr>
-        <p:spPr/>
-        <p:txBody>
-          <a:bodyPr>
-            <a:normAutofit lnSpcReduction="10000"/>
-          </a:bodyPr>
-          <a:lstStyle/>
-          <a:p>
-            <a:r>
-              <a:rPr lang="en-GB" dirty="0"/>
-              <a:t>Who is making the decision?</a:t>
-            </a:r>
-          </a:p>
-          <a:p>
-            <a:r>
-              <a:rPr lang="en-GB" dirty="0"/>
-              <a:t>E</a:t>
-            </a:r>
-            <a:r>
-              <a:rPr lang="en-GB" dirty="0" smtClean="0"/>
-              <a:t>thical </a:t>
-            </a:r>
-            <a:r>
-              <a:rPr lang="en-GB" dirty="0"/>
-              <a:t>implications around user perceptions of trust in the underlying technology should be considered and supported</a:t>
-            </a:r>
-            <a:r>
-              <a:rPr lang="en-GB" dirty="0" smtClean="0"/>
-              <a:t> </a:t>
-            </a:r>
-          </a:p>
-          <a:p>
-            <a:r>
-              <a:rPr lang="en-GB" dirty="0" smtClean="0"/>
-              <a:t>Long </a:t>
-            </a:r>
-            <a:r>
-              <a:rPr lang="en-GB" dirty="0" smtClean="0"/>
-              <a:t>Term </a:t>
-            </a:r>
-            <a:r>
-              <a:rPr lang="en-GB" dirty="0" smtClean="0"/>
-              <a:t>Care Sector (caring for the elderly)</a:t>
-            </a:r>
-            <a:endParaRPr lang="en-GB" dirty="0" smtClean="0"/>
-          </a:p>
-          <a:p>
-            <a:r>
-              <a:rPr lang="en-GB" dirty="0" smtClean="0"/>
-              <a:t>Computer Vision system for tracking </a:t>
-            </a:r>
-            <a:r>
-              <a:rPr lang="en-GB" dirty="0"/>
-              <a:t>resident food and fluid </a:t>
-            </a:r>
-            <a:r>
-              <a:rPr lang="en-GB" dirty="0" smtClean="0"/>
-              <a:t>intake</a:t>
-            </a:r>
-          </a:p>
-          <a:p>
-            <a:r>
-              <a:rPr lang="en-GB" dirty="0" smtClean="0"/>
-              <a:t>Decision </a:t>
-            </a:r>
-            <a:r>
-              <a:rPr lang="en-GB" dirty="0"/>
-              <a:t>making rests with humans </a:t>
-            </a:r>
-            <a:endParaRPr lang="en-GB" dirty="0" smtClean="0">
-              <a:hlinkClick r:id="rId3"/>
-            </a:endParaRPr>
-          </a:p>
-          <a:p>
-            <a:r>
-              <a:rPr lang="en-GB" dirty="0" smtClean="0"/>
-              <a:t>The tracking system </a:t>
-            </a:r>
-            <a:r>
-              <a:rPr lang="en-GB" dirty="0"/>
-              <a:t>is a decision-making aid</a:t>
-            </a:r>
-            <a:endParaRPr lang="en-GB" dirty="0">
-              <a:hlinkClick r:id="rId3"/>
-            </a:endParaRPr>
-          </a:p>
-          <a:p>
-            <a:endParaRPr lang="en-GB" dirty="0" smtClean="0">
-              <a:hlinkClick r:id="rId3"/>
-            </a:endParaRPr>
-          </a:p>
-          <a:p>
-            <a:r>
-              <a:rPr lang="en-GB" dirty="0" smtClean="0">
-                <a:hlinkClick r:id="rId3"/>
-              </a:rPr>
-              <a:t>arXiv:1905.12487</a:t>
-            </a:r>
-            <a:endParaRPr lang="en-GB" dirty="0"/>
-          </a:p>
-        </p:txBody>
-      </p:sp>
-    </p:spTree>
-    <p:extLst>
-      <p:ext uri="{BB962C8B-B14F-4D97-AF65-F5344CB8AC3E}">
-        <p14:creationId xmlns:p14="http://schemas.microsoft.com/office/powerpoint/2010/main" val="1196113875"/>
-      </p:ext>
-    </p:extLst>
-  </p:cSld>
-  <p:clrMapOvr>
-    <a:masterClrMapping/>
-  </p:clrMapOvr>
-  <p:timing>
-    <p:tnLst>
-      <p:par>
-        <p:cTn id="1" dur="indefinite" restart="never" nodeType="tmRoot"/>
-      </p:par>
-    </p:tnLst>
-  </p:timing>
-</p:sld>
-</file>
-
-<file path=ppt/slides/slide29.xml><?xml version="1.0" encoding="utf-8"?>
-<p:sld xmlns:a="http://schemas.openxmlformats.org/drawingml/2006/main" xmlns:r="http://schemas.openxmlformats.org/officeDocument/2006/relationships" xmlns:p="http://schemas.openxmlformats.org/presentationml/2006/main">
-  <p:cSld>
-    <p:spTree>
-      <p:nvGrpSpPr>
-        <p:cNvPr id="1" name=""/>
-        <p:cNvGrpSpPr/>
-        <p:nvPr/>
-      </p:nvGrpSpPr>
-      <p:grpSpPr>
-        <a:xfrm>
-          <a:off x="0" y="0"/>
-          <a:ext cx="0" cy="0"/>
-          <a:chOff x="0" y="0"/>
-          <a:chExt cx="0" cy="0"/>
-        </a:xfrm>
-      </p:grpSpPr>
-      <p:sp>
-        <p:nvSpPr>
-          <p:cNvPr id="2" name="Title 1"/>
-          <p:cNvSpPr>
-            <a:spLocks noGrp="1"/>
-          </p:cNvSpPr>
-          <p:nvPr>
-            <p:ph type="title"/>
-          </p:nvPr>
-        </p:nvSpPr>
-        <p:spPr/>
-        <p:txBody>
-          <a:bodyPr/>
-          <a:lstStyle/>
-          <a:p>
-            <a:pPr algn="ctr"/>
-            <a:r>
-              <a:rPr lang="en-GB" dirty="0"/>
-              <a:t>Do algorithms </a:t>
-            </a:r>
-            <a:r>
-              <a:rPr lang="en-GB" i="1" dirty="0"/>
-              <a:t>discriminate</a:t>
-            </a:r>
-            <a:r>
-              <a:rPr lang="en-GB" dirty="0"/>
-              <a:t>?</a:t>
-            </a:r>
-            <a:endParaRPr lang="en-GB" dirty="0"/>
-          </a:p>
-        </p:txBody>
-      </p:sp>
-      <p:sp>
-        <p:nvSpPr>
-          <p:cNvPr id="3" name="Content Placeholder 2"/>
-          <p:cNvSpPr>
-            <a:spLocks noGrp="1"/>
-          </p:cNvSpPr>
-          <p:nvPr>
-            <p:ph idx="1"/>
-          </p:nvPr>
-        </p:nvSpPr>
-        <p:spPr/>
-        <p:txBody>
-          <a:bodyPr>
-            <a:normAutofit/>
-          </a:bodyPr>
-          <a:lstStyle/>
-          <a:p>
-            <a:endParaRPr lang="en-GB" dirty="0"/>
-          </a:p>
-        </p:txBody>
-      </p:sp>
-    </p:spTree>
-    <p:extLst>
-      <p:ext uri="{BB962C8B-B14F-4D97-AF65-F5344CB8AC3E}">
-        <p14:creationId xmlns:p14="http://schemas.microsoft.com/office/powerpoint/2010/main" val="3653776147"/>
-      </p:ext>
-    </p:extLst>
-  </p:cSld>
-  <p:clrMapOvr>
-    <a:masterClrMapping/>
-  </p:clrMapOvr>
-  <p:timing>
-    <p:tnLst>
-      <p:par>
-        <p:cTn id="1" dur="indefinite" restart="never" nodeType="tmRoot"/>
-      </p:par>
-    </p:tnLst>
-  </p:timing>
-</p:sld>
-</file>
-
 <file path=ppt/slides/slide3.xml><?xml version="1.0" encoding="utf-8"?>
 <p:sld xmlns:a="http://schemas.openxmlformats.org/drawingml/2006/main" xmlns:r="http://schemas.openxmlformats.org/officeDocument/2006/relationships" xmlns:p="http://schemas.openxmlformats.org/presentationml/2006/main">
   <p:cSld>
@@ -8904,9 +9175,14 @@
           <a:bodyPr/>
           <a:lstStyle/>
           <a:p>
-            <a:r>
-              <a:rPr lang="en-GB" dirty="0" smtClean="0"/>
-              <a:t>Why computer vision?	</a:t>
+            <a:pPr algn="ctr"/>
+            <a:r>
+              <a:rPr lang="en-GB" dirty="0" smtClean="0"/>
+              <a:t>DEMONSTRATION</a:t>
+            </a:r>
+            <a:r>
+              <a:rPr lang="en-GB" dirty="0" smtClean="0"/>
+              <a:t>	</a:t>
             </a:r>
             <a:endParaRPr lang="en-GB" dirty="0"/>
           </a:p>
@@ -8929,14 +9205,13 @@
           <a:p>
             <a:r>
               <a:rPr lang="en-GB" dirty="0" smtClean="0"/>
-              <a:t>Cases</a:t>
-            </a:r>
-          </a:p>
-          <a:p>
-            <a:r>
-              <a:rPr lang="en-GB" dirty="0" smtClean="0"/>
-              <a:t>Quick demo</a:t>
-            </a:r>
+              <a:t>Computer Vision/Face Recognition algorithm running an a Linux embedded device</a:t>
+            </a:r>
+          </a:p>
+          <a:p>
+            <a:pPr marL="0" indent="0">
+              <a:buNone/>
+            </a:pPr>
             <a:endParaRPr lang="en-GB" dirty="0"/>
           </a:p>
         </p:txBody>
@@ -8993,6 +9268,257 @@
           <a:bodyPr/>
           <a:lstStyle/>
           <a:p>
+            <a:r>
+              <a:rPr lang="en-GB" dirty="0" smtClean="0"/>
+              <a:t>Computer Vision - Ethical Aspects</a:t>
+            </a:r>
+            <a:endParaRPr lang="en-GB" dirty="0"/>
+          </a:p>
+        </p:txBody>
+      </p:sp>
+      <p:sp>
+        <p:nvSpPr>
+          <p:cNvPr id="3" name="Content Placeholder 2"/>
+          <p:cNvSpPr>
+            <a:spLocks noGrp="1"/>
+          </p:cNvSpPr>
+          <p:nvPr>
+            <p:ph idx="1"/>
+          </p:nvPr>
+        </p:nvSpPr>
+        <p:spPr/>
+        <p:txBody>
+          <a:bodyPr>
+            <a:normAutofit lnSpcReduction="10000"/>
+          </a:bodyPr>
+          <a:lstStyle/>
+          <a:p>
+            <a:r>
+              <a:rPr lang="en-GB" dirty="0"/>
+              <a:t>Who is making the decision?</a:t>
+            </a:r>
+          </a:p>
+          <a:p>
+            <a:r>
+              <a:rPr lang="en-GB" dirty="0"/>
+              <a:t>E</a:t>
+            </a:r>
+            <a:r>
+              <a:rPr lang="en-GB" dirty="0" smtClean="0"/>
+              <a:t>thical </a:t>
+            </a:r>
+            <a:r>
+              <a:rPr lang="en-GB" dirty="0"/>
+              <a:t>implications around user perceptions of trust in the underlying technology should be considered and supported</a:t>
+            </a:r>
+            <a:r>
+              <a:rPr lang="en-GB" dirty="0" smtClean="0"/>
+              <a:t> </a:t>
+            </a:r>
+          </a:p>
+          <a:p>
+            <a:r>
+              <a:rPr lang="en-GB" dirty="0" smtClean="0"/>
+              <a:t>Long Term Care Sector (caring for the elderly)</a:t>
+            </a:r>
+          </a:p>
+          <a:p>
+            <a:r>
+              <a:rPr lang="en-GB" dirty="0" smtClean="0"/>
+              <a:t>Computer Vision system for tracking </a:t>
+            </a:r>
+            <a:r>
+              <a:rPr lang="en-GB" dirty="0"/>
+              <a:t>resident food and fluid </a:t>
+            </a:r>
+            <a:r>
+              <a:rPr lang="en-GB" dirty="0" smtClean="0"/>
+              <a:t>intake</a:t>
+            </a:r>
+          </a:p>
+          <a:p>
+            <a:r>
+              <a:rPr lang="en-GB" dirty="0" smtClean="0"/>
+              <a:t>Decision </a:t>
+            </a:r>
+            <a:r>
+              <a:rPr lang="en-GB" dirty="0"/>
+              <a:t>making rests with humans </a:t>
+            </a:r>
+            <a:endParaRPr lang="en-GB" dirty="0" smtClean="0">
+              <a:hlinkClick r:id="rId3"/>
+            </a:endParaRPr>
+          </a:p>
+          <a:p>
+            <a:r>
+              <a:rPr lang="en-GB" dirty="0" smtClean="0"/>
+              <a:t>The tracking system </a:t>
+            </a:r>
+            <a:r>
+              <a:rPr lang="en-GB" dirty="0"/>
+              <a:t>is a decision-making aid</a:t>
+            </a:r>
+            <a:endParaRPr lang="en-GB" dirty="0">
+              <a:hlinkClick r:id="rId3"/>
+            </a:endParaRPr>
+          </a:p>
+          <a:p>
+            <a:endParaRPr lang="en-GB" dirty="0" smtClean="0">
+              <a:hlinkClick r:id="rId3"/>
+            </a:endParaRPr>
+          </a:p>
+          <a:p>
+            <a:r>
+              <a:rPr lang="en-GB" dirty="0" smtClean="0">
+                <a:hlinkClick r:id="rId3"/>
+              </a:rPr>
+              <a:t>arXiv:1905.12487</a:t>
+            </a:r>
+            <a:endParaRPr lang="en-GB" dirty="0"/>
+          </a:p>
+        </p:txBody>
+      </p:sp>
+    </p:spTree>
+    <p:extLst>
+      <p:ext uri="{BB962C8B-B14F-4D97-AF65-F5344CB8AC3E}">
+        <p14:creationId xmlns:p14="http://schemas.microsoft.com/office/powerpoint/2010/main" val="1196113875"/>
+      </p:ext>
+    </p:extLst>
+  </p:cSld>
+  <p:clrMapOvr>
+    <a:masterClrMapping/>
+  </p:clrMapOvr>
+  <p:timing>
+    <p:tnLst>
+      <p:par>
+        <p:cTn id="1" dur="indefinite" restart="never" nodeType="tmRoot"/>
+      </p:par>
+    </p:tnLst>
+  </p:timing>
+</p:sld>
+</file>
+
+<file path=ppt/slides/slide31.xml><?xml version="1.0" encoding="utf-8"?>
+<p:sld xmlns:a="http://schemas.openxmlformats.org/drawingml/2006/main" xmlns:r="http://schemas.openxmlformats.org/officeDocument/2006/relationships" xmlns:p="http://schemas.openxmlformats.org/presentationml/2006/main">
+  <p:cSld>
+    <p:spTree>
+      <p:nvGrpSpPr>
+        <p:cNvPr id="1" name=""/>
+        <p:cNvGrpSpPr/>
+        <p:nvPr/>
+      </p:nvGrpSpPr>
+      <p:grpSpPr>
+        <a:xfrm>
+          <a:off x="0" y="0"/>
+          <a:ext cx="0" cy="0"/>
+          <a:chOff x="0" y="0"/>
+          <a:chExt cx="0" cy="0"/>
+        </a:xfrm>
+      </p:grpSpPr>
+      <p:sp>
+        <p:nvSpPr>
+          <p:cNvPr id="2" name="Title 1"/>
+          <p:cNvSpPr>
+            <a:spLocks noGrp="1"/>
+          </p:cNvSpPr>
+          <p:nvPr>
+            <p:ph type="title"/>
+          </p:nvPr>
+        </p:nvSpPr>
+        <p:spPr/>
+        <p:txBody>
+          <a:bodyPr/>
+          <a:lstStyle/>
+          <a:p>
+            <a:pPr algn="ctr"/>
+            <a:r>
+              <a:rPr lang="en-GB" dirty="0"/>
+              <a:t>Do algorithms </a:t>
+            </a:r>
+            <a:r>
+              <a:rPr lang="en-GB" i="1" dirty="0"/>
+              <a:t>discriminate</a:t>
+            </a:r>
+            <a:r>
+              <a:rPr lang="en-GB" dirty="0"/>
+              <a:t>?</a:t>
+            </a:r>
+          </a:p>
+        </p:txBody>
+      </p:sp>
+      <p:sp>
+        <p:nvSpPr>
+          <p:cNvPr id="3" name="Content Placeholder 2"/>
+          <p:cNvSpPr>
+            <a:spLocks noGrp="1"/>
+          </p:cNvSpPr>
+          <p:nvPr>
+            <p:ph idx="1"/>
+          </p:nvPr>
+        </p:nvSpPr>
+        <p:spPr/>
+        <p:txBody>
+          <a:bodyPr>
+            <a:normAutofit/>
+          </a:bodyPr>
+          <a:lstStyle/>
+          <a:p>
+            <a:endParaRPr lang="en-GB" dirty="0"/>
+          </a:p>
+        </p:txBody>
+      </p:sp>
+    </p:spTree>
+    <p:extLst>
+      <p:ext uri="{BB962C8B-B14F-4D97-AF65-F5344CB8AC3E}">
+        <p14:creationId xmlns:p14="http://schemas.microsoft.com/office/powerpoint/2010/main" val="3653776147"/>
+      </p:ext>
+    </p:extLst>
+  </p:cSld>
+  <p:clrMapOvr>
+    <a:masterClrMapping/>
+  </p:clrMapOvr>
+  <p:timing>
+    <p:tnLst>
+      <p:par>
+        <p:cTn id="1" dur="indefinite" restart="never" nodeType="tmRoot"/>
+      </p:par>
+    </p:tnLst>
+  </p:timing>
+</p:sld>
+</file>
+
+<file path=ppt/slides/slide32.xml><?xml version="1.0" encoding="utf-8"?>
+<p:sld xmlns:a="http://schemas.openxmlformats.org/drawingml/2006/main" xmlns:r="http://schemas.openxmlformats.org/officeDocument/2006/relationships" xmlns:p="http://schemas.openxmlformats.org/presentationml/2006/main">
+  <p:cSld>
+    <p:spTree>
+      <p:nvGrpSpPr>
+        <p:cNvPr id="1" name=""/>
+        <p:cNvGrpSpPr/>
+        <p:nvPr/>
+      </p:nvGrpSpPr>
+      <p:grpSpPr>
+        <a:xfrm>
+          <a:off x="0" y="0"/>
+          <a:ext cx="0" cy="0"/>
+          <a:chOff x="0" y="0"/>
+          <a:chExt cx="0" cy="0"/>
+        </a:xfrm>
+      </p:grpSpPr>
+      <p:sp>
+        <p:nvSpPr>
+          <p:cNvPr id="2" name="Title 1"/>
+          <p:cNvSpPr>
+            <a:spLocks noGrp="1"/>
+          </p:cNvSpPr>
+          <p:nvPr>
+            <p:ph type="title"/>
+          </p:nvPr>
+        </p:nvSpPr>
+        <p:spPr/>
+        <p:txBody>
+          <a:bodyPr/>
+          <a:lstStyle/>
+          <a:p>
             <a:endParaRPr lang="en-GB"/>
           </a:p>
         </p:txBody>
@@ -9036,7 +9562,7 @@
 </p:sld>
 </file>
 
-<file path=ppt/slides/slide31.xml><?xml version="1.0" encoding="utf-8"?>
+<file path=ppt/slides/slide33.xml><?xml version="1.0" encoding="utf-8"?>
 <p:sld xmlns:a="http://schemas.openxmlformats.org/drawingml/2006/main" xmlns:r="http://schemas.openxmlformats.org/officeDocument/2006/relationships" xmlns:p="http://schemas.openxmlformats.org/presentationml/2006/main">
   <p:cSld>
     <p:spTree>
@@ -9172,62 +9698,208 @@
           <a:bodyPr/>
           <a:lstStyle/>
           <a:p>
-            <a:r>
-              <a:rPr lang="en-GB" dirty="0" smtClean="0"/>
-              <a:t>My take	</a:t>
+            <a:pPr algn="ctr"/>
+            <a:r>
+              <a:rPr lang="en-GB" dirty="0" smtClean="0"/>
+              <a:t>Motivation</a:t>
             </a:r>
             <a:endParaRPr lang="en-GB" dirty="0"/>
           </a:p>
         </p:txBody>
       </p:sp>
-      <p:sp>
-        <p:nvSpPr>
-          <p:cNvPr id="3" name="Content Placeholder 2"/>
-          <p:cNvSpPr>
-            <a:spLocks noGrp="1"/>
-          </p:cNvSpPr>
+      <p:pic>
+        <p:nvPicPr>
+          <p:cNvPr id="1026" name="Picture 2" descr="https://upload.wikimedia.org/wikipedia/commons/thumb/a/ab/Oil_platform_P-51_%28Brazil%29.jpg/1280px-Oil_platform_P-51_%28Brazil%29.jpg"/>
+          <p:cNvPicPr>
+            <a:picLocks noGrp="1" noChangeAspect="1" noChangeArrowheads="1"/>
+          </p:cNvPicPr>
           <p:nvPr>
             <p:ph idx="1"/>
           </p:nvPr>
-        </p:nvSpPr>
-        <p:spPr/>
-        <p:txBody>
-          <a:bodyPr/>
-          <a:lstStyle/>
-          <a:p>
-            <a:r>
-              <a:rPr lang="en-GB" dirty="0" smtClean="0"/>
-              <a:t>Flame detectors</a:t>
-            </a:r>
-          </a:p>
-          <a:p>
-            <a:r>
-              <a:rPr lang="en-GB" dirty="0" smtClean="0"/>
-              <a:t>Signal processing</a:t>
-            </a:r>
-          </a:p>
-          <a:p>
-            <a:r>
-              <a:rPr lang="en-GB" dirty="0" smtClean="0"/>
-              <a:t>“Rules-based”</a:t>
-            </a:r>
-          </a:p>
-          <a:p>
-            <a:r>
-              <a:rPr lang="en-GB" dirty="0" smtClean="0"/>
-              <a:t>Thresholds</a:t>
-            </a:r>
-          </a:p>
-          <a:p>
-            <a:r>
-              <a:rPr lang="en-GB" dirty="0" smtClean="0"/>
-              <a:t>Counts</a:t>
-            </a:r>
-          </a:p>
-          <a:p>
-            <a:r>
-              <a:rPr lang="en-GB" dirty="0" smtClean="0"/>
-              <a:t>Exceptions to the rule (e.g. 5G interference)</a:t>
+        </p:nvPicPr>
+        <p:blipFill>
+          <a:blip r:embed="rId3">
+            <a:extLst>
+              <a:ext uri="{28A0092B-C50C-407E-A947-70E740481C1C}">
+                <a14:useLocalDpi xmlns:a14="http://schemas.microsoft.com/office/drawing/2010/main" val="0"/>
+              </a:ext>
+            </a:extLst>
+          </a:blip>
+          <a:srcRect/>
+          <a:stretch>
+            <a:fillRect/>
+          </a:stretch>
+        </p:blipFill>
+        <p:spPr bwMode="auto">
+          <a:xfrm>
+            <a:off x="838200" y="2017839"/>
+            <a:ext cx="4697627" cy="3619846"/>
+          </a:xfrm>
+          <a:prstGeom prst="rect">
+            <a:avLst/>
+          </a:prstGeom>
+          <a:noFill/>
+          <a:extLst>
+            <a:ext uri="{909E8E84-426E-40DD-AFC4-6F175D3DCCD1}">
+              <a14:hiddenFill xmlns:a14="http://schemas.microsoft.com/office/drawing/2010/main">
+                <a:solidFill>
+                  <a:srgbClr val="FFFFFF"/>
+                </a:solidFill>
+              </a14:hiddenFill>
+            </a:ext>
+          </a:extLst>
+        </p:spPr>
+      </p:pic>
+      <p:pic>
+        <p:nvPicPr>
+          <p:cNvPr id="1028" name="Picture 4" descr="https://upload.wikimedia.org/wikipedia/commons/thumb/b/ba/Oil_platform_Norway.jpg/800px-Oil_platform_Norway.jpg"/>
+          <p:cNvPicPr>
+            <a:picLocks noChangeAspect="1" noChangeArrowheads="1"/>
+          </p:cNvPicPr>
+          <p:nvPr/>
+        </p:nvPicPr>
+        <p:blipFill>
+          <a:blip r:embed="rId4" cstate="print">
+            <a:extLst>
+              <a:ext uri="{28A0092B-C50C-407E-A947-70E740481C1C}">
+                <a14:useLocalDpi xmlns:a14="http://schemas.microsoft.com/office/drawing/2010/main" val="0"/>
+              </a:ext>
+            </a:extLst>
+          </a:blip>
+          <a:srcRect/>
+          <a:stretch>
+            <a:fillRect/>
+          </a:stretch>
+        </p:blipFill>
+        <p:spPr bwMode="auto">
+          <a:xfrm>
+            <a:off x="5535826" y="2017839"/>
+            <a:ext cx="2948955" cy="3619846"/>
+          </a:xfrm>
+          <a:prstGeom prst="rect">
+            <a:avLst/>
+          </a:prstGeom>
+          <a:noFill/>
+          <a:extLst>
+            <a:ext uri="{909E8E84-426E-40DD-AFC4-6F175D3DCCD1}">
+              <a14:hiddenFill xmlns:a14="http://schemas.microsoft.com/office/drawing/2010/main">
+                <a:solidFill>
+                  <a:srgbClr val="FFFFFF"/>
+                </a:solidFill>
+              </a14:hiddenFill>
+            </a:ext>
+          </a:extLst>
+        </p:spPr>
+      </p:pic>
+      <p:pic>
+        <p:nvPicPr>
+          <p:cNvPr id="6" name="Picture 2" descr="https://upload.wikimedia.org/wikipedia/commons/thumb/c/cc/Colonne_distillazione.jpg/800px-Colonne_distillazione.jpg"/>
+          <p:cNvPicPr>
+            <a:picLocks noChangeAspect="1" noChangeArrowheads="1"/>
+          </p:cNvPicPr>
+          <p:nvPr/>
+        </p:nvPicPr>
+        <p:blipFill>
+          <a:blip r:embed="rId5" cstate="print">
+            <a:extLst>
+              <a:ext uri="{28A0092B-C50C-407E-A947-70E740481C1C}">
+                <a14:useLocalDpi xmlns:a14="http://schemas.microsoft.com/office/drawing/2010/main" val="0"/>
+              </a:ext>
+            </a:extLst>
+          </a:blip>
+          <a:srcRect/>
+          <a:stretch>
+            <a:fillRect/>
+          </a:stretch>
+        </p:blipFill>
+        <p:spPr bwMode="auto">
+          <a:xfrm>
+            <a:off x="8484782" y="2017839"/>
+            <a:ext cx="2747511" cy="3619846"/>
+          </a:xfrm>
+          <a:prstGeom prst="rect">
+            <a:avLst/>
+          </a:prstGeom>
+          <a:noFill/>
+          <a:extLst>
+            <a:ext uri="{909E8E84-426E-40DD-AFC4-6F175D3DCCD1}">
+              <a14:hiddenFill xmlns:a14="http://schemas.microsoft.com/office/drawing/2010/main">
+                <a:solidFill>
+                  <a:srgbClr val="FFFFFF"/>
+                </a:solidFill>
+              </a14:hiddenFill>
+            </a:ext>
+          </a:extLst>
+        </p:spPr>
+      </p:pic>
+      <p:sp>
+        <p:nvSpPr>
+          <p:cNvPr id="4" name="TextBox 3"/>
+          <p:cNvSpPr txBox="1"/>
+          <p:nvPr/>
+        </p:nvSpPr>
+        <p:spPr>
+          <a:xfrm>
+            <a:off x="799070" y="1455909"/>
+            <a:ext cx="7959811" cy="923330"/>
+          </a:xfrm>
+          <a:prstGeom prst="rect">
+            <a:avLst/>
+          </a:prstGeom>
+          <a:noFill/>
+        </p:spPr>
+        <p:txBody>
+          <a:bodyPr wrap="square" rtlCol="0">
+            <a:spAutoFit/>
+          </a:bodyPr>
+          <a:lstStyle/>
+          <a:p>
+            <a:pPr marL="285750" indent="-285750">
+              <a:buFont typeface="Arial" panose="020B0604020202020204" pitchFamily="34" charset="0"/>
+              <a:buChar char="•"/>
+            </a:pPr>
+            <a:r>
+              <a:rPr lang="en-GB" dirty="0" smtClean="0"/>
+              <a:t>Apply computer vision to flame detectors in hazardous areas</a:t>
+            </a:r>
+          </a:p>
+          <a:p>
+            <a:pPr marL="285750" indent="-285750">
+              <a:buFont typeface="Arial" panose="020B0604020202020204" pitchFamily="34" charset="0"/>
+              <a:buChar char="•"/>
+            </a:pPr>
+            <a:endParaRPr lang="en-GB" dirty="0" smtClean="0"/>
+          </a:p>
+          <a:p>
+            <a:endParaRPr lang="en-GB" dirty="0"/>
+          </a:p>
+        </p:txBody>
+      </p:sp>
+      <p:sp>
+        <p:nvSpPr>
+          <p:cNvPr id="5" name="TextBox 4"/>
+          <p:cNvSpPr txBox="1"/>
+          <p:nvPr/>
+        </p:nvSpPr>
+        <p:spPr>
+          <a:xfrm>
+            <a:off x="838200" y="6178378"/>
+            <a:ext cx="5414319" cy="307777"/>
+          </a:xfrm>
+          <a:prstGeom prst="rect">
+            <a:avLst/>
+          </a:prstGeom>
+          <a:noFill/>
+        </p:spPr>
+        <p:txBody>
+          <a:bodyPr wrap="square" rtlCol="0">
+            <a:spAutoFit/>
+          </a:bodyPr>
+          <a:lstStyle/>
+          <a:p>
+            <a:r>
+              <a:rPr lang="en-GB" sz="1400" dirty="0"/>
+              <a:t>https://en.wikipedia.org/</a:t>
             </a:r>
           </a:p>
         </p:txBody>
@@ -9235,7 +9907,7 @@
     </p:spTree>
     <p:extLst>
       <p:ext uri="{BB962C8B-B14F-4D97-AF65-F5344CB8AC3E}">
-        <p14:creationId xmlns:p14="http://schemas.microsoft.com/office/powerpoint/2010/main" val="1576555190"/>
+        <p14:creationId xmlns:p14="http://schemas.microsoft.com/office/powerpoint/2010/main" val="3282392061"/>
       </p:ext>
     </p:extLst>
   </p:cSld>
@@ -9287,78 +9959,98 @@
             <a:pPr algn="ctr"/>
             <a:r>
               <a:rPr lang="en-GB" dirty="0" smtClean="0"/>
-              <a:t>Detecting a flame – the traditional way</a:t>
+              <a:t>Motivation</a:t>
             </a:r>
             <a:endParaRPr lang="en-GB" dirty="0"/>
           </a:p>
         </p:txBody>
       </p:sp>
-      <p:pic>
-        <p:nvPicPr>
-          <p:cNvPr id="4" name="Content Placeholder 3"/>
-          <p:cNvPicPr>
-            <a:picLocks noGrp="1" noChangeAspect="1"/>
-          </p:cNvPicPr>
+      <p:sp>
+        <p:nvSpPr>
+          <p:cNvPr id="3" name="Content Placeholder 2"/>
+          <p:cNvSpPr>
+            <a:spLocks noGrp="1"/>
+          </p:cNvSpPr>
           <p:nvPr>
             <p:ph idx="1"/>
           </p:nvPr>
-        </p:nvPicPr>
-        <p:blipFill>
-          <a:blip r:embed="rId3">
-            <a:extLst>
-              <a:ext uri="{28A0092B-C50C-407E-A947-70E740481C1C}">
-                <a14:useLocalDpi xmlns:a14="http://schemas.microsoft.com/office/drawing/2010/main" val="0"/>
-              </a:ext>
-            </a:extLst>
-          </a:blip>
-          <a:stretch>
-            <a:fillRect/>
-          </a:stretch>
-        </p:blipFill>
-        <p:spPr>
-          <a:xfrm>
-            <a:off x="1631092" y="1447979"/>
-            <a:ext cx="8575589" cy="4877266"/>
-          </a:xfrm>
-        </p:spPr>
-      </p:pic>
-      <p:sp>
-        <p:nvSpPr>
-          <p:cNvPr id="5" name="Rectangle 4"/>
-          <p:cNvSpPr/>
-          <p:nvPr/>
-        </p:nvSpPr>
-        <p:spPr>
-          <a:xfrm>
-            <a:off x="1456038" y="6336187"/>
-            <a:ext cx="8419070" cy="369332"/>
-          </a:xfrm>
-          <a:prstGeom prst="rect">
-            <a:avLst/>
-          </a:prstGeom>
-        </p:spPr>
-        <p:txBody>
-          <a:bodyPr wrap="square">
-            <a:spAutoFit/>
-          </a:bodyPr>
-          <a:lstStyle/>
-          <a:p>
-            <a:r>
-              <a:rPr lang="en-GB" dirty="0"/>
-              <a:t> </a:t>
-            </a:r>
-            <a:r>
-              <a:rPr lang="en-GB" dirty="0" smtClean="0"/>
-              <a:t>© Data Science Society, City, University of London</a:t>
-            </a:r>
-            <a:endParaRPr lang="en-GB" dirty="0"/>
+        </p:nvSpPr>
+        <p:spPr/>
+        <p:txBody>
+          <a:bodyPr/>
+          <a:lstStyle/>
+          <a:p>
+            <a:r>
+              <a:rPr lang="en-GB" dirty="0" smtClean="0"/>
+              <a:t>Harnessing computer vision for</a:t>
+            </a:r>
+          </a:p>
+          <a:p>
+            <a:pPr lvl="1"/>
+            <a:r>
+              <a:rPr lang="en-GB" dirty="0" smtClean="0"/>
+              <a:t>Flame detectors</a:t>
+            </a:r>
+          </a:p>
+          <a:p>
+            <a:pPr lvl="1"/>
+            <a:r>
+              <a:rPr lang="en-GB" dirty="0" smtClean="0"/>
+              <a:t>Signal processing</a:t>
+            </a:r>
+          </a:p>
+          <a:p>
+            <a:pPr marL="457200" lvl="1" indent="0">
+              <a:buNone/>
+            </a:pPr>
+            <a:endParaRPr lang="en-GB" dirty="0" smtClean="0"/>
+          </a:p>
+          <a:p>
+            <a:r>
+              <a:rPr lang="en-GB" dirty="0" smtClean="0"/>
+              <a:t>Move away from (or have the option to):</a:t>
+            </a:r>
+          </a:p>
+          <a:p>
+            <a:pPr lvl="1"/>
+            <a:r>
+              <a:rPr lang="en-GB" dirty="0" smtClean="0"/>
+              <a:t>“Rules-based” programming</a:t>
+            </a:r>
+          </a:p>
+          <a:p>
+            <a:pPr lvl="1"/>
+            <a:r>
+              <a:rPr lang="en-GB" dirty="0" smtClean="0"/>
+              <a:t>Thresholds</a:t>
+            </a:r>
+            <a:endParaRPr lang="en-GB" dirty="0" smtClean="0"/>
+          </a:p>
+          <a:p>
+            <a:pPr lvl="1"/>
+            <a:r>
+              <a:rPr lang="en-GB" dirty="0" smtClean="0"/>
+              <a:t>Counts</a:t>
+            </a:r>
+          </a:p>
+          <a:p>
+            <a:pPr lvl="1"/>
+            <a:r>
+              <a:rPr lang="en-GB" dirty="0" smtClean="0"/>
+              <a:t>Exceptions to the </a:t>
+            </a:r>
+            <a:r>
+              <a:rPr lang="en-GB" dirty="0" smtClean="0"/>
+              <a:t>rules</a:t>
+            </a:r>
+            <a:endParaRPr lang="en-GB" dirty="0" smtClean="0"/>
           </a:p>
         </p:txBody>
       </p:sp>
     </p:spTree>
     <p:extLst>
       <p:ext uri="{BB962C8B-B14F-4D97-AF65-F5344CB8AC3E}">
-        <p14:creationId xmlns:p14="http://schemas.microsoft.com/office/powerpoint/2010/main" val="1419048128"/>
+        <p14:creationId xmlns:p14="http://schemas.microsoft.com/office/powerpoint/2010/main" val="1576555190"/>
       </p:ext>
     </p:extLst>
   </p:cSld>
@@ -9410,7 +10102,7 @@
             <a:pPr algn="ctr"/>
             <a:r>
               <a:rPr lang="en-GB" dirty="0" smtClean="0"/>
-              <a:t>Detecting a flame – false alarm (EMI)</a:t>
+              <a:t>Motivation</a:t>
             </a:r>
             <a:endParaRPr lang="en-GB" dirty="0"/>
           </a:p>
@@ -9426,27 +10118,29 @@
             <p:ph idx="1"/>
           </p:nvPr>
         </p:nvSpPr>
-        <p:spPr/>
-        <p:txBody>
-          <a:bodyPr/>
-          <a:lstStyle/>
-          <a:p>
-            <a:pPr marL="0" indent="0">
-              <a:buNone/>
-            </a:pPr>
-            <a:r>
-              <a:rPr lang="en-GB" dirty="0" smtClean="0"/>
-              <a:t> </a:t>
-            </a:r>
-            <a:endParaRPr lang="en-GB" dirty="0"/>
+        <p:spPr>
+          <a:xfrm>
+            <a:off x="838200" y="1825625"/>
+            <a:ext cx="10515600" cy="497445"/>
+          </a:xfrm>
+        </p:spPr>
+        <p:txBody>
+          <a:bodyPr/>
+          <a:lstStyle/>
+          <a:p>
+            <a:r>
+              <a:rPr lang="en-GB" dirty="0" smtClean="0"/>
+              <a:t>What I use at the moment - Pyroelectric sensors</a:t>
+            </a:r>
+            <a:endParaRPr lang="en-GB" dirty="0" smtClean="0"/>
           </a:p>
         </p:txBody>
       </p:sp>
       <p:pic>
         <p:nvPicPr>
-          <p:cNvPr id="8" name="Picture 7"/>
+          <p:cNvPr id="3074" name="Picture 2" descr="https://upload.wikimedia.org/wikipedia/commons/b/b9/Pyroelectric_detectors_from_InfraTec.jpg"/>
           <p:cNvPicPr>
-            <a:picLocks noChangeAspect="1"/>
+            <a:picLocks noChangeAspect="1" noChangeArrowheads="1"/>
           </p:cNvPicPr>
           <p:nvPr/>
         </p:nvPicPr>
@@ -9458,57 +10152,64 @@
               </a:ext>
             </a:extLst>
           </a:blip>
+          <a:srcRect/>
           <a:stretch>
             <a:fillRect/>
           </a:stretch>
         </p:blipFill>
-        <p:spPr>
+        <p:spPr bwMode="auto">
           <a:xfrm>
-            <a:off x="1565670" y="1547317"/>
-            <a:ext cx="8801649" cy="4754629"/>
+            <a:off x="3800819" y="2458007"/>
+            <a:ext cx="5108403" cy="3336383"/>
           </a:xfrm>
           <a:prstGeom prst="rect">
             <a:avLst/>
           </a:prstGeom>
+          <a:noFill/>
+          <a:extLst>
+            <a:ext uri="{909E8E84-426E-40DD-AFC4-6F175D3DCCD1}">
+              <a14:hiddenFill xmlns:a14="http://schemas.microsoft.com/office/drawing/2010/main">
+                <a:solidFill>
+                  <a:srgbClr val="FFFFFF"/>
+                </a:solidFill>
+              </a14:hiddenFill>
+            </a:ext>
+          </a:extLst>
         </p:spPr>
       </p:pic>
       <p:sp>
         <p:nvSpPr>
-          <p:cNvPr id="5" name="Rectangle 4"/>
-          <p:cNvSpPr/>
+          <p:cNvPr id="5" name="TextBox 4"/>
+          <p:cNvSpPr txBox="1"/>
           <p:nvPr/>
         </p:nvSpPr>
         <p:spPr>
           <a:xfrm>
-            <a:off x="1272745" y="6311900"/>
-            <a:ext cx="8155459" cy="369332"/>
+            <a:off x="838200" y="6178378"/>
+            <a:ext cx="10146957" cy="307777"/>
           </a:xfrm>
           <a:prstGeom prst="rect">
             <a:avLst/>
           </a:prstGeom>
+          <a:noFill/>
         </p:spPr>
         <p:txBody>
-          <a:bodyPr wrap="square">
+          <a:bodyPr wrap="square" rtlCol="0">
             <a:spAutoFit/>
           </a:bodyPr>
           <a:lstStyle/>
           <a:p>
             <a:r>
-              <a:rPr lang="en-GB" dirty="0"/>
-              <a:t> </a:t>
-            </a:r>
-            <a:r>
-              <a:rPr lang="en-GB" dirty="0" smtClean="0"/>
-              <a:t>© Data Science Society, City, University of London</a:t>
-            </a:r>
-            <a:endParaRPr lang="en-GB" dirty="0"/>
+              <a:rPr lang="en-GB" sz="1400" dirty="0"/>
+              <a:t>https://upload.wikimedia.org/wikipedia/commons/b/b9/Pyroelectric_detectors_from_InfraTec.jpg</a:t>
+            </a:r>
           </a:p>
         </p:txBody>
       </p:sp>
     </p:spTree>
     <p:extLst>
       <p:ext uri="{BB962C8B-B14F-4D97-AF65-F5344CB8AC3E}">
-        <p14:creationId xmlns:p14="http://schemas.microsoft.com/office/powerpoint/2010/main" val="1747612114"/>
+        <p14:creationId xmlns:p14="http://schemas.microsoft.com/office/powerpoint/2010/main" val="2572707059"/>
       </p:ext>
     </p:extLst>
   </p:cSld>
@@ -9560,7 +10261,7 @@
             <a:pPr algn="ctr"/>
             <a:r>
               <a:rPr lang="en-GB" dirty="0" smtClean="0"/>
-              <a:t>Raspberry Pi Zero W</a:t>
+              <a:t>Detecting a flame – the traditional way</a:t>
             </a:r>
             <a:endParaRPr lang="en-GB" dirty="0"/>
           </a:p>
@@ -9568,7 +10269,7 @@
       </p:sp>
       <p:pic>
         <p:nvPicPr>
-          <p:cNvPr id="6" name="Content Placeholder 5"/>
+          <p:cNvPr id="4" name="Content Placeholder 3"/>
           <p:cNvPicPr>
             <a:picLocks noGrp="1" noChangeAspect="1"/>
           </p:cNvPicPr>
@@ -9590,15 +10291,48 @@
         </p:blipFill>
         <p:spPr>
           <a:xfrm>
-            <a:off x="1277379" y="1412039"/>
-            <a:ext cx="9637241" cy="4690124"/>
+            <a:off x="1631092" y="1447979"/>
+            <a:ext cx="8575589" cy="4877266"/>
           </a:xfrm>
         </p:spPr>
       </p:pic>
+      <p:sp>
+        <p:nvSpPr>
+          <p:cNvPr id="5" name="Rectangle 4"/>
+          <p:cNvSpPr/>
+          <p:nvPr/>
+        </p:nvSpPr>
+        <p:spPr>
+          <a:xfrm>
+            <a:off x="1456038" y="6336187"/>
+            <a:ext cx="8419070" cy="369332"/>
+          </a:xfrm>
+          <a:prstGeom prst="rect">
+            <a:avLst/>
+          </a:prstGeom>
+        </p:spPr>
+        <p:txBody>
+          <a:bodyPr wrap="square">
+            <a:spAutoFit/>
+          </a:bodyPr>
+          <a:lstStyle/>
+          <a:p>
+            <a:r>
+              <a:rPr lang="en-GB" dirty="0"/>
+              <a:t> </a:t>
+            </a:r>
+            <a:r>
+              <a:rPr lang="en-GB" dirty="0" smtClean="0"/>
+              <a:t>© Data Science Society, City, University of London</a:t>
+            </a:r>
+            <a:endParaRPr lang="en-GB" dirty="0"/>
+          </a:p>
+        </p:txBody>
+      </p:sp>
     </p:spTree>
     <p:extLst>
       <p:ext uri="{BB962C8B-B14F-4D97-AF65-F5344CB8AC3E}">
-        <p14:creationId xmlns:p14="http://schemas.microsoft.com/office/powerpoint/2010/main" val="2269338655"/>
+        <p14:creationId xmlns:p14="http://schemas.microsoft.com/office/powerpoint/2010/main" val="1419048128"/>
       </p:ext>
     </p:extLst>
   </p:cSld>
@@ -9650,7 +10384,33 @@
             <a:pPr algn="ctr"/>
             <a:r>
               <a:rPr lang="en-GB" dirty="0" smtClean="0"/>
-              <a:t>Raspberry Pi Zero W – Memory Card</a:t>
+              <a:t>Detecting a flame – false alarm (EMI)</a:t>
+            </a:r>
+            <a:endParaRPr lang="en-GB" dirty="0"/>
+          </a:p>
+        </p:txBody>
+      </p:sp>
+      <p:sp>
+        <p:nvSpPr>
+          <p:cNvPr id="3" name="Content Placeholder 2"/>
+          <p:cNvSpPr>
+            <a:spLocks noGrp="1"/>
+          </p:cNvSpPr>
+          <p:nvPr>
+            <p:ph idx="1"/>
+          </p:nvPr>
+        </p:nvSpPr>
+        <p:spPr/>
+        <p:txBody>
+          <a:bodyPr/>
+          <a:lstStyle/>
+          <a:p>
+            <a:pPr marL="0" indent="0">
+              <a:buNone/>
+            </a:pPr>
+            <a:r>
+              <a:rPr lang="en-GB" dirty="0" smtClean="0"/>
+              <a:t> </a:t>
             </a:r>
             <a:endParaRPr lang="en-GB" dirty="0"/>
           </a:p>
@@ -9658,13 +10418,11 @@
       </p:sp>
       <p:pic>
         <p:nvPicPr>
-          <p:cNvPr id="4" name="Content Placeholder 3"/>
+          <p:cNvPr id="8" name="Picture 7"/>
           <p:cNvPicPr>
-            <a:picLocks noGrp="1" noChangeAspect="1"/>
+            <a:picLocks noChangeAspect="1"/>
           </p:cNvPicPr>
-          <p:nvPr>
-            <p:ph idx="1"/>
-          </p:nvPr>
+          <p:nvPr/>
         </p:nvPicPr>
         <p:blipFill>
           <a:blip r:embed="rId3">
@@ -9680,15 +10438,51 @@
         </p:blipFill>
         <p:spPr>
           <a:xfrm>
-            <a:off x="4191000" y="2096294"/>
-            <a:ext cx="3810000" cy="3810000"/>
+            <a:off x="1565670" y="1547317"/>
+            <a:ext cx="8801649" cy="4754629"/>
           </a:xfrm>
+          <a:prstGeom prst="rect">
+            <a:avLst/>
+          </a:prstGeom>
         </p:spPr>
       </p:pic>
+      <p:sp>
+        <p:nvSpPr>
+          <p:cNvPr id="5" name="Rectangle 4"/>
+          <p:cNvSpPr/>
+          <p:nvPr/>
+        </p:nvSpPr>
+        <p:spPr>
+          <a:xfrm>
+            <a:off x="1272745" y="6311900"/>
+            <a:ext cx="8155459" cy="369332"/>
+          </a:xfrm>
+          <a:prstGeom prst="rect">
+            <a:avLst/>
+          </a:prstGeom>
+        </p:spPr>
+        <p:txBody>
+          <a:bodyPr wrap="square">
+            <a:spAutoFit/>
+          </a:bodyPr>
+          <a:lstStyle/>
+          <a:p>
+            <a:r>
+              <a:rPr lang="en-GB" dirty="0"/>
+              <a:t> </a:t>
+            </a:r>
+            <a:r>
+              <a:rPr lang="en-GB" dirty="0" smtClean="0"/>
+              <a:t>© Data Science Society, City, University of London</a:t>
+            </a:r>
+            <a:endParaRPr lang="en-GB" dirty="0"/>
+          </a:p>
+        </p:txBody>
+      </p:sp>
     </p:spTree>
     <p:extLst>
       <p:ext uri="{BB962C8B-B14F-4D97-AF65-F5344CB8AC3E}">
-        <p14:creationId xmlns:p14="http://schemas.microsoft.com/office/powerpoint/2010/main" val="467107411"/>
+        <p14:creationId xmlns:p14="http://schemas.microsoft.com/office/powerpoint/2010/main" val="1747612114"/>
       </p:ext>
     </p:extLst>
   </p:cSld>
@@ -9737,9 +10531,10 @@
           <a:bodyPr/>
           <a:lstStyle/>
           <a:p>
-            <a:r>
-              <a:rPr lang="en-GB" dirty="0" smtClean="0"/>
-              <a:t>Raspberry Pi Zero W - Connections 1</a:t>
+            <a:pPr algn="ctr"/>
+            <a:r>
+              <a:rPr lang="en-GB" dirty="0" smtClean="0"/>
+              <a:t>Raspberry Pi Zero W</a:t>
             </a:r>
             <a:endParaRPr lang="en-GB" dirty="0"/>
           </a:p>
@@ -9747,7 +10542,7 @@
       </p:sp>
       <p:pic>
         <p:nvPicPr>
-          <p:cNvPr id="4" name="Content Placeholder 3"/>
+          <p:cNvPr id="6" name="Content Placeholder 5"/>
           <p:cNvPicPr>
             <a:picLocks noGrp="1" noChangeAspect="1"/>
           </p:cNvPicPr>
@@ -9756,7 +10551,7 @@
           </p:nvPr>
         </p:nvPicPr>
         <p:blipFill>
-          <a:blip r:embed="rId2">
+          <a:blip r:embed="rId3">
             <a:extLst>
               <a:ext uri="{28A0092B-C50C-407E-A947-70E740481C1C}">
                 <a14:useLocalDpi xmlns:a14="http://schemas.microsoft.com/office/drawing/2010/main" val="0"/>
@@ -9769,15 +10564,15 @@
         </p:blipFill>
         <p:spPr>
           <a:xfrm>
-            <a:off x="3390918" y="1825625"/>
-            <a:ext cx="5410163" cy="4351338"/>
+            <a:off x="1277379" y="1412039"/>
+            <a:ext cx="9637241" cy="4690124"/>
           </a:xfrm>
         </p:spPr>
       </p:pic>
     </p:spTree>
     <p:extLst>
       <p:ext uri="{BB962C8B-B14F-4D97-AF65-F5344CB8AC3E}">
-        <p14:creationId xmlns:p14="http://schemas.microsoft.com/office/powerpoint/2010/main" val="2068857147"/>
+        <p14:creationId xmlns:p14="http://schemas.microsoft.com/office/powerpoint/2010/main" val="2269338655"/>
       </p:ext>
     </p:extLst>
   </p:cSld>
